--- a/bd/ONE PIECE.pptx
+++ b/bd/ONE PIECE.pptx
@@ -11,6 +11,12 @@
     <p:sldId id="259" r:id="rId5"/>
     <p:sldId id="260" r:id="rId6"/>
     <p:sldId id="261" r:id="rId7"/>
+    <p:sldId id="263" r:id="rId8"/>
+    <p:sldId id="262" r:id="rId9"/>
+    <p:sldId id="264" r:id="rId10"/>
+    <p:sldId id="265" r:id="rId11"/>
+    <p:sldId id="266" r:id="rId12"/>
+    <p:sldId id="267" r:id="rId13"/>
   </p:sldIdLst>
   <p:sldSz cx="12192000" cy="6858000"/>
   <p:notesSz cx="6858000" cy="9144000"/>
@@ -109,7 +115,147 @@
       </a:defRPr>
     </a:lvl9pPr>
   </p:defaultTextStyle>
+  <p:extLst>
+    <p:ext uri="{EFAFB233-063F-42B5-8137-9DF3F51BA10A}">
+      <p15:sldGuideLst xmlns:p15="http://schemas.microsoft.com/office/powerpoint/2012/main"/>
+    </p:ext>
+  </p:extLst>
 </p:presentation>
+</file>
+
+<file path=ppt/ink/ink1.xml><?xml version="1.0" encoding="utf-8"?>
+<inkml:ink xmlns:inkml="http://www.w3.org/2003/InkML">
+  <inkml:definitions>
+    <inkml:context xml:id="ctx0">
+      <inkml:inkSource xml:id="inkSrc0">
+        <inkml:traceFormat>
+          <inkml:channel name="X" type="integer" min="-2.14748E9" max="2.14748E9" units="cm"/>
+          <inkml:channel name="Y" type="integer" min="-2.14748E9" max="2.14748E9" units="cm"/>
+          <inkml:channel name="F" type="integer" max="32767" units="dev"/>
+        </inkml:traceFormat>
+        <inkml:channelProperties>
+          <inkml:channelProperty channel="X" name="resolution" value="1000" units="1/cm"/>
+          <inkml:channelProperty channel="Y" name="resolution" value="1000" units="1/cm"/>
+          <inkml:channelProperty channel="F" name="resolution" value="0" units="1/dev"/>
+        </inkml:channelProperties>
+      </inkml:inkSource>
+      <inkml:timestamp xml:id="ts0" timeString="2024-02-07T14:59:13.659"/>
+    </inkml:context>
+    <inkml:brush xml:id="br0">
+      <inkml:brushProperty name="width" value="0.035" units="cm"/>
+      <inkml:brushProperty name="height" value="0.035" units="cm"/>
+    </inkml:brush>
+  </inkml:definitions>
+  <inkml:trace contextRef="#ctx0" brushRef="#br0">1 0 24575,'63'2'0,"87"14"0,-106-12 0,0-2 0,46-3 0,61 2 0,-81 11 0,-49-8 0,0 0 0,31 0 0,86-6 0,102 4 0,-157 9 0,-47-6 0,56 2 0,637-8 0,-702 3 0,53 9 0,-53-6 0,51 2 0,939-6 0,-458-3 0,-531 4 0,50 8 0,-49-5 0,47 3 0,-55-8 0,6-1 0,0 2 0,0 1 0,45 9 0,-33-4 0,1-3 0,-1-1 0,1-1 0,51-6 0,4 2 0,-56 3 0,50 10 0,-50-6 0,52 2 0,60-10 0,169 5 0,-236 9 0,-49-5 0,58 1 0,824-8 0,-890 2 0,52 10 0,-52-6 0,51 3 0,1051-9 0,-1111 0 0,-1-1 0,33-7 0,29-4 0,-56 13-1365,-3 0-5461</inkml:trace>
+</inkml:ink>
+</file>
+
+<file path=ppt/ink/ink2.xml><?xml version="1.0" encoding="utf-8"?>
+<inkml:ink xmlns:inkml="http://www.w3.org/2003/InkML">
+  <inkml:definitions>
+    <inkml:context xml:id="ctx0">
+      <inkml:inkSource xml:id="inkSrc0">
+        <inkml:traceFormat>
+          <inkml:channel name="X" type="integer" min="-2.14748E9" max="2.14748E9" units="cm"/>
+          <inkml:channel name="Y" type="integer" min="-2.14748E9" max="2.14748E9" units="cm"/>
+          <inkml:channel name="F" type="integer" max="32767" units="dev"/>
+        </inkml:traceFormat>
+        <inkml:channelProperties>
+          <inkml:channelProperty channel="X" name="resolution" value="1000" units="1/cm"/>
+          <inkml:channelProperty channel="Y" name="resolution" value="1000" units="1/cm"/>
+          <inkml:channelProperty channel="F" name="resolution" value="0" units="1/dev"/>
+        </inkml:channelProperties>
+      </inkml:inkSource>
+      <inkml:timestamp xml:id="ts0" timeString="2024-02-07T14:59:15"/>
+    </inkml:context>
+    <inkml:brush xml:id="br0">
+      <inkml:brushProperty name="width" value="0.035" units="cm"/>
+      <inkml:brushProperty name="height" value="0.035" units="cm"/>
+    </inkml:brush>
+  </inkml:definitions>
+  <inkml:trace contextRef="#ctx0" brushRef="#br0">172 0 24575,'1'5'0,"-1"0"0,1-1 0,0 1 0,1-1 0,-1 1 0,1-1 0,0 0 0,0 0 0,1 0 0,-1 0 0,1 0 0,4 5 0,43 45 0,-39-44 0,-1 0 0,62 61 0,70 89 0,-132-149 0,0 0 0,1-2 0,0 1 0,0-1 0,21 12 0,18 15 0,-46-33 0,3 2 0,0 1 0,0 0 0,0 0 0,-1 0 0,0 1 0,9 14 0,-14-19 0,0 1 0,0 0 0,0-1 0,-1 1 0,1-1 0,-1 1 0,1 0 0,-1 0 0,0-1 0,0 1 0,0 0 0,-1-1 0,1 1 0,0 0 0,-1-1 0,0 1 0,0 0 0,0-1 0,0 1 0,0-1 0,0 1 0,-1-1 0,1 0 0,-1 0 0,1 1 0,-1-1 0,-3 2 0,-1 3 0,-1-1 0,-1 0 0,1 0 0,-1-1 0,-11 7 0,-24 18 0,27-18 0,-1 0 0,0-1 0,-1-1 0,-1-1 0,-26 10 0,18-7 0,-44 25 0,46-23 0,-44 18 0,43-21 0,-43 25 0,-65 41-1365,122-68-5461</inkml:trace>
+</inkml:ink>
+</file>
+
+<file path=ppt/ink/ink3.xml><?xml version="1.0" encoding="utf-8"?>
+<inkml:ink xmlns:inkml="http://www.w3.org/2003/InkML">
+  <inkml:definitions>
+    <inkml:context xml:id="ctx0">
+      <inkml:inkSource xml:id="inkSrc0">
+        <inkml:traceFormat>
+          <inkml:channel name="X" type="integer" min="-2.14748E9" max="2.14748E9" units="cm"/>
+          <inkml:channel name="Y" type="integer" min="-2.14748E9" max="2.14748E9" units="cm"/>
+          <inkml:channel name="F" type="integer" max="32767" units="dev"/>
+        </inkml:traceFormat>
+        <inkml:channelProperties>
+          <inkml:channelProperty channel="X" name="resolution" value="1000" units="1/cm"/>
+          <inkml:channelProperty channel="Y" name="resolution" value="1000" units="1/cm"/>
+          <inkml:channelProperty channel="F" name="resolution" value="0" units="1/dev"/>
+        </inkml:channelProperties>
+      </inkml:inkSource>
+      <inkml:timestamp xml:id="ts0" timeString="2024-02-07T15:01:34.015"/>
+    </inkml:context>
+    <inkml:brush xml:id="br0">
+      <inkml:brushProperty name="width" value="0.035" units="cm"/>
+      <inkml:brushProperty name="height" value="0.035" units="cm"/>
+    </inkml:brush>
+  </inkml:definitions>
+  <inkml:trace contextRef="#ctx0" brushRef="#br0">1 0 24575,'3'4'0,"0"0"0,0 0 0,0-1 0,0 1 0,1-1 0,-1 0 0,1 0 0,0 0 0,0-1 0,0 1 0,1-1 0,4 2 0,-1 1 0,139 87 0,-13-25 0,-99-47 0,1-1 0,1-2 0,56 18 0,-49-20 0,0 3 0,42 23 0,-63-29 0,47 16 0,-45-19 0,42 21 0,-41-17 0,0-2 0,1 0 0,36 8 0,-25-9 0,37 18 0,-22-8 0,64 16 0,29 10 0,-92-28 0,1-3 0,0-3 0,93 9 0,-109-16 0,-7 1 0,44 14 0,-52-13 0,1-1 0,-1 0 0,36 2 0,29 5 0,-65-8 0,-1-1 0,27 1 0,100 12 0,-89-8 0,65 15 0,-81-14 0,-1-2 0,49 3 0,-67-9 9,0 2 1,0 1-1,33 10 0,-33-7-238,1-1-1,52 5 1,-38-8 229,-1 2 0,41 12 0,50 8 0,205 39 0,-5 0 0,-47-12 0,-83-14 0,34 4 0,-85-16 0,-35-5 0,7 5 0,7 0 0,143 26-1154,-192-38 1154,118 38 0,41 9 0,85 6 0,-41 3 0,-125-40 0,283 63 0,-189-33 0,307 44 0,-134-18 0,-87-21 0,37 6 0,-128-21-438,57 20 350,-66-19 88,-127-28 0,21 5 0,82 33 0,-101-37 0,-60-15 0,74 25 0,-6-2 0,-30-10 0,170 57 596,-170-55-618,-46-14 661,74 29-1,-82-26-378,40 10 1,32 12-302,20 14 41,-66-27 0,112 58 0,92 63 0,-100-43 0,-40-22 0,-110-69 0,23 12 0,-2 1 0,0 3 0,39 34 0,46 39 0,-40-36 0,-39-25 0,-18-15 0,0-2 0,52 33 0,-65-45 0,0 0 0,0 1 0,-1 1 0,13 14 0,17 15 0,-26-27 0,-4-4 0,1 1 0,-1 0 0,-1 0 0,0 1 0,-1 1 0,0 0 0,0 0 0,-2 1 0,13 23 0,-9-5 0,-1-4 0,-1 1 0,-1 1 0,6 36 0,-11-49 0,1 1 0,0-1 0,1 0 0,16 29 0,6 14 0,-21-40-120,-3-6-58,1-1 0,0 0 0,0-1 1,1 1-1,1-1 0,15 20 0,-10-18-6648</inkml:trace>
+</inkml:ink>
+</file>
+
+<file path=ppt/ink/ink4.xml><?xml version="1.0" encoding="utf-8"?>
+<inkml:ink xmlns:inkml="http://www.w3.org/2003/InkML">
+  <inkml:definitions>
+    <inkml:context xml:id="ctx0">
+      <inkml:inkSource xml:id="inkSrc0">
+        <inkml:traceFormat>
+          <inkml:channel name="X" type="integer" min="-2.14748E9" max="2.14748E9" units="cm"/>
+          <inkml:channel name="Y" type="integer" min="-2.14748E9" max="2.14748E9" units="cm"/>
+          <inkml:channel name="F" type="integer" max="32767" units="dev"/>
+        </inkml:traceFormat>
+        <inkml:channelProperties>
+          <inkml:channelProperty channel="X" name="resolution" value="1000" units="1/cm"/>
+          <inkml:channelProperty channel="Y" name="resolution" value="1000" units="1/cm"/>
+          <inkml:channelProperty channel="F" name="resolution" value="0" units="1/dev"/>
+        </inkml:channelProperties>
+      </inkml:inkSource>
+      <inkml:timestamp xml:id="ts0" timeString="2024-02-07T15:01:35.135"/>
+    </inkml:context>
+    <inkml:brush xml:id="br0">
+      <inkml:brushProperty name="width" value="0.035" units="cm"/>
+      <inkml:brushProperty name="height" value="0.035" units="cm"/>
+    </inkml:brush>
+  </inkml:definitions>
+  <inkml:trace contextRef="#ctx0" brushRef="#br0">1 236 24575,'12'1'0,"1"-1"0,-1 2 0,0 0 0,0 0 0,1 1 0,-2 0 0,16 7 0,0 3 0,47 30 0,12 5 0,-57-33 0,0 1 0,44 33 0,-61-40 0,1 0 0,0-1 0,15 6 0,37 24 0,-58-32 0,0-1 0,0 0 0,1-1 0,0 1 0,-1-2 0,2 1 0,-1-1 0,0 0 0,1-1 0,-1 0 0,11 2 0,-17-5 0,-1 1 0,0-1 0,1 0 0,-1 0 0,0 1 0,0-1 0,1 0 0,-1 0 0,0 0 0,0 0 0,0 0 0,0 0 0,0-1 0,-1 1 0,1 0 0,0 0 0,-1-1 0,1 1 0,0 0 0,0-3 0,10-36 0,-8 27 0,8-24 0,-2 0 0,-2-1 0,-1 0 0,1-66 0,-8-108-1365,1 189-5461</inkml:trace>
+</inkml:ink>
+</file>
+
+<file path=ppt/ink/ink5.xml><?xml version="1.0" encoding="utf-8"?>
+<inkml:ink xmlns:inkml="http://www.w3.org/2003/InkML">
+  <inkml:definitions>
+    <inkml:context xml:id="ctx0">
+      <inkml:inkSource xml:id="inkSrc0">
+        <inkml:traceFormat>
+          <inkml:channel name="X" type="integer" min="-2.14748E9" max="2.14748E9" units="cm"/>
+          <inkml:channel name="Y" type="integer" min="-2.14748E9" max="2.14748E9" units="cm"/>
+          <inkml:channel name="F" type="integer" max="32767" units="dev"/>
+        </inkml:traceFormat>
+        <inkml:channelProperties>
+          <inkml:channelProperty channel="X" name="resolution" value="1000" units="1/cm"/>
+          <inkml:channelProperty channel="Y" name="resolution" value="1000" units="1/cm"/>
+          <inkml:channelProperty channel="F" name="resolution" value="0" units="1/dev"/>
+        </inkml:channelProperties>
+      </inkml:inkSource>
+      <inkml:timestamp xml:id="ts0" timeString="2024-02-07T15:01:40.834"/>
+    </inkml:context>
+    <inkml:brush xml:id="br0">
+      <inkml:brushProperty name="width" value="0.035" units="cm"/>
+      <inkml:brushProperty name="height" value="0.035" units="cm"/>
+    </inkml:brush>
+  </inkml:definitions>
+  <inkml:trace contextRef="#ctx0" brushRef="#br0">1 0 24575</inkml:trace>
+</inkml:ink>
 </file>
 
 <file path=ppt/slideLayouts/slideLayout1.xml><?xml version="1.0" encoding="utf-8"?>
@@ -259,7 +405,7 @@
           <a:p>
             <a:fld id="{9C6308A8-E1F4-4DDE-BC6F-9DF3D08D6743}" type="datetimeFigureOut">
               <a:rPr lang="fr-FR" smtClean="0"/>
-              <a:t>05/02/2024</a:t>
+              <a:t>07/02/2024</a:t>
             </a:fld>
             <a:endParaRPr lang="fr-FR"/>
           </a:p>
@@ -457,7 +603,7 @@
           <a:p>
             <a:fld id="{9C6308A8-E1F4-4DDE-BC6F-9DF3D08D6743}" type="datetimeFigureOut">
               <a:rPr lang="fr-FR" smtClean="0"/>
-              <a:t>05/02/2024</a:t>
+              <a:t>07/02/2024</a:t>
             </a:fld>
             <a:endParaRPr lang="fr-FR"/>
           </a:p>
@@ -665,7 +811,7 @@
           <a:p>
             <a:fld id="{9C6308A8-E1F4-4DDE-BC6F-9DF3D08D6743}" type="datetimeFigureOut">
               <a:rPr lang="fr-FR" smtClean="0"/>
-              <a:t>05/02/2024</a:t>
+              <a:t>07/02/2024</a:t>
             </a:fld>
             <a:endParaRPr lang="fr-FR"/>
           </a:p>
@@ -863,7 +1009,7 @@
           <a:p>
             <a:fld id="{9C6308A8-E1F4-4DDE-BC6F-9DF3D08D6743}" type="datetimeFigureOut">
               <a:rPr lang="fr-FR" smtClean="0"/>
-              <a:t>05/02/2024</a:t>
+              <a:t>07/02/2024</a:t>
             </a:fld>
             <a:endParaRPr lang="fr-FR"/>
           </a:p>
@@ -1138,7 +1284,7 @@
           <a:p>
             <a:fld id="{9C6308A8-E1F4-4DDE-BC6F-9DF3D08D6743}" type="datetimeFigureOut">
               <a:rPr lang="fr-FR" smtClean="0"/>
-              <a:t>05/02/2024</a:t>
+              <a:t>07/02/2024</a:t>
             </a:fld>
             <a:endParaRPr lang="fr-FR"/>
           </a:p>
@@ -1403,7 +1549,7 @@
           <a:p>
             <a:fld id="{9C6308A8-E1F4-4DDE-BC6F-9DF3D08D6743}" type="datetimeFigureOut">
               <a:rPr lang="fr-FR" smtClean="0"/>
-              <a:t>05/02/2024</a:t>
+              <a:t>07/02/2024</a:t>
             </a:fld>
             <a:endParaRPr lang="fr-FR"/>
           </a:p>
@@ -1815,7 +1961,7 @@
           <a:p>
             <a:fld id="{9C6308A8-E1F4-4DDE-BC6F-9DF3D08D6743}" type="datetimeFigureOut">
               <a:rPr lang="fr-FR" smtClean="0"/>
-              <a:t>05/02/2024</a:t>
+              <a:t>07/02/2024</a:t>
             </a:fld>
             <a:endParaRPr lang="fr-FR"/>
           </a:p>
@@ -1956,7 +2102,7 @@
           <a:p>
             <a:fld id="{9C6308A8-E1F4-4DDE-BC6F-9DF3D08D6743}" type="datetimeFigureOut">
               <a:rPr lang="fr-FR" smtClean="0"/>
-              <a:t>05/02/2024</a:t>
+              <a:t>07/02/2024</a:t>
             </a:fld>
             <a:endParaRPr lang="fr-FR"/>
           </a:p>
@@ -2069,7 +2215,7 @@
           <a:p>
             <a:fld id="{9C6308A8-E1F4-4DDE-BC6F-9DF3D08D6743}" type="datetimeFigureOut">
               <a:rPr lang="fr-FR" smtClean="0"/>
-              <a:t>05/02/2024</a:t>
+              <a:t>07/02/2024</a:t>
             </a:fld>
             <a:endParaRPr lang="fr-FR"/>
           </a:p>
@@ -2380,7 +2526,7 @@
           <a:p>
             <a:fld id="{9C6308A8-E1F4-4DDE-BC6F-9DF3D08D6743}" type="datetimeFigureOut">
               <a:rPr lang="fr-FR" smtClean="0"/>
-              <a:t>05/02/2024</a:t>
+              <a:t>07/02/2024</a:t>
             </a:fld>
             <a:endParaRPr lang="fr-FR"/>
           </a:p>
@@ -2668,7 +2814,7 @@
           <a:p>
             <a:fld id="{9C6308A8-E1F4-4DDE-BC6F-9DF3D08D6743}" type="datetimeFigureOut">
               <a:rPr lang="fr-FR" smtClean="0"/>
-              <a:t>05/02/2024</a:t>
+              <a:t>07/02/2024</a:t>
             </a:fld>
             <a:endParaRPr lang="fr-FR"/>
           </a:p>
@@ -2909,7 +3055,7 @@
           <a:p>
             <a:fld id="{9C6308A8-E1F4-4DDE-BC6F-9DF3D08D6743}" type="datetimeFigureOut">
               <a:rPr lang="fr-FR" smtClean="0"/>
-              <a:t>05/02/2024</a:t>
+              <a:t>07/02/2024</a:t>
             </a:fld>
             <a:endParaRPr lang="fr-FR"/>
           </a:p>
@@ -3345,7 +3491,7 @@
         <p:spPr>
           <a:xfrm>
             <a:off x="2988732" y="2388657"/>
-            <a:ext cx="3674533" cy="1019704"/>
+            <a:ext cx="4383618" cy="1019704"/>
           </a:xfrm>
         </p:spPr>
         <p:txBody>
@@ -3428,7 +3574,7 @@
         </p:blipFill>
         <p:spPr>
           <a:xfrm>
-            <a:off x="7179733" y="1665022"/>
+            <a:off x="7264399" y="1665021"/>
             <a:ext cx="1847850" cy="2466975"/>
           </a:xfrm>
           <a:prstGeom prst="rect">
@@ -3446,6 +3592,1913 @@
   <p:clrMapOvr>
     <a:masterClrMapping/>
   </p:clrMapOvr>
+  <mc:AlternateContent xmlns:mc="http://schemas.openxmlformats.org/markup-compatibility/2006">
+    <mc:Choice xmlns:p14="http://schemas.microsoft.com/office/powerpoint/2010/main" Requires="p14">
+      <p:transition spd="slow">
+        <p14:flash/>
+      </p:transition>
+    </mc:Choice>
+    <mc:Fallback>
+      <p:transition spd="slow">
+        <p:fade/>
+      </p:transition>
+    </mc:Fallback>
+  </mc:AlternateContent>
+  <p:timing>
+    <p:tnLst>
+      <p:par>
+        <p:cTn id="1" dur="indefinite" restart="never" nodeType="tmRoot">
+          <p:childTnLst>
+            <p:seq concurrent="1" nextAc="seek">
+              <p:cTn id="2" dur="indefinite" nodeType="mainSeq">
+                <p:childTnLst>
+                  <p:par>
+                    <p:cTn id="3" fill="hold">
+                      <p:stCondLst>
+                        <p:cond delay="indefinite"/>
+                      </p:stCondLst>
+                      <p:childTnLst>
+                        <p:par>
+                          <p:cTn id="4" fill="hold">
+                            <p:stCondLst>
+                              <p:cond delay="0"/>
+                            </p:stCondLst>
+                            <p:childTnLst>
+                              <p:par>
+                                <p:cTn id="5" presetID="32" presetClass="emph" presetSubtype="0" fill="hold" nodeType="clickEffect">
+                                  <p:stCondLst>
+                                    <p:cond delay="0"/>
+                                  </p:stCondLst>
+                                  <p:childTnLst>
+                                    <p:animRot by="120000">
+                                      <p:cBhvr>
+                                        <p:cTn id="6" dur="100" fill="hold">
+                                          <p:stCondLst>
+                                            <p:cond delay="0"/>
+                                          </p:stCondLst>
+                                        </p:cTn>
+                                        <p:tgtEl>
+                                          <p:spTgt spid="5"/>
+                                        </p:tgtEl>
+                                        <p:attrNameLst>
+                                          <p:attrName>r</p:attrName>
+                                        </p:attrNameLst>
+                                      </p:cBhvr>
+                                    </p:animRot>
+                                    <p:animRot by="-240000">
+                                      <p:cBhvr>
+                                        <p:cTn id="7" dur="200" fill="hold">
+                                          <p:stCondLst>
+                                            <p:cond delay="200"/>
+                                          </p:stCondLst>
+                                        </p:cTn>
+                                        <p:tgtEl>
+                                          <p:spTgt spid="5"/>
+                                        </p:tgtEl>
+                                        <p:attrNameLst>
+                                          <p:attrName>r</p:attrName>
+                                        </p:attrNameLst>
+                                      </p:cBhvr>
+                                    </p:animRot>
+                                    <p:animRot by="240000">
+                                      <p:cBhvr>
+                                        <p:cTn id="8" dur="200" fill="hold">
+                                          <p:stCondLst>
+                                            <p:cond delay="400"/>
+                                          </p:stCondLst>
+                                        </p:cTn>
+                                        <p:tgtEl>
+                                          <p:spTgt spid="5"/>
+                                        </p:tgtEl>
+                                        <p:attrNameLst>
+                                          <p:attrName>r</p:attrName>
+                                        </p:attrNameLst>
+                                      </p:cBhvr>
+                                    </p:animRot>
+                                    <p:animRot by="-240000">
+                                      <p:cBhvr>
+                                        <p:cTn id="9" dur="200" fill="hold">
+                                          <p:stCondLst>
+                                            <p:cond delay="600"/>
+                                          </p:stCondLst>
+                                        </p:cTn>
+                                        <p:tgtEl>
+                                          <p:spTgt spid="5"/>
+                                        </p:tgtEl>
+                                        <p:attrNameLst>
+                                          <p:attrName>r</p:attrName>
+                                        </p:attrNameLst>
+                                      </p:cBhvr>
+                                    </p:animRot>
+                                    <p:animRot by="120000">
+                                      <p:cBhvr>
+                                        <p:cTn id="10" dur="200" fill="hold">
+                                          <p:stCondLst>
+                                            <p:cond delay="800"/>
+                                          </p:stCondLst>
+                                        </p:cTn>
+                                        <p:tgtEl>
+                                          <p:spTgt spid="5"/>
+                                        </p:tgtEl>
+                                        <p:attrNameLst>
+                                          <p:attrName>r</p:attrName>
+                                        </p:attrNameLst>
+                                      </p:cBhvr>
+                                    </p:animRot>
+                                  </p:childTnLst>
+                                </p:cTn>
+                              </p:par>
+                            </p:childTnLst>
+                          </p:cTn>
+                        </p:par>
+                      </p:childTnLst>
+                    </p:cTn>
+                  </p:par>
+                  <p:par>
+                    <p:cTn id="11" fill="hold">
+                      <p:stCondLst>
+                        <p:cond delay="indefinite"/>
+                      </p:stCondLst>
+                      <p:childTnLst>
+                        <p:par>
+                          <p:cTn id="12" fill="hold">
+                            <p:stCondLst>
+                              <p:cond delay="0"/>
+                            </p:stCondLst>
+                            <p:childTnLst>
+                              <p:par>
+                                <p:cTn id="13" presetID="26" presetClass="exit" presetSubtype="0" fill="hold" nodeType="clickEffect">
+                                  <p:stCondLst>
+                                    <p:cond delay="0"/>
+                                  </p:stCondLst>
+                                  <p:childTnLst>
+                                    <p:animEffect transition="out" filter="wipe(down)">
+                                      <p:cBhvr>
+                                        <p:cTn id="14" dur="180" accel="50000">
+                                          <p:stCondLst>
+                                            <p:cond delay="1820"/>
+                                          </p:stCondLst>
+                                        </p:cTn>
+                                        <p:tgtEl>
+                                          <p:spTgt spid="5"/>
+                                        </p:tgtEl>
+                                      </p:cBhvr>
+                                    </p:animEffect>
+                                    <p:anim calcmode="lin" valueType="num">
+                                      <p:cBhvr>
+                                        <p:cTn id="15" dur="1822" tmFilter="0,0; 0.14,0.31; 0.43,0.73; 0.71,0.91; 1.0,1.0">
+                                          <p:stCondLst>
+                                            <p:cond delay="0"/>
+                                          </p:stCondLst>
+                                        </p:cTn>
+                                        <p:tgtEl>
+                                          <p:spTgt spid="5"/>
+                                        </p:tgtEl>
+                                        <p:attrNameLst>
+                                          <p:attrName>ppt_x</p:attrName>
+                                        </p:attrNameLst>
+                                      </p:cBhvr>
+                                      <p:tavLst>
+                                        <p:tav tm="0">
+                                          <p:val>
+                                            <p:strVal val="ppt_x"/>
+                                          </p:val>
+                                        </p:tav>
+                                        <p:tav tm="100000">
+                                          <p:val>
+                                            <p:strVal val="#ppt_x+0.25"/>
+                                          </p:val>
+                                        </p:tav>
+                                      </p:tavLst>
+                                    </p:anim>
+                                    <p:anim calcmode="lin" valueType="num">
+                                      <p:cBhvr>
+                                        <p:cTn id="16" dur="178">
+                                          <p:stCondLst>
+                                            <p:cond delay="1822"/>
+                                          </p:stCondLst>
+                                        </p:cTn>
+                                        <p:tgtEl>
+                                          <p:spTgt spid="5"/>
+                                        </p:tgtEl>
+                                        <p:attrNameLst>
+                                          <p:attrName>ppt_x</p:attrName>
+                                        </p:attrNameLst>
+                                      </p:cBhvr>
+                                      <p:tavLst>
+                                        <p:tav tm="0">
+                                          <p:val>
+                                            <p:strVal val="ppt_x"/>
+                                          </p:val>
+                                        </p:tav>
+                                        <p:tav tm="100000">
+                                          <p:val>
+                                            <p:strVal val="ppt_x"/>
+                                          </p:val>
+                                        </p:tav>
+                                      </p:tavLst>
+                                    </p:anim>
+                                    <p:anim calcmode="lin" valueType="num">
+                                      <p:cBhvr>
+                                        <p:cTn id="17" dur="664" tmFilter="0.0,0.0;0.25,0.07;0.50,0.2;0.75,0.467;1.0,1.0">
+                                          <p:stCondLst>
+                                            <p:cond delay="0"/>
+                                          </p:stCondLst>
+                                        </p:cTn>
+                                        <p:tgtEl>
+                                          <p:spTgt spid="5"/>
+                                        </p:tgtEl>
+                                        <p:attrNameLst>
+                                          <p:attrName>ppt_y</p:attrName>
+                                        </p:attrNameLst>
+                                      </p:cBhvr>
+                                      <p:tavLst>
+                                        <p:tav tm="0">
+                                          <p:val>
+                                            <p:strVal val="ppt_y"/>
+                                          </p:val>
+                                        </p:tav>
+                                        <p:tav tm="5000">
+                                          <p:val>
+                                            <p:strVal val="ppt_y+0.026"/>
+                                          </p:val>
+                                        </p:tav>
+                                        <p:tav tm="10000">
+                                          <p:val>
+                                            <p:strVal val="ppt_y+0.052"/>
+                                          </p:val>
+                                        </p:tav>
+                                        <p:tav tm="15000">
+                                          <p:val>
+                                            <p:strVal val="ppt_y+0.078"/>
+                                          </p:val>
+                                        </p:tav>
+                                        <p:tav tm="20000">
+                                          <p:val>
+                                            <p:strVal val="ppt_y+0.103"/>
+                                          </p:val>
+                                        </p:tav>
+                                        <p:tav tm="30000">
+                                          <p:val>
+                                            <p:strVal val="ppt_y+0.151"/>
+                                          </p:val>
+                                        </p:tav>
+                                        <p:tav tm="40000">
+                                          <p:val>
+                                            <p:strVal val="ppt_y+0.196"/>
+                                          </p:val>
+                                        </p:tav>
+                                        <p:tav tm="50000">
+                                          <p:val>
+                                            <p:strVal val="ppt_y+0.236"/>
+                                          </p:val>
+                                        </p:tav>
+                                        <p:tav tm="60000">
+                                          <p:val>
+                                            <p:strVal val="ppt_y+0.270"/>
+                                          </p:val>
+                                        </p:tav>
+                                        <p:tav tm="70000">
+                                          <p:val>
+                                            <p:strVal val="ppt_y+0.297"/>
+                                          </p:val>
+                                        </p:tav>
+                                        <p:tav tm="80000">
+                                          <p:val>
+                                            <p:strVal val="ppt_y+0.317"/>
+                                          </p:val>
+                                        </p:tav>
+                                        <p:tav tm="90000">
+                                          <p:val>
+                                            <p:strVal val="ppt_y+0.329"/>
+                                          </p:val>
+                                        </p:tav>
+                                        <p:tav tm="100000">
+                                          <p:val>
+                                            <p:strVal val="ppt_y+0.333"/>
+                                          </p:val>
+                                        </p:tav>
+                                      </p:tavLst>
+                                    </p:anim>
+                                    <p:anim calcmode="lin" valueType="num">
+                                      <p:cBhvr>
+                                        <p:cTn id="18" dur="664" tmFilter="0, 0; 0.125,0.2665; 0.25,0.4; 0.375,0.465; 0.5,0.5;  0.625,0.535; 0.75,0.6; 0.875,0.7335; 1,1">
+                                          <p:stCondLst>
+                                            <p:cond delay="664"/>
+                                          </p:stCondLst>
+                                        </p:cTn>
+                                        <p:tgtEl>
+                                          <p:spTgt spid="5"/>
+                                        </p:tgtEl>
+                                        <p:attrNameLst>
+                                          <p:attrName>ppt_y</p:attrName>
+                                        </p:attrNameLst>
+                                      </p:cBhvr>
+                                      <p:tavLst>
+                                        <p:tav tm="0">
+                                          <p:val>
+                                            <p:strVal val="ppt_y"/>
+                                          </p:val>
+                                        </p:tav>
+                                        <p:tav tm="10000">
+                                          <p:val>
+                                            <p:strVal val="ppt_y-0.034"/>
+                                          </p:val>
+                                        </p:tav>
+                                        <p:tav tm="20000">
+                                          <p:val>
+                                            <p:strVal val="ppt_y-0.065"/>
+                                          </p:val>
+                                        </p:tav>
+                                        <p:tav tm="30000">
+                                          <p:val>
+                                            <p:strVal val="ppt_y-0.090"/>
+                                          </p:val>
+                                        </p:tav>
+                                        <p:tav tm="40000">
+                                          <p:val>
+                                            <p:strVal val="ppt_y-0.106"/>
+                                          </p:val>
+                                        </p:tav>
+                                        <p:tav tm="50000">
+                                          <p:val>
+                                            <p:strVal val="ppt_y-0.111"/>
+                                          </p:val>
+                                        </p:tav>
+                                        <p:tav tm="60000">
+                                          <p:val>
+                                            <p:strVal val="ppt_y-0.106"/>
+                                          </p:val>
+                                        </p:tav>
+                                        <p:tav tm="70000">
+                                          <p:val>
+                                            <p:strVal val="ppt_y-0.090"/>
+                                          </p:val>
+                                        </p:tav>
+                                        <p:tav tm="80000">
+                                          <p:val>
+                                            <p:strVal val="ppt_y-0.065"/>
+                                          </p:val>
+                                        </p:tav>
+                                        <p:tav tm="90000">
+                                          <p:val>
+                                            <p:strVal val="ppt_y-0.034"/>
+                                          </p:val>
+                                        </p:tav>
+                                        <p:tav tm="100000">
+                                          <p:val>
+                                            <p:strVal val="ppt_y"/>
+                                          </p:val>
+                                        </p:tav>
+                                      </p:tavLst>
+                                    </p:anim>
+                                    <p:anim calcmode="lin" valueType="num">
+                                      <p:cBhvr>
+                                        <p:cTn id="19" dur="332" tmFilter="0, 0; 0.125,0.2665; 0.25,0.4; 0.375,0.465; 0.5,0.5;  0.625,0.535; 0.75,0.6; 0.875,0.7335; 1,1">
+                                          <p:stCondLst>
+                                            <p:cond delay="1324"/>
+                                          </p:stCondLst>
+                                        </p:cTn>
+                                        <p:tgtEl>
+                                          <p:spTgt spid="5"/>
+                                        </p:tgtEl>
+                                        <p:attrNameLst>
+                                          <p:attrName>ppt_y</p:attrName>
+                                        </p:attrNameLst>
+                                      </p:cBhvr>
+                                      <p:tavLst>
+                                        <p:tav tm="0">
+                                          <p:val>
+                                            <p:strVal val="ppt_y"/>
+                                          </p:val>
+                                        </p:tav>
+                                        <p:tav tm="10000">
+                                          <p:val>
+                                            <p:strVal val="ppt_y-0.011"/>
+                                          </p:val>
+                                        </p:tav>
+                                        <p:tav tm="20000">
+                                          <p:val>
+                                            <p:strVal val="ppt_y-0.022"/>
+                                          </p:val>
+                                        </p:tav>
+                                        <p:tav tm="30000">
+                                          <p:val>
+                                            <p:strVal val="ppt_y-0.030"/>
+                                          </p:val>
+                                        </p:tav>
+                                        <p:tav tm="40000">
+                                          <p:val>
+                                            <p:strVal val="ppt_y-0.035"/>
+                                          </p:val>
+                                        </p:tav>
+                                        <p:tav tm="50000">
+                                          <p:val>
+                                            <p:strVal val="ppt_y-0.037"/>
+                                          </p:val>
+                                        </p:tav>
+                                        <p:tav tm="60000">
+                                          <p:val>
+                                            <p:strVal val="ppt_y-0.035"/>
+                                          </p:val>
+                                        </p:tav>
+                                        <p:tav tm="70000">
+                                          <p:val>
+                                            <p:strVal val="ppt_y-0.030"/>
+                                          </p:val>
+                                        </p:tav>
+                                        <p:tav tm="80000">
+                                          <p:val>
+                                            <p:strVal val="ppt_y-0.022"/>
+                                          </p:val>
+                                        </p:tav>
+                                        <p:tav tm="90000">
+                                          <p:val>
+                                            <p:strVal val="ppt_y-0.011"/>
+                                          </p:val>
+                                        </p:tav>
+                                        <p:tav tm="100000">
+                                          <p:val>
+                                            <p:strVal val="ppt_y"/>
+                                          </p:val>
+                                        </p:tav>
+                                      </p:tavLst>
+                                    </p:anim>
+                                    <p:anim calcmode="lin" valueType="num">
+                                      <p:cBhvr>
+                                        <p:cTn id="20" dur="164" tmFilter="0, 0; 0.125,0.2665; 0.25,0.4; 0.375,0.465; 0.5,0.5;  0.625,0.535; 0.75,0.6; 0.875,0.7335; 1,1">
+                                          <p:stCondLst>
+                                            <p:cond delay="1656"/>
+                                          </p:stCondLst>
+                                        </p:cTn>
+                                        <p:tgtEl>
+                                          <p:spTgt spid="5"/>
+                                        </p:tgtEl>
+                                        <p:attrNameLst>
+                                          <p:attrName>ppt_y</p:attrName>
+                                        </p:attrNameLst>
+                                      </p:cBhvr>
+                                      <p:tavLst>
+                                        <p:tav tm="0">
+                                          <p:val>
+                                            <p:strVal val="ppt_y"/>
+                                          </p:val>
+                                        </p:tav>
+                                        <p:tav tm="10000">
+                                          <p:val>
+                                            <p:strVal val="ppt_y-0.004"/>
+                                          </p:val>
+                                        </p:tav>
+                                        <p:tav tm="20000">
+                                          <p:val>
+                                            <p:strVal val="ppt_y-0.007"/>
+                                          </p:val>
+                                        </p:tav>
+                                        <p:tav tm="30000">
+                                          <p:val>
+                                            <p:strVal val="ppt_y-0.010"/>
+                                          </p:val>
+                                        </p:tav>
+                                        <p:tav tm="40000">
+                                          <p:val>
+                                            <p:strVal val="ppt_y-0.012"/>
+                                          </p:val>
+                                        </p:tav>
+                                        <p:tav tm="50000">
+                                          <p:val>
+                                            <p:strVal val="ppt_y-0.0123"/>
+                                          </p:val>
+                                        </p:tav>
+                                        <p:tav tm="60000">
+                                          <p:val>
+                                            <p:strVal val="ppt_y-0.012"/>
+                                          </p:val>
+                                        </p:tav>
+                                        <p:tav tm="70000">
+                                          <p:val>
+                                            <p:strVal val="ppt_y-0.010"/>
+                                          </p:val>
+                                        </p:tav>
+                                        <p:tav tm="80000">
+                                          <p:val>
+                                            <p:strVal val="ppt_y-0.007"/>
+                                          </p:val>
+                                        </p:tav>
+                                        <p:tav tm="90000">
+                                          <p:val>
+                                            <p:strVal val="ppt_y-0.004"/>
+                                          </p:val>
+                                        </p:tav>
+                                        <p:tav tm="100000">
+                                          <p:val>
+                                            <p:strVal val="ppt_y"/>
+                                          </p:val>
+                                        </p:tav>
+                                      </p:tavLst>
+                                    </p:anim>
+                                    <p:anim calcmode="lin" valueType="num">
+                                      <p:cBhvr>
+                                        <p:cTn id="21" dur="180" accel="50000">
+                                          <p:stCondLst>
+                                            <p:cond delay="1820"/>
+                                          </p:stCondLst>
+                                        </p:cTn>
+                                        <p:tgtEl>
+                                          <p:spTgt spid="5"/>
+                                        </p:tgtEl>
+                                        <p:attrNameLst>
+                                          <p:attrName>ppt_y</p:attrName>
+                                        </p:attrNameLst>
+                                      </p:cBhvr>
+                                      <p:tavLst>
+                                        <p:tav tm="0">
+                                          <p:val>
+                                            <p:strVal val="ppt_y"/>
+                                          </p:val>
+                                        </p:tav>
+                                        <p:tav tm="100000">
+                                          <p:val>
+                                            <p:strVal val="ppt_y+ppt_h"/>
+                                          </p:val>
+                                        </p:tav>
+                                      </p:tavLst>
+                                    </p:anim>
+                                    <p:animScale>
+                                      <p:cBhvr>
+                                        <p:cTn id="22" dur="26">
+                                          <p:stCondLst>
+                                            <p:cond delay="620"/>
+                                          </p:stCondLst>
+                                        </p:cTn>
+                                        <p:tgtEl>
+                                          <p:spTgt spid="5"/>
+                                        </p:tgtEl>
+                                      </p:cBhvr>
+                                      <p:to x="100000" y="60000"/>
+                                    </p:animScale>
+                                    <p:animScale>
+                                      <p:cBhvr>
+                                        <p:cTn id="23" dur="166" decel="50000">
+                                          <p:stCondLst>
+                                            <p:cond delay="646"/>
+                                          </p:stCondLst>
+                                        </p:cTn>
+                                        <p:tgtEl>
+                                          <p:spTgt spid="5"/>
+                                        </p:tgtEl>
+                                      </p:cBhvr>
+                                      <p:to x="100000" y="100000"/>
+                                    </p:animScale>
+                                    <p:animScale>
+                                      <p:cBhvr>
+                                        <p:cTn id="24" dur="26">
+                                          <p:stCondLst>
+                                            <p:cond delay="1312"/>
+                                          </p:stCondLst>
+                                        </p:cTn>
+                                        <p:tgtEl>
+                                          <p:spTgt spid="5"/>
+                                        </p:tgtEl>
+                                      </p:cBhvr>
+                                      <p:to x="100000" y="80000"/>
+                                    </p:animScale>
+                                    <p:animScale>
+                                      <p:cBhvr>
+                                        <p:cTn id="25" dur="166" decel="50000">
+                                          <p:stCondLst>
+                                            <p:cond delay="1338"/>
+                                          </p:stCondLst>
+                                        </p:cTn>
+                                        <p:tgtEl>
+                                          <p:spTgt spid="5"/>
+                                        </p:tgtEl>
+                                      </p:cBhvr>
+                                      <p:to x="100000" y="100000"/>
+                                    </p:animScale>
+                                    <p:animScale>
+                                      <p:cBhvr>
+                                        <p:cTn id="26" dur="26">
+                                          <p:stCondLst>
+                                            <p:cond delay="1642"/>
+                                          </p:stCondLst>
+                                        </p:cTn>
+                                        <p:tgtEl>
+                                          <p:spTgt spid="5"/>
+                                        </p:tgtEl>
+                                      </p:cBhvr>
+                                      <p:to x="100000" y="90000"/>
+                                    </p:animScale>
+                                    <p:animScale>
+                                      <p:cBhvr>
+                                        <p:cTn id="27" dur="166" decel="50000">
+                                          <p:stCondLst>
+                                            <p:cond delay="1668"/>
+                                          </p:stCondLst>
+                                        </p:cTn>
+                                        <p:tgtEl>
+                                          <p:spTgt spid="5"/>
+                                        </p:tgtEl>
+                                      </p:cBhvr>
+                                      <p:to x="100000" y="100000"/>
+                                    </p:animScale>
+                                    <p:animScale>
+                                      <p:cBhvr>
+                                        <p:cTn id="28" dur="26">
+                                          <p:stCondLst>
+                                            <p:cond delay="1808"/>
+                                          </p:stCondLst>
+                                        </p:cTn>
+                                        <p:tgtEl>
+                                          <p:spTgt spid="5"/>
+                                        </p:tgtEl>
+                                      </p:cBhvr>
+                                      <p:to x="100000" y="95000"/>
+                                    </p:animScale>
+                                    <p:animScale>
+                                      <p:cBhvr>
+                                        <p:cTn id="29" dur="166" decel="50000">
+                                          <p:stCondLst>
+                                            <p:cond delay="1834"/>
+                                          </p:stCondLst>
+                                        </p:cTn>
+                                        <p:tgtEl>
+                                          <p:spTgt spid="5"/>
+                                        </p:tgtEl>
+                                      </p:cBhvr>
+                                      <p:to x="100000" y="100000"/>
+                                    </p:animScale>
+                                    <p:set>
+                                      <p:cBhvr>
+                                        <p:cTn id="30" dur="1" fill="hold">
+                                          <p:stCondLst>
+                                            <p:cond delay="1999"/>
+                                          </p:stCondLst>
+                                        </p:cTn>
+                                        <p:tgtEl>
+                                          <p:spTgt spid="5"/>
+                                        </p:tgtEl>
+                                        <p:attrNameLst>
+                                          <p:attrName>style.visibility</p:attrName>
+                                        </p:attrNameLst>
+                                      </p:cBhvr>
+                                      <p:to>
+                                        <p:strVal val="hidden"/>
+                                      </p:to>
+                                    </p:set>
+                                  </p:childTnLst>
+                                </p:cTn>
+                              </p:par>
+                            </p:childTnLst>
+                          </p:cTn>
+                        </p:par>
+                      </p:childTnLst>
+                    </p:cTn>
+                  </p:par>
+                </p:childTnLst>
+              </p:cTn>
+              <p:prevCondLst>
+                <p:cond evt="onPrev" delay="0">
+                  <p:tgtEl>
+                    <p:sldTgt/>
+                  </p:tgtEl>
+                </p:cond>
+              </p:prevCondLst>
+              <p:nextCondLst>
+                <p:cond evt="onNext" delay="0">
+                  <p:tgtEl>
+                    <p:sldTgt/>
+                  </p:tgtEl>
+                </p:cond>
+              </p:nextCondLst>
+            </p:seq>
+          </p:childTnLst>
+        </p:cTn>
+      </p:par>
+    </p:tnLst>
+  </p:timing>
+</p:sld>
+</file>
+
+<file path=ppt/slides/slide10.xml><?xml version="1.0" encoding="utf-8"?>
+<p:sld xmlns:a="http://schemas.openxmlformats.org/drawingml/2006/main" xmlns:r="http://schemas.openxmlformats.org/officeDocument/2006/relationships" xmlns:p="http://schemas.openxmlformats.org/presentationml/2006/main">
+  <p:cSld>
+    <p:spTree>
+      <p:nvGrpSpPr>
+        <p:cNvPr id="1" name=""/>
+        <p:cNvGrpSpPr/>
+        <p:nvPr/>
+      </p:nvGrpSpPr>
+      <p:grpSpPr>
+        <a:xfrm>
+          <a:off x="0" y="0"/>
+          <a:ext cx="0" cy="0"/>
+          <a:chOff x="0" y="0"/>
+          <a:chExt cx="0" cy="0"/>
+        </a:xfrm>
+      </p:grpSpPr>
+      <p:sp>
+        <p:nvSpPr>
+          <p:cNvPr id="11" name="ZoneTexte 10">
+            <a:extLst>
+              <a:ext uri="{FF2B5EF4-FFF2-40B4-BE49-F238E27FC236}">
+                <a16:creationId xmlns:a16="http://schemas.microsoft.com/office/drawing/2014/main" id="{5F069EDF-3425-3D84-6CF7-AF91898D271E}"/>
+              </a:ext>
+            </a:extLst>
+          </p:cNvPr>
+          <p:cNvSpPr txBox="1"/>
+          <p:nvPr/>
+        </p:nvSpPr>
+        <p:spPr>
+          <a:xfrm>
+            <a:off x="694267" y="3020537"/>
+            <a:ext cx="10261600" cy="1477328"/>
+          </a:xfrm>
+          <a:prstGeom prst="rect">
+            <a:avLst/>
+          </a:prstGeom>
+          <a:noFill/>
+        </p:spPr>
+        <p:txBody>
+          <a:bodyPr wrap="square">
+            <a:spAutoFit/>
+          </a:bodyPr>
+          <a:lstStyle/>
+          <a:p>
+            <a:r>
+              <a:rPr lang="fr-FR" dirty="0"/>
+              <a:t>L'attribut </a:t>
+            </a:r>
+            <a:r>
+              <a:rPr lang="fr-FR" b="1" dirty="0"/>
+              <a:t>Name</a:t>
+            </a:r>
+            <a:r>
+              <a:rPr lang="fr-FR" dirty="0"/>
+              <a:t> de &lt;</a:t>
+            </a:r>
+            <a:r>
+              <a:rPr lang="fr-FR" b="1" dirty="0"/>
+              <a:t>select</a:t>
+            </a:r>
+            <a:r>
+              <a:rPr lang="fr-FR" dirty="0"/>
+              <a:t>&gt; et </a:t>
+            </a:r>
+          </a:p>
+          <a:p>
+            <a:r>
+              <a:rPr lang="fr-FR" dirty="0"/>
+              <a:t>l'attribut </a:t>
+            </a:r>
+            <a:r>
+              <a:rPr lang="fr-FR" b="1" dirty="0"/>
+              <a:t>Name</a:t>
+            </a:r>
+            <a:r>
+              <a:rPr lang="fr-FR" dirty="0"/>
+              <a:t> de chaque &lt;</a:t>
+            </a:r>
+            <a:r>
+              <a:rPr lang="fr-FR" b="1" dirty="0"/>
+              <a:t>option</a:t>
+            </a:r>
+            <a:r>
+              <a:rPr lang="fr-FR" dirty="0"/>
+              <a:t>&gt; sont utilisés pour identifier les données lors de l'envoi du formulaire.</a:t>
+            </a:r>
+          </a:p>
+          <a:p>
+            <a:endParaRPr lang="fr-FR" dirty="0"/>
+          </a:p>
+          <a:p>
+            <a:r>
+              <a:rPr lang="fr-FR" dirty="0"/>
+              <a:t> Quand on valide le formulaire, le navigateur envoie au serveur le nom du champ (« genre » dans cet exemple) et la valeur de l'option sélectionné</a:t>
+            </a:r>
+          </a:p>
+        </p:txBody>
+      </p:sp>
+      <p:pic>
+        <p:nvPicPr>
+          <p:cNvPr id="13" name="Image 12">
+            <a:extLst>
+              <a:ext uri="{FF2B5EF4-FFF2-40B4-BE49-F238E27FC236}">
+                <a16:creationId xmlns:a16="http://schemas.microsoft.com/office/drawing/2014/main" id="{6BF0BC42-7F5D-93EB-DBB4-12DB0E9B27F7}"/>
+              </a:ext>
+            </a:extLst>
+          </p:cNvPr>
+          <p:cNvPicPr>
+            <a:picLocks noChangeAspect="1"/>
+          </p:cNvPicPr>
+          <p:nvPr/>
+        </p:nvPicPr>
+        <p:blipFill>
+          <a:blip r:embed="rId2"/>
+          <a:stretch>
+            <a:fillRect/>
+          </a:stretch>
+        </p:blipFill>
+        <p:spPr>
+          <a:xfrm>
+            <a:off x="694267" y="405870"/>
+            <a:ext cx="7715250" cy="2371725"/>
+          </a:xfrm>
+          <a:prstGeom prst="rect">
+            <a:avLst/>
+          </a:prstGeom>
+        </p:spPr>
+      </p:pic>
+      <p:sp>
+        <p:nvSpPr>
+          <p:cNvPr id="15" name="ZoneTexte 14">
+            <a:extLst>
+              <a:ext uri="{FF2B5EF4-FFF2-40B4-BE49-F238E27FC236}">
+                <a16:creationId xmlns:a16="http://schemas.microsoft.com/office/drawing/2014/main" id="{9C2D66D3-3FEB-43EB-3C6D-8FFCD3409C02}"/>
+              </a:ext>
+            </a:extLst>
+          </p:cNvPr>
+          <p:cNvSpPr txBox="1"/>
+          <p:nvPr/>
+        </p:nvSpPr>
+        <p:spPr>
+          <a:xfrm>
+            <a:off x="2446867" y="5537200"/>
+            <a:ext cx="8212667" cy="461665"/>
+          </a:xfrm>
+          <a:prstGeom prst="rect">
+            <a:avLst/>
+          </a:prstGeom>
+          <a:noFill/>
+        </p:spPr>
+        <p:txBody>
+          <a:bodyPr wrap="square" rtlCol="0">
+            <a:spAutoFit/>
+          </a:bodyPr>
+          <a:lstStyle/>
+          <a:p>
+            <a:r>
+              <a:rPr lang="fr-FR" sz="2400" b="1" dirty="0"/>
+              <a:t>Une fois le formulaire envoyer , la condition if entre en jeu </a:t>
+            </a:r>
+          </a:p>
+        </p:txBody>
+      </p:sp>
+    </p:spTree>
+    <p:extLst>
+      <p:ext uri="{BB962C8B-B14F-4D97-AF65-F5344CB8AC3E}">
+        <p14:creationId xmlns:p14="http://schemas.microsoft.com/office/powerpoint/2010/main" val="606658351"/>
+      </p:ext>
+    </p:extLst>
+  </p:cSld>
+  <p:clrMapOvr>
+    <a:masterClrMapping/>
+  </p:clrMapOvr>
+</p:sld>
+</file>
+
+<file path=ppt/slides/slide11.xml><?xml version="1.0" encoding="utf-8"?>
+<p:sld xmlns:a="http://schemas.openxmlformats.org/drawingml/2006/main" xmlns:r="http://schemas.openxmlformats.org/officeDocument/2006/relationships" xmlns:p="http://schemas.openxmlformats.org/presentationml/2006/main">
+  <p:cSld>
+    <p:spTree>
+      <p:nvGrpSpPr>
+        <p:cNvPr id="1" name=""/>
+        <p:cNvGrpSpPr/>
+        <p:nvPr/>
+      </p:nvGrpSpPr>
+      <p:grpSpPr>
+        <a:xfrm>
+          <a:off x="0" y="0"/>
+          <a:ext cx="0" cy="0"/>
+          <a:chOff x="0" y="0"/>
+          <a:chExt cx="0" cy="0"/>
+        </a:xfrm>
+      </p:grpSpPr>
+      <p:pic>
+        <p:nvPicPr>
+          <p:cNvPr id="5" name="Image 4">
+            <a:extLst>
+              <a:ext uri="{FF2B5EF4-FFF2-40B4-BE49-F238E27FC236}">
+                <a16:creationId xmlns:a16="http://schemas.microsoft.com/office/drawing/2014/main" id="{6A21DC9E-A40B-D9F9-7FE9-6612C0394FF6}"/>
+              </a:ext>
+            </a:extLst>
+          </p:cNvPr>
+          <p:cNvPicPr>
+            <a:picLocks noChangeAspect="1"/>
+          </p:cNvPicPr>
+          <p:nvPr/>
+        </p:nvPicPr>
+        <p:blipFill>
+          <a:blip r:embed="rId2"/>
+          <a:stretch>
+            <a:fillRect/>
+          </a:stretch>
+        </p:blipFill>
+        <p:spPr>
+          <a:xfrm>
+            <a:off x="567267" y="371475"/>
+            <a:ext cx="5943600" cy="2305050"/>
+          </a:xfrm>
+          <a:prstGeom prst="rect">
+            <a:avLst/>
+          </a:prstGeom>
+        </p:spPr>
+      </p:pic>
+      <p:sp>
+        <p:nvSpPr>
+          <p:cNvPr id="6" name="ZoneTexte 5">
+            <a:extLst>
+              <a:ext uri="{FF2B5EF4-FFF2-40B4-BE49-F238E27FC236}">
+                <a16:creationId xmlns:a16="http://schemas.microsoft.com/office/drawing/2014/main" id="{A99A8551-87FE-EB33-3F75-936316D613D2}"/>
+              </a:ext>
+            </a:extLst>
+          </p:cNvPr>
+          <p:cNvSpPr txBox="1"/>
+          <p:nvPr/>
+        </p:nvSpPr>
+        <p:spPr>
+          <a:xfrm>
+            <a:off x="711199" y="2971800"/>
+            <a:ext cx="6553201" cy="1754326"/>
+          </a:xfrm>
+          <a:prstGeom prst="rect">
+            <a:avLst/>
+          </a:prstGeom>
+          <a:noFill/>
+        </p:spPr>
+        <p:txBody>
+          <a:bodyPr wrap="square" rtlCol="0">
+            <a:spAutoFit/>
+          </a:bodyPr>
+          <a:lstStyle/>
+          <a:p>
+            <a:r>
+              <a:rPr lang="fr-FR" dirty="0"/>
+              <a:t>La condition  demande : </a:t>
+            </a:r>
+          </a:p>
+          <a:p>
+            <a:r>
+              <a:rPr lang="fr-FR" b="1" u="sng" dirty="0"/>
+              <a:t>SI</a:t>
+            </a:r>
+            <a:r>
+              <a:rPr lang="fr-FR" u="sng" dirty="0"/>
+              <a:t> </a:t>
+            </a:r>
+            <a:r>
+              <a:rPr lang="fr-FR" i="1" u="sng" dirty="0"/>
+              <a:t>‘genre’ </a:t>
+            </a:r>
+            <a:r>
+              <a:rPr lang="fr-FR" u="sng" dirty="0"/>
+              <a:t>existe et n’est pas vide </a:t>
+            </a:r>
+            <a:r>
+              <a:rPr lang="fr-FR" b="1" u="sng" dirty="0"/>
+              <a:t>ALORS</a:t>
+            </a:r>
+          </a:p>
+          <a:p>
+            <a:r>
+              <a:rPr lang="fr-FR" i="1" dirty="0"/>
+              <a:t>- ‘$genre’ </a:t>
+            </a:r>
+            <a:r>
+              <a:rPr lang="fr-FR" dirty="0"/>
+              <a:t>récupère le choix de l’utilisateur </a:t>
+            </a:r>
+            <a:endParaRPr lang="fr-FR" i="1" dirty="0"/>
+          </a:p>
+          <a:p>
+            <a:r>
+              <a:rPr lang="fr-FR" i="1" dirty="0"/>
+              <a:t>- on affiche le type de fruit sélectionner grâce a la fonction </a:t>
+            </a:r>
+            <a:r>
+              <a:rPr lang="fr-FR" i="1" dirty="0" err="1"/>
+              <a:t>typeFruit</a:t>
+            </a:r>
+            <a:endParaRPr lang="fr-FR" i="1" dirty="0"/>
+          </a:p>
+          <a:p>
+            <a:r>
+              <a:rPr lang="fr-FR" b="1" u="sng" dirty="0"/>
+              <a:t>SINON</a:t>
+            </a:r>
+          </a:p>
+          <a:p>
+            <a:r>
+              <a:rPr lang="fr-FR" i="1" dirty="0"/>
+              <a:t>On affiche tout les fruits </a:t>
+            </a:r>
+            <a:r>
+              <a:rPr lang="fr-FR" i="1" dirty="0" err="1"/>
+              <a:t>grace</a:t>
+            </a:r>
+            <a:r>
+              <a:rPr lang="fr-FR" i="1" dirty="0"/>
+              <a:t> a la fonction </a:t>
+            </a:r>
+            <a:r>
+              <a:rPr lang="fr-FR" i="1" dirty="0" err="1"/>
+              <a:t>Allfruits</a:t>
+            </a:r>
+            <a:endParaRPr lang="fr-FR" i="1" dirty="0"/>
+          </a:p>
+        </p:txBody>
+      </p:sp>
+      <p:pic>
+        <p:nvPicPr>
+          <p:cNvPr id="8" name="Image 7">
+            <a:extLst>
+              <a:ext uri="{FF2B5EF4-FFF2-40B4-BE49-F238E27FC236}">
+                <a16:creationId xmlns:a16="http://schemas.microsoft.com/office/drawing/2014/main" id="{F232B2DA-E5D3-8D4E-BFC3-D67CCE5F9D40}"/>
+              </a:ext>
+            </a:extLst>
+          </p:cNvPr>
+          <p:cNvPicPr>
+            <a:picLocks noChangeAspect="1"/>
+          </p:cNvPicPr>
+          <p:nvPr/>
+        </p:nvPicPr>
+        <p:blipFill>
+          <a:blip r:embed="rId3"/>
+          <a:stretch>
+            <a:fillRect/>
+          </a:stretch>
+        </p:blipFill>
+        <p:spPr>
+          <a:xfrm>
+            <a:off x="7573434" y="386820"/>
+            <a:ext cx="4618566" cy="2182813"/>
+          </a:xfrm>
+          <a:prstGeom prst="rect">
+            <a:avLst/>
+          </a:prstGeom>
+        </p:spPr>
+      </p:pic>
+      <p:grpSp>
+        <p:nvGrpSpPr>
+          <p:cNvPr id="15" name="Groupe 14">
+            <a:extLst>
+              <a:ext uri="{FF2B5EF4-FFF2-40B4-BE49-F238E27FC236}">
+                <a16:creationId xmlns:a16="http://schemas.microsoft.com/office/drawing/2014/main" id="{4A8F56CC-AC7B-C93A-745C-4EE66F98DAE9}"/>
+              </a:ext>
+            </a:extLst>
+          </p:cNvPr>
+          <p:cNvGrpSpPr/>
+          <p:nvPr/>
+        </p:nvGrpSpPr>
+        <p:grpSpPr>
+          <a:xfrm>
+            <a:off x="4054907" y="1125787"/>
+            <a:ext cx="3148560" cy="352440"/>
+            <a:chOff x="4054907" y="1125787"/>
+            <a:chExt cx="3148560" cy="352440"/>
+          </a:xfrm>
+        </p:grpSpPr>
+        <mc:AlternateContent xmlns:mc="http://schemas.openxmlformats.org/markup-compatibility/2006">
+          <mc:Choice xmlns:p14="http://schemas.microsoft.com/office/powerpoint/2010/main" Requires="p14">
+            <p:contentPart p14:bwMode="auto" r:id="rId4">
+              <p14:nvContentPartPr>
+                <p14:cNvPr id="13" name="Encre 12">
+                  <a:extLst>
+                    <a:ext uri="{FF2B5EF4-FFF2-40B4-BE49-F238E27FC236}">
+                      <a16:creationId xmlns:a16="http://schemas.microsoft.com/office/drawing/2014/main" id="{930A10AE-70DF-4288-9E80-E1059DB1D0A7}"/>
+                    </a:ext>
+                  </a:extLst>
+                </p14:cNvPr>
+                <p14:cNvContentPartPr/>
+                <p14:nvPr/>
+              </p14:nvContentPartPr>
+              <p14:xfrm>
+                <a:off x="4054907" y="1235947"/>
+                <a:ext cx="2860920" cy="77040"/>
+              </p14:xfrm>
+            </p:contentPart>
+          </mc:Choice>
+          <mc:Fallback>
+            <p:pic>
+              <p:nvPicPr>
+                <p:cNvPr id="13" name="Encre 12">
+                  <a:extLst>
+                    <a:ext uri="{FF2B5EF4-FFF2-40B4-BE49-F238E27FC236}">
+                      <a16:creationId xmlns:a16="http://schemas.microsoft.com/office/drawing/2014/main" id="{930A10AE-70DF-4288-9E80-E1059DB1D0A7}"/>
+                    </a:ext>
+                  </a:extLst>
+                </p:cNvPr>
+                <p:cNvPicPr/>
+                <p:nvPr/>
+              </p:nvPicPr>
+              <p:blipFill>
+                <a:blip r:embed="rId5"/>
+                <a:stretch>
+                  <a:fillRect/>
+                </a:stretch>
+              </p:blipFill>
+              <p:spPr>
+                <a:xfrm>
+                  <a:off x="4048787" y="1229827"/>
+                  <a:ext cx="2873160" cy="89280"/>
+                </a:xfrm>
+                <a:prstGeom prst="rect">
+                  <a:avLst/>
+                </a:prstGeom>
+              </p:spPr>
+            </p:pic>
+          </mc:Fallback>
+        </mc:AlternateContent>
+        <mc:AlternateContent xmlns:mc="http://schemas.openxmlformats.org/markup-compatibility/2006">
+          <mc:Choice xmlns:p14="http://schemas.microsoft.com/office/powerpoint/2010/main" Requires="p14">
+            <p:contentPart p14:bwMode="auto" r:id="rId6">
+              <p14:nvContentPartPr>
+                <p14:cNvPr id="14" name="Encre 13">
+                  <a:extLst>
+                    <a:ext uri="{FF2B5EF4-FFF2-40B4-BE49-F238E27FC236}">
+                      <a16:creationId xmlns:a16="http://schemas.microsoft.com/office/drawing/2014/main" id="{803DDFD1-5509-A381-ACC2-7FD3FADA2B4E}"/>
+                    </a:ext>
+                  </a:extLst>
+                </p14:cNvPr>
+                <p14:cNvContentPartPr/>
+                <p14:nvPr/>
+              </p14:nvContentPartPr>
+              <p14:xfrm>
+                <a:off x="6956867" y="1125787"/>
+                <a:ext cx="246600" cy="352440"/>
+              </p14:xfrm>
+            </p:contentPart>
+          </mc:Choice>
+          <mc:Fallback>
+            <p:pic>
+              <p:nvPicPr>
+                <p:cNvPr id="14" name="Encre 13">
+                  <a:extLst>
+                    <a:ext uri="{FF2B5EF4-FFF2-40B4-BE49-F238E27FC236}">
+                      <a16:creationId xmlns:a16="http://schemas.microsoft.com/office/drawing/2014/main" id="{803DDFD1-5509-A381-ACC2-7FD3FADA2B4E}"/>
+                    </a:ext>
+                  </a:extLst>
+                </p:cNvPr>
+                <p:cNvPicPr/>
+                <p:nvPr/>
+              </p:nvPicPr>
+              <p:blipFill>
+                <a:blip r:embed="rId7"/>
+                <a:stretch>
+                  <a:fillRect/>
+                </a:stretch>
+              </p:blipFill>
+              <p:spPr>
+                <a:xfrm>
+                  <a:off x="6950747" y="1119667"/>
+                  <a:ext cx="258840" cy="364680"/>
+                </a:xfrm>
+                <a:prstGeom prst="rect">
+                  <a:avLst/>
+                </a:prstGeom>
+              </p:spPr>
+            </p:pic>
+          </mc:Fallback>
+        </mc:AlternateContent>
+      </p:grpSp>
+      <p:pic>
+        <p:nvPicPr>
+          <p:cNvPr id="17" name="Image 16">
+            <a:extLst>
+              <a:ext uri="{FF2B5EF4-FFF2-40B4-BE49-F238E27FC236}">
+                <a16:creationId xmlns:a16="http://schemas.microsoft.com/office/drawing/2014/main" id="{2B118603-B089-1ED9-B69A-1ABCF67738E9}"/>
+              </a:ext>
+            </a:extLst>
+          </p:cNvPr>
+          <p:cNvPicPr>
+            <a:picLocks noChangeAspect="1"/>
+          </p:cNvPicPr>
+          <p:nvPr/>
+        </p:nvPicPr>
+        <p:blipFill>
+          <a:blip r:embed="rId8"/>
+          <a:stretch>
+            <a:fillRect/>
+          </a:stretch>
+        </p:blipFill>
+        <p:spPr>
+          <a:xfrm>
+            <a:off x="7719483" y="3951816"/>
+            <a:ext cx="3962400" cy="1866900"/>
+          </a:xfrm>
+          <a:prstGeom prst="rect">
+            <a:avLst/>
+          </a:prstGeom>
+        </p:spPr>
+      </p:pic>
+      <p:grpSp>
+        <p:nvGrpSpPr>
+          <p:cNvPr id="21" name="Groupe 20">
+            <a:extLst>
+              <a:ext uri="{FF2B5EF4-FFF2-40B4-BE49-F238E27FC236}">
+                <a16:creationId xmlns:a16="http://schemas.microsoft.com/office/drawing/2014/main" id="{1E514615-6DC4-1C0B-F4BA-0A7F74701CBA}"/>
+              </a:ext>
+            </a:extLst>
+          </p:cNvPr>
+          <p:cNvGrpSpPr/>
+          <p:nvPr/>
+        </p:nvGrpSpPr>
+        <p:grpSpPr>
+          <a:xfrm>
+            <a:off x="2809455" y="1838010"/>
+            <a:ext cx="5077440" cy="1776600"/>
+            <a:chOff x="2809455" y="1838010"/>
+            <a:chExt cx="5077440" cy="1776600"/>
+          </a:xfrm>
+        </p:grpSpPr>
+        <mc:AlternateContent xmlns:mc="http://schemas.openxmlformats.org/markup-compatibility/2006">
+          <mc:Choice xmlns:p14="http://schemas.microsoft.com/office/powerpoint/2010/main" Requires="p14">
+            <p:contentPart p14:bwMode="auto" r:id="rId9">
+              <p14:nvContentPartPr>
+                <p14:cNvPr id="19" name="Encre 18">
+                  <a:extLst>
+                    <a:ext uri="{FF2B5EF4-FFF2-40B4-BE49-F238E27FC236}">
+                      <a16:creationId xmlns:a16="http://schemas.microsoft.com/office/drawing/2014/main" id="{D37C0028-D315-1726-3E75-3075628D959B}"/>
+                    </a:ext>
+                  </a:extLst>
+                </p14:cNvPr>
+                <p14:cNvContentPartPr/>
+                <p14:nvPr/>
+              </p14:nvContentPartPr>
+              <p14:xfrm>
+                <a:off x="2809455" y="1838010"/>
+                <a:ext cx="4910040" cy="1614240"/>
+              </p14:xfrm>
+            </p:contentPart>
+          </mc:Choice>
+          <mc:Fallback>
+            <p:pic>
+              <p:nvPicPr>
+                <p:cNvPr id="19" name="Encre 18">
+                  <a:extLst>
+                    <a:ext uri="{FF2B5EF4-FFF2-40B4-BE49-F238E27FC236}">
+                      <a16:creationId xmlns:a16="http://schemas.microsoft.com/office/drawing/2014/main" id="{D37C0028-D315-1726-3E75-3075628D959B}"/>
+                    </a:ext>
+                  </a:extLst>
+                </p:cNvPr>
+                <p:cNvPicPr/>
+                <p:nvPr/>
+              </p:nvPicPr>
+              <p:blipFill>
+                <a:blip r:embed="rId10"/>
+                <a:stretch>
+                  <a:fillRect/>
+                </a:stretch>
+              </p:blipFill>
+              <p:spPr>
+                <a:xfrm>
+                  <a:off x="2803335" y="1831890"/>
+                  <a:ext cx="4922280" cy="1626480"/>
+                </a:xfrm>
+                <a:prstGeom prst="rect">
+                  <a:avLst/>
+                </a:prstGeom>
+              </p:spPr>
+            </p:pic>
+          </mc:Fallback>
+        </mc:AlternateContent>
+        <mc:AlternateContent xmlns:mc="http://schemas.openxmlformats.org/markup-compatibility/2006">
+          <mc:Choice xmlns:p14="http://schemas.microsoft.com/office/powerpoint/2010/main" Requires="p14">
+            <p:contentPart p14:bwMode="auto" r:id="rId11">
+              <p14:nvContentPartPr>
+                <p14:cNvPr id="20" name="Encre 19">
+                  <a:extLst>
+                    <a:ext uri="{FF2B5EF4-FFF2-40B4-BE49-F238E27FC236}">
+                      <a16:creationId xmlns:a16="http://schemas.microsoft.com/office/drawing/2014/main" id="{1C154EB9-D5B7-D44B-9653-2E54516C467C}"/>
+                    </a:ext>
+                  </a:extLst>
+                </p14:cNvPr>
+                <p14:cNvContentPartPr/>
+                <p14:nvPr/>
+              </p14:nvContentPartPr>
+              <p14:xfrm>
+                <a:off x="7619415" y="3410490"/>
+                <a:ext cx="267480" cy="204120"/>
+              </p14:xfrm>
+            </p:contentPart>
+          </mc:Choice>
+          <mc:Fallback>
+            <p:pic>
+              <p:nvPicPr>
+                <p:cNvPr id="20" name="Encre 19">
+                  <a:extLst>
+                    <a:ext uri="{FF2B5EF4-FFF2-40B4-BE49-F238E27FC236}">
+                      <a16:creationId xmlns:a16="http://schemas.microsoft.com/office/drawing/2014/main" id="{1C154EB9-D5B7-D44B-9653-2E54516C467C}"/>
+                    </a:ext>
+                  </a:extLst>
+                </p:cNvPr>
+                <p:cNvPicPr/>
+                <p:nvPr/>
+              </p:nvPicPr>
+              <p:blipFill>
+                <a:blip r:embed="rId12"/>
+                <a:stretch>
+                  <a:fillRect/>
+                </a:stretch>
+              </p:blipFill>
+              <p:spPr>
+                <a:xfrm>
+                  <a:off x="7613295" y="3404370"/>
+                  <a:ext cx="279720" cy="216360"/>
+                </a:xfrm>
+                <a:prstGeom prst="rect">
+                  <a:avLst/>
+                </a:prstGeom>
+              </p:spPr>
+            </p:pic>
+          </mc:Fallback>
+        </mc:AlternateContent>
+      </p:grpSp>
+      <mc:AlternateContent xmlns:mc="http://schemas.openxmlformats.org/markup-compatibility/2006">
+        <mc:Choice xmlns:p14="http://schemas.microsoft.com/office/powerpoint/2010/main" Requires="p14">
+          <p:contentPart p14:bwMode="auto" r:id="rId13">
+            <p14:nvContentPartPr>
+              <p14:cNvPr id="22" name="Encre 21">
+                <a:extLst>
+                  <a:ext uri="{FF2B5EF4-FFF2-40B4-BE49-F238E27FC236}">
+                    <a16:creationId xmlns:a16="http://schemas.microsoft.com/office/drawing/2014/main" id="{E78C5EF6-323E-E84B-E206-D4EBDAE8B229}"/>
+                  </a:ext>
+                </a:extLst>
+              </p14:cNvPr>
+              <p14:cNvContentPartPr/>
+              <p14:nvPr/>
+            </p14:nvContentPartPr>
+            <p14:xfrm>
+              <a:off x="-1114905" y="5876490"/>
+              <a:ext cx="360" cy="360"/>
+            </p14:xfrm>
+          </p:contentPart>
+        </mc:Choice>
+        <mc:Fallback>
+          <p:pic>
+            <p:nvPicPr>
+              <p:cNvPr id="22" name="Encre 21">
+                <a:extLst>
+                  <a:ext uri="{FF2B5EF4-FFF2-40B4-BE49-F238E27FC236}">
+                    <a16:creationId xmlns:a16="http://schemas.microsoft.com/office/drawing/2014/main" id="{E78C5EF6-323E-E84B-E206-D4EBDAE8B229}"/>
+                  </a:ext>
+                </a:extLst>
+              </p:cNvPr>
+              <p:cNvPicPr/>
+              <p:nvPr/>
+            </p:nvPicPr>
+            <p:blipFill>
+              <a:blip r:embed="rId14"/>
+              <a:stretch>
+                <a:fillRect/>
+              </a:stretch>
+            </p:blipFill>
+            <p:spPr>
+              <a:xfrm>
+                <a:off x="-1121025" y="5870370"/>
+                <a:ext cx="12600" cy="12600"/>
+              </a:xfrm>
+              <a:prstGeom prst="rect">
+                <a:avLst/>
+              </a:prstGeom>
+            </p:spPr>
+          </p:pic>
+        </mc:Fallback>
+      </mc:AlternateContent>
+    </p:spTree>
+    <p:extLst>
+      <p:ext uri="{BB962C8B-B14F-4D97-AF65-F5344CB8AC3E}">
+        <p14:creationId xmlns:p14="http://schemas.microsoft.com/office/powerpoint/2010/main" val="299803165"/>
+      </p:ext>
+    </p:extLst>
+  </p:cSld>
+  <p:clrMapOvr>
+    <a:masterClrMapping/>
+  </p:clrMapOvr>
+</p:sld>
+</file>
+
+<file path=ppt/slides/slide12.xml><?xml version="1.0" encoding="utf-8"?>
+<p:sld xmlns:a="http://schemas.openxmlformats.org/drawingml/2006/main" xmlns:r="http://schemas.openxmlformats.org/officeDocument/2006/relationships" xmlns:p="http://schemas.openxmlformats.org/presentationml/2006/main">
+  <p:cSld>
+    <p:spTree>
+      <p:nvGrpSpPr>
+        <p:cNvPr id="1" name=""/>
+        <p:cNvGrpSpPr/>
+        <p:nvPr/>
+      </p:nvGrpSpPr>
+      <p:grpSpPr>
+        <a:xfrm>
+          <a:off x="0" y="0"/>
+          <a:ext cx="0" cy="0"/>
+          <a:chOff x="0" y="0"/>
+          <a:chExt cx="0" cy="0"/>
+        </a:xfrm>
+      </p:grpSpPr>
+      <p:pic>
+        <p:nvPicPr>
+          <p:cNvPr id="4" name="Image 3">
+            <a:extLst>
+              <a:ext uri="{FF2B5EF4-FFF2-40B4-BE49-F238E27FC236}">
+                <a16:creationId xmlns:a16="http://schemas.microsoft.com/office/drawing/2014/main" id="{2844EC21-75A2-E76C-14AA-296FB6578553}"/>
+              </a:ext>
+            </a:extLst>
+          </p:cNvPr>
+          <p:cNvPicPr>
+            <a:picLocks noChangeAspect="1"/>
+          </p:cNvPicPr>
+          <p:nvPr/>
+        </p:nvPicPr>
+        <p:blipFill>
+          <a:blip r:embed="rId2">
+            <a:extLst>
+              <a:ext uri="{28A0092B-C50C-407E-A947-70E740481C1C}">
+                <a14:useLocalDpi xmlns:a14="http://schemas.microsoft.com/office/drawing/2010/main" val="0"/>
+              </a:ext>
+            </a:extLst>
+          </a:blip>
+          <a:stretch>
+            <a:fillRect/>
+          </a:stretch>
+        </p:blipFill>
+        <p:spPr>
+          <a:xfrm>
+            <a:off x="4160307" y="1331647"/>
+            <a:ext cx="3431117" cy="3276498"/>
+          </a:xfrm>
+          <a:prstGeom prst="rect">
+            <a:avLst/>
+          </a:prstGeom>
+        </p:spPr>
+      </p:pic>
+      <p:sp>
+        <p:nvSpPr>
+          <p:cNvPr id="7" name="ZoneTexte 6">
+            <a:extLst>
+              <a:ext uri="{FF2B5EF4-FFF2-40B4-BE49-F238E27FC236}">
+                <a16:creationId xmlns:a16="http://schemas.microsoft.com/office/drawing/2014/main" id="{6ED79F2F-97EA-0CA8-4467-64198BDD1C3E}"/>
+              </a:ext>
+            </a:extLst>
+          </p:cNvPr>
+          <p:cNvSpPr txBox="1"/>
+          <p:nvPr/>
+        </p:nvSpPr>
+        <p:spPr>
+          <a:xfrm>
+            <a:off x="5074706" y="5924550"/>
+            <a:ext cx="2516718" cy="369332"/>
+          </a:xfrm>
+          <a:prstGeom prst="rect">
+            <a:avLst/>
+          </a:prstGeom>
+          <a:noFill/>
+        </p:spPr>
+        <p:txBody>
+          <a:bodyPr wrap="square" rtlCol="0">
+            <a:spAutoFit/>
+          </a:bodyPr>
+          <a:lstStyle/>
+          <a:p>
+            <a:r>
+              <a:rPr lang="fr-FR" dirty="0" err="1"/>
+              <a:t>Realisé</a:t>
+            </a:r>
+            <a:r>
+              <a:rPr lang="fr-FR" dirty="0"/>
+              <a:t> par Yamine</a:t>
+            </a:r>
+          </a:p>
+        </p:txBody>
+      </p:sp>
+    </p:spTree>
+    <p:extLst>
+      <p:ext uri="{BB962C8B-B14F-4D97-AF65-F5344CB8AC3E}">
+        <p14:creationId xmlns:p14="http://schemas.microsoft.com/office/powerpoint/2010/main" val="1055239842"/>
+      </p:ext>
+    </p:extLst>
+  </p:cSld>
+  <p:clrMapOvr>
+    <a:masterClrMapping/>
+  </p:clrMapOvr>
+  <p:timing>
+    <p:tnLst>
+      <p:par>
+        <p:cTn id="1" dur="indefinite" restart="never" nodeType="tmRoot">
+          <p:childTnLst>
+            <p:seq concurrent="1" nextAc="seek">
+              <p:cTn id="2" dur="indefinite" nodeType="mainSeq">
+                <p:childTnLst>
+                  <p:par>
+                    <p:cTn id="3" fill="hold">
+                      <p:stCondLst>
+                        <p:cond delay="indefinite"/>
+                      </p:stCondLst>
+                      <p:childTnLst>
+                        <p:par>
+                          <p:cTn id="4" fill="hold">
+                            <p:stCondLst>
+                              <p:cond delay="0"/>
+                            </p:stCondLst>
+                            <p:childTnLst>
+                              <p:par>
+                                <p:cTn id="5" presetID="26" presetClass="entr" presetSubtype="0" fill="hold" nodeType="clickEffect">
+                                  <p:stCondLst>
+                                    <p:cond delay="0"/>
+                                  </p:stCondLst>
+                                  <p:childTnLst>
+                                    <p:set>
+                                      <p:cBhvr>
+                                        <p:cTn id="6" dur="1" fill="hold">
+                                          <p:stCondLst>
+                                            <p:cond delay="0"/>
+                                          </p:stCondLst>
+                                        </p:cTn>
+                                        <p:tgtEl>
+                                          <p:spTgt spid="4"/>
+                                        </p:tgtEl>
+                                        <p:attrNameLst>
+                                          <p:attrName>style.visibility</p:attrName>
+                                        </p:attrNameLst>
+                                      </p:cBhvr>
+                                      <p:to>
+                                        <p:strVal val="visible"/>
+                                      </p:to>
+                                    </p:set>
+                                    <p:animEffect transition="in" filter="wipe(down)">
+                                      <p:cBhvr>
+                                        <p:cTn id="7" dur="580">
+                                          <p:stCondLst>
+                                            <p:cond delay="0"/>
+                                          </p:stCondLst>
+                                        </p:cTn>
+                                        <p:tgtEl>
+                                          <p:spTgt spid="4"/>
+                                        </p:tgtEl>
+                                      </p:cBhvr>
+                                    </p:animEffect>
+                                    <p:anim calcmode="lin" valueType="num">
+                                      <p:cBhvr>
+                                        <p:cTn id="8" dur="1822" tmFilter="0,0; 0.14,0.36; 0.43,0.73; 0.71,0.91; 1.0,1.0">
+                                          <p:stCondLst>
+                                            <p:cond delay="0"/>
+                                          </p:stCondLst>
+                                        </p:cTn>
+                                        <p:tgtEl>
+                                          <p:spTgt spid="4"/>
+                                        </p:tgtEl>
+                                        <p:attrNameLst>
+                                          <p:attrName>ppt_x</p:attrName>
+                                        </p:attrNameLst>
+                                      </p:cBhvr>
+                                      <p:tavLst>
+                                        <p:tav tm="0">
+                                          <p:val>
+                                            <p:strVal val="#ppt_x-0.25"/>
+                                          </p:val>
+                                        </p:tav>
+                                        <p:tav tm="100000">
+                                          <p:val>
+                                            <p:strVal val="#ppt_x"/>
+                                          </p:val>
+                                        </p:tav>
+                                      </p:tavLst>
+                                    </p:anim>
+                                    <p:anim calcmode="lin" valueType="num">
+                                      <p:cBhvr>
+                                        <p:cTn id="9" dur="664" tmFilter="0.0,0.0; 0.25,0.07; 0.50,0.2; 0.75,0.467; 1.0,1.0">
+                                          <p:stCondLst>
+                                            <p:cond delay="0"/>
+                                          </p:stCondLst>
+                                        </p:cTn>
+                                        <p:tgtEl>
+                                          <p:spTgt spid="4"/>
+                                        </p:tgtEl>
+                                        <p:attrNameLst>
+                                          <p:attrName>ppt_y</p:attrName>
+                                        </p:attrNameLst>
+                                      </p:cBhvr>
+                                      <p:tavLst>
+                                        <p:tav tm="0" fmla="#ppt_y-sin(pi*$)/3">
+                                          <p:val>
+                                            <p:fltVal val="0.5"/>
+                                          </p:val>
+                                        </p:tav>
+                                        <p:tav tm="100000">
+                                          <p:val>
+                                            <p:fltVal val="1"/>
+                                          </p:val>
+                                        </p:tav>
+                                      </p:tavLst>
+                                    </p:anim>
+                                    <p:anim calcmode="lin" valueType="num">
+                                      <p:cBhvr>
+                                        <p:cTn id="10" dur="664" tmFilter="0, 0; 0.125,0.2665; 0.25,0.4; 0.375,0.465; 0.5,0.5;  0.625,0.535; 0.75,0.6; 0.875,0.7335; 1,1">
+                                          <p:stCondLst>
+                                            <p:cond delay="664"/>
+                                          </p:stCondLst>
+                                        </p:cTn>
+                                        <p:tgtEl>
+                                          <p:spTgt spid="4"/>
+                                        </p:tgtEl>
+                                        <p:attrNameLst>
+                                          <p:attrName>ppt_y</p:attrName>
+                                        </p:attrNameLst>
+                                      </p:cBhvr>
+                                      <p:tavLst>
+                                        <p:tav tm="0" fmla="#ppt_y-sin(pi*$)/9">
+                                          <p:val>
+                                            <p:fltVal val="0"/>
+                                          </p:val>
+                                        </p:tav>
+                                        <p:tav tm="100000">
+                                          <p:val>
+                                            <p:fltVal val="1"/>
+                                          </p:val>
+                                        </p:tav>
+                                      </p:tavLst>
+                                    </p:anim>
+                                    <p:anim calcmode="lin" valueType="num">
+                                      <p:cBhvr>
+                                        <p:cTn id="11" dur="332" tmFilter="0, 0; 0.125,0.2665; 0.25,0.4; 0.375,0.465; 0.5,0.5;  0.625,0.535; 0.75,0.6; 0.875,0.7335; 1,1">
+                                          <p:stCondLst>
+                                            <p:cond delay="1324"/>
+                                          </p:stCondLst>
+                                        </p:cTn>
+                                        <p:tgtEl>
+                                          <p:spTgt spid="4"/>
+                                        </p:tgtEl>
+                                        <p:attrNameLst>
+                                          <p:attrName>ppt_y</p:attrName>
+                                        </p:attrNameLst>
+                                      </p:cBhvr>
+                                      <p:tavLst>
+                                        <p:tav tm="0" fmla="#ppt_y-sin(pi*$)/27">
+                                          <p:val>
+                                            <p:fltVal val="0"/>
+                                          </p:val>
+                                        </p:tav>
+                                        <p:tav tm="100000">
+                                          <p:val>
+                                            <p:fltVal val="1"/>
+                                          </p:val>
+                                        </p:tav>
+                                      </p:tavLst>
+                                    </p:anim>
+                                    <p:anim calcmode="lin" valueType="num">
+                                      <p:cBhvr>
+                                        <p:cTn id="12" dur="164" tmFilter="0, 0; 0.125,0.2665; 0.25,0.4; 0.375,0.465; 0.5,0.5;  0.625,0.535; 0.75,0.6; 0.875,0.7335; 1,1">
+                                          <p:stCondLst>
+                                            <p:cond delay="1656"/>
+                                          </p:stCondLst>
+                                        </p:cTn>
+                                        <p:tgtEl>
+                                          <p:spTgt spid="4"/>
+                                        </p:tgtEl>
+                                        <p:attrNameLst>
+                                          <p:attrName>ppt_y</p:attrName>
+                                        </p:attrNameLst>
+                                      </p:cBhvr>
+                                      <p:tavLst>
+                                        <p:tav tm="0" fmla="#ppt_y-sin(pi*$)/81">
+                                          <p:val>
+                                            <p:fltVal val="0"/>
+                                          </p:val>
+                                        </p:tav>
+                                        <p:tav tm="100000">
+                                          <p:val>
+                                            <p:fltVal val="1"/>
+                                          </p:val>
+                                        </p:tav>
+                                      </p:tavLst>
+                                    </p:anim>
+                                    <p:animScale>
+                                      <p:cBhvr>
+                                        <p:cTn id="13" dur="26">
+                                          <p:stCondLst>
+                                            <p:cond delay="650"/>
+                                          </p:stCondLst>
+                                        </p:cTn>
+                                        <p:tgtEl>
+                                          <p:spTgt spid="4"/>
+                                        </p:tgtEl>
+                                      </p:cBhvr>
+                                      <p:to x="100000" y="60000"/>
+                                    </p:animScale>
+                                    <p:animScale>
+                                      <p:cBhvr>
+                                        <p:cTn id="14" dur="166" decel="50000">
+                                          <p:stCondLst>
+                                            <p:cond delay="676"/>
+                                          </p:stCondLst>
+                                        </p:cTn>
+                                        <p:tgtEl>
+                                          <p:spTgt spid="4"/>
+                                        </p:tgtEl>
+                                      </p:cBhvr>
+                                      <p:to x="100000" y="100000"/>
+                                    </p:animScale>
+                                    <p:animScale>
+                                      <p:cBhvr>
+                                        <p:cTn id="15" dur="26">
+                                          <p:stCondLst>
+                                            <p:cond delay="1312"/>
+                                          </p:stCondLst>
+                                        </p:cTn>
+                                        <p:tgtEl>
+                                          <p:spTgt spid="4"/>
+                                        </p:tgtEl>
+                                      </p:cBhvr>
+                                      <p:to x="100000" y="80000"/>
+                                    </p:animScale>
+                                    <p:animScale>
+                                      <p:cBhvr>
+                                        <p:cTn id="16" dur="166" decel="50000">
+                                          <p:stCondLst>
+                                            <p:cond delay="1338"/>
+                                          </p:stCondLst>
+                                        </p:cTn>
+                                        <p:tgtEl>
+                                          <p:spTgt spid="4"/>
+                                        </p:tgtEl>
+                                      </p:cBhvr>
+                                      <p:to x="100000" y="100000"/>
+                                    </p:animScale>
+                                    <p:animScale>
+                                      <p:cBhvr>
+                                        <p:cTn id="17" dur="26">
+                                          <p:stCondLst>
+                                            <p:cond delay="1642"/>
+                                          </p:stCondLst>
+                                        </p:cTn>
+                                        <p:tgtEl>
+                                          <p:spTgt spid="4"/>
+                                        </p:tgtEl>
+                                      </p:cBhvr>
+                                      <p:to x="100000" y="90000"/>
+                                    </p:animScale>
+                                    <p:animScale>
+                                      <p:cBhvr>
+                                        <p:cTn id="18" dur="166" decel="50000">
+                                          <p:stCondLst>
+                                            <p:cond delay="1668"/>
+                                          </p:stCondLst>
+                                        </p:cTn>
+                                        <p:tgtEl>
+                                          <p:spTgt spid="4"/>
+                                        </p:tgtEl>
+                                      </p:cBhvr>
+                                      <p:to x="100000" y="100000"/>
+                                    </p:animScale>
+                                    <p:animScale>
+                                      <p:cBhvr>
+                                        <p:cTn id="19" dur="26">
+                                          <p:stCondLst>
+                                            <p:cond delay="1808"/>
+                                          </p:stCondLst>
+                                        </p:cTn>
+                                        <p:tgtEl>
+                                          <p:spTgt spid="4"/>
+                                        </p:tgtEl>
+                                      </p:cBhvr>
+                                      <p:to x="100000" y="95000"/>
+                                    </p:animScale>
+                                    <p:animScale>
+                                      <p:cBhvr>
+                                        <p:cTn id="20" dur="166" decel="50000">
+                                          <p:stCondLst>
+                                            <p:cond delay="1834"/>
+                                          </p:stCondLst>
+                                        </p:cTn>
+                                        <p:tgtEl>
+                                          <p:spTgt spid="4"/>
+                                        </p:tgtEl>
+                                      </p:cBhvr>
+                                      <p:to x="100000" y="100000"/>
+                                    </p:animScale>
+                                  </p:childTnLst>
+                                </p:cTn>
+                              </p:par>
+                            </p:childTnLst>
+                          </p:cTn>
+                        </p:par>
+                      </p:childTnLst>
+                    </p:cTn>
+                  </p:par>
+                  <p:par>
+                    <p:cTn id="21" fill="hold">
+                      <p:stCondLst>
+                        <p:cond delay="indefinite"/>
+                      </p:stCondLst>
+                      <p:childTnLst>
+                        <p:par>
+                          <p:cTn id="22" fill="hold">
+                            <p:stCondLst>
+                              <p:cond delay="0"/>
+                            </p:stCondLst>
+                            <p:childTnLst>
+                              <p:par>
+                                <p:cTn id="23" presetID="2" presetClass="entr" presetSubtype="4" fill="hold" grpId="0" nodeType="clickEffect">
+                                  <p:stCondLst>
+                                    <p:cond delay="0"/>
+                                  </p:stCondLst>
+                                  <p:childTnLst>
+                                    <p:set>
+                                      <p:cBhvr>
+                                        <p:cTn id="24" dur="1" fill="hold">
+                                          <p:stCondLst>
+                                            <p:cond delay="0"/>
+                                          </p:stCondLst>
+                                        </p:cTn>
+                                        <p:tgtEl>
+                                          <p:spTgt spid="7"/>
+                                        </p:tgtEl>
+                                        <p:attrNameLst>
+                                          <p:attrName>style.visibility</p:attrName>
+                                        </p:attrNameLst>
+                                      </p:cBhvr>
+                                      <p:to>
+                                        <p:strVal val="visible"/>
+                                      </p:to>
+                                    </p:set>
+                                    <p:anim calcmode="lin" valueType="num">
+                                      <p:cBhvr additive="base">
+                                        <p:cTn id="25" dur="500" fill="hold"/>
+                                        <p:tgtEl>
+                                          <p:spTgt spid="7"/>
+                                        </p:tgtEl>
+                                        <p:attrNameLst>
+                                          <p:attrName>ppt_x</p:attrName>
+                                        </p:attrNameLst>
+                                      </p:cBhvr>
+                                      <p:tavLst>
+                                        <p:tav tm="0">
+                                          <p:val>
+                                            <p:strVal val="#ppt_x"/>
+                                          </p:val>
+                                        </p:tav>
+                                        <p:tav tm="100000">
+                                          <p:val>
+                                            <p:strVal val="#ppt_x"/>
+                                          </p:val>
+                                        </p:tav>
+                                      </p:tavLst>
+                                    </p:anim>
+                                    <p:anim calcmode="lin" valueType="num">
+                                      <p:cBhvr additive="base">
+                                        <p:cTn id="26" dur="500" fill="hold"/>
+                                        <p:tgtEl>
+                                          <p:spTgt spid="7"/>
+                                        </p:tgtEl>
+                                        <p:attrNameLst>
+                                          <p:attrName>ppt_y</p:attrName>
+                                        </p:attrNameLst>
+                                      </p:cBhvr>
+                                      <p:tavLst>
+                                        <p:tav tm="0">
+                                          <p:val>
+                                            <p:strVal val="1+#ppt_h/2"/>
+                                          </p:val>
+                                        </p:tav>
+                                        <p:tav tm="100000">
+                                          <p:val>
+                                            <p:strVal val="#ppt_y"/>
+                                          </p:val>
+                                        </p:tav>
+                                      </p:tavLst>
+                                    </p:anim>
+                                  </p:childTnLst>
+                                </p:cTn>
+                              </p:par>
+                            </p:childTnLst>
+                          </p:cTn>
+                        </p:par>
+                      </p:childTnLst>
+                    </p:cTn>
+                  </p:par>
+                </p:childTnLst>
+              </p:cTn>
+              <p:prevCondLst>
+                <p:cond evt="onPrev" delay="0">
+                  <p:tgtEl>
+                    <p:sldTgt/>
+                  </p:tgtEl>
+                </p:cond>
+              </p:prevCondLst>
+              <p:nextCondLst>
+                <p:cond evt="onNext" delay="0">
+                  <p:tgtEl>
+                    <p:sldTgt/>
+                  </p:tgtEl>
+                </p:cond>
+              </p:nextCondLst>
+            </p:seq>
+          </p:childTnLst>
+        </p:cTn>
+      </p:par>
+    </p:tnLst>
+    <p:bldLst>
+      <p:bldP spid="7" grpId="0"/>
+    </p:bldLst>
+  </p:timing>
 </p:sld>
 </file>
 
@@ -3501,51 +5554,21 @@
           </a:p>
         </p:txBody>
       </p:sp>
-      <p:pic>
-        <p:nvPicPr>
-          <p:cNvPr id="5" name="Image 4">
-            <a:extLst>
-              <a:ext uri="{FF2B5EF4-FFF2-40B4-BE49-F238E27FC236}">
-                <a16:creationId xmlns:a16="http://schemas.microsoft.com/office/drawing/2014/main" id="{0D58FD0E-6A64-E6A3-169B-D72332B248CC}"/>
-              </a:ext>
-            </a:extLst>
-          </p:cNvPr>
-          <p:cNvPicPr>
-            <a:picLocks noChangeAspect="1"/>
-          </p:cNvPicPr>
+      <p:sp>
+        <p:nvSpPr>
+          <p:cNvPr id="6" name="ZoneTexte 5">
+            <a:extLst>
+              <a:ext uri="{FF2B5EF4-FFF2-40B4-BE49-F238E27FC236}">
+                <a16:creationId xmlns:a16="http://schemas.microsoft.com/office/drawing/2014/main" id="{2004E578-85EF-CDC9-1BA4-0A2CEC0169CD}"/>
+              </a:ext>
+            </a:extLst>
+          </p:cNvPr>
+          <p:cNvSpPr txBox="1"/>
           <p:nvPr/>
-        </p:nvPicPr>
-        <p:blipFill>
-          <a:blip r:embed="rId2"/>
-          <a:stretch>
-            <a:fillRect/>
-          </a:stretch>
-        </p:blipFill>
+        </p:nvSpPr>
         <p:spPr>
           <a:xfrm>
-            <a:off x="398992" y="1971146"/>
-            <a:ext cx="6433608" cy="4521729"/>
-          </a:xfrm>
-          <a:prstGeom prst="rect">
-            <a:avLst/>
-          </a:prstGeom>
-        </p:spPr>
-      </p:pic>
-      <p:sp>
-        <p:nvSpPr>
-          <p:cNvPr id="6" name="ZoneTexte 5">
-            <a:extLst>
-              <a:ext uri="{FF2B5EF4-FFF2-40B4-BE49-F238E27FC236}">
-                <a16:creationId xmlns:a16="http://schemas.microsoft.com/office/drawing/2014/main" id="{2004E578-85EF-CDC9-1BA4-0A2CEC0169CD}"/>
-              </a:ext>
-            </a:extLst>
-          </p:cNvPr>
-          <p:cNvSpPr txBox="1"/>
-          <p:nvPr/>
-        </p:nvSpPr>
-        <p:spPr>
-          <a:xfrm>
-            <a:off x="7484534" y="2228671"/>
+            <a:off x="7541556" y="1830737"/>
             <a:ext cx="3412066" cy="1200329"/>
           </a:xfrm>
           <a:prstGeom prst="rect">
@@ -3574,6 +5597,35 @@
           </a:p>
         </p:txBody>
       </p:sp>
+      <p:pic>
+        <p:nvPicPr>
+          <p:cNvPr id="4" name="Image 3">
+            <a:extLst>
+              <a:ext uri="{FF2B5EF4-FFF2-40B4-BE49-F238E27FC236}">
+                <a16:creationId xmlns:a16="http://schemas.microsoft.com/office/drawing/2014/main" id="{1AE72B05-578E-8C51-107B-6E8E211EE371}"/>
+              </a:ext>
+            </a:extLst>
+          </p:cNvPr>
+          <p:cNvPicPr>
+            <a:picLocks noChangeAspect="1"/>
+          </p:cNvPicPr>
+          <p:nvPr/>
+        </p:nvPicPr>
+        <p:blipFill rotWithShape="1">
+          <a:blip r:embed="rId2"/>
+          <a:srcRect l="17434" r="1074"/>
+          <a:stretch/>
+        </p:blipFill>
+        <p:spPr>
+          <a:xfrm>
+            <a:off x="102127" y="1690688"/>
+            <a:ext cx="7039251" cy="4921779"/>
+          </a:xfrm>
+          <a:prstGeom prst="rect">
+            <a:avLst/>
+          </a:prstGeom>
+        </p:spPr>
+      </p:pic>
     </p:spTree>
     <p:extLst>
       <p:ext uri="{BB962C8B-B14F-4D97-AF65-F5344CB8AC3E}">
@@ -3622,8 +5674,8 @@
         </p:nvSpPr>
         <p:spPr>
           <a:xfrm>
-            <a:off x="2743200" y="263525"/>
-            <a:ext cx="7230533" cy="1325563"/>
+            <a:off x="84667" y="223838"/>
+            <a:ext cx="6807200" cy="1325563"/>
           </a:xfrm>
         </p:spPr>
         <p:txBody>
@@ -3631,7 +5683,7 @@
           <a:lstStyle/>
           <a:p>
             <a:r>
-              <a:rPr lang="fr-FR" dirty="0"/>
+              <a:rPr lang="fr-FR" b="1" u="sng" dirty="0"/>
               <a:t>CREATION DE TABLE SUR BDD</a:t>
             </a:r>
           </a:p>
@@ -3661,11 +5713,76 @@
         </p:blipFill>
         <p:spPr>
           <a:xfrm>
-            <a:off x="440796" y="1749954"/>
-            <a:ext cx="5121804" cy="3558645"/>
+            <a:off x="283246" y="1236134"/>
+            <a:ext cx="6410041" cy="3310466"/>
           </a:xfrm>
         </p:spPr>
       </p:pic>
+      <p:pic>
+        <p:nvPicPr>
+          <p:cNvPr id="4" name="Image 3">
+            <a:extLst>
+              <a:ext uri="{FF2B5EF4-FFF2-40B4-BE49-F238E27FC236}">
+                <a16:creationId xmlns:a16="http://schemas.microsoft.com/office/drawing/2014/main" id="{B909E5AF-590A-9D7F-B9EB-07E8329DE60D}"/>
+              </a:ext>
+            </a:extLst>
+          </p:cNvPr>
+          <p:cNvPicPr>
+            <a:picLocks noChangeAspect="1"/>
+          </p:cNvPicPr>
+          <p:nvPr/>
+        </p:nvPicPr>
+        <p:blipFill>
+          <a:blip r:embed="rId3"/>
+          <a:stretch>
+            <a:fillRect/>
+          </a:stretch>
+        </p:blipFill>
+        <p:spPr>
+          <a:xfrm>
+            <a:off x="6969369" y="0"/>
+            <a:ext cx="5222631" cy="6858000"/>
+          </a:xfrm>
+          <a:prstGeom prst="rect">
+            <a:avLst/>
+          </a:prstGeom>
+        </p:spPr>
+      </p:pic>
+      <p:sp>
+        <p:nvSpPr>
+          <p:cNvPr id="6" name="ZoneTexte 5">
+            <a:extLst>
+              <a:ext uri="{FF2B5EF4-FFF2-40B4-BE49-F238E27FC236}">
+                <a16:creationId xmlns:a16="http://schemas.microsoft.com/office/drawing/2014/main" id="{980A2702-31C9-BC10-0445-F9B004A99F35}"/>
+              </a:ext>
+            </a:extLst>
+          </p:cNvPr>
+          <p:cNvSpPr txBox="1"/>
+          <p:nvPr/>
+        </p:nvSpPr>
+        <p:spPr>
+          <a:xfrm>
+            <a:off x="629108" y="4794032"/>
+            <a:ext cx="5941026" cy="369332"/>
+          </a:xfrm>
+          <a:prstGeom prst="rect">
+            <a:avLst/>
+          </a:prstGeom>
+          <a:noFill/>
+        </p:spPr>
+        <p:txBody>
+          <a:bodyPr wrap="square" rtlCol="0">
+            <a:spAutoFit/>
+          </a:bodyPr>
+          <a:lstStyle/>
+          <a:p>
+            <a:r>
+              <a:rPr lang="fr-FR" b="1" dirty="0"/>
+              <a:t>L’utilisation de FOREIGN KEY pour relié les tables entres elle .</a:t>
+            </a:r>
+          </a:p>
+        </p:txBody>
+      </p:sp>
     </p:spTree>
     <p:extLst>
       <p:ext uri="{BB962C8B-B14F-4D97-AF65-F5344CB8AC3E}">
@@ -3756,7 +5873,7 @@
         </p:blipFill>
         <p:spPr>
           <a:xfrm>
-            <a:off x="680243" y="1452032"/>
+            <a:off x="680243" y="1452031"/>
             <a:ext cx="3752850" cy="3627967"/>
           </a:xfrm>
           <a:prstGeom prst="rect">
@@ -4005,15 +6122,7 @@
             </a:r>
             <a:r>
               <a:rPr lang="fr-FR" dirty="0"/>
-              <a:t> sur le header car il est appeler sur toute les pages, ça m’</a:t>
-            </a:r>
-            <a:r>
-              <a:rPr lang="fr-FR" dirty="0" err="1"/>
-              <a:t>evite</a:t>
-            </a:r>
-            <a:r>
-              <a:rPr lang="fr-FR" dirty="0"/>
-              <a:t> de faire un </a:t>
+              <a:t> sur le header car il est appeler sur toute les pages, ça m’évite de faire un </a:t>
             </a:r>
             <a:r>
               <a:rPr lang="fr-FR" dirty="0" err="1"/>
@@ -4065,7 +6174,7 @@
         </p:blipFill>
         <p:spPr>
           <a:xfrm>
-            <a:off x="410633" y="4316840"/>
+            <a:off x="410633" y="4223707"/>
             <a:ext cx="9220200" cy="2308325"/>
           </a:xfrm>
           <a:prstGeom prst="rect">
@@ -4087,7 +6196,7 @@
         </p:nvSpPr>
         <p:spPr>
           <a:xfrm>
-            <a:off x="2561167" y="3947508"/>
+            <a:off x="2578100" y="3688254"/>
             <a:ext cx="4097867" cy="369332"/>
           </a:xfrm>
           <a:prstGeom prst="rect">
@@ -4138,12 +6247,113 @@
           <a:chExt cx="0" cy="0"/>
         </a:xfrm>
       </p:grpSpPr>
+      <p:sp>
+        <p:nvSpPr>
+          <p:cNvPr id="6" name="ZoneTexte 5">
+            <a:extLst>
+              <a:ext uri="{FF2B5EF4-FFF2-40B4-BE49-F238E27FC236}">
+                <a16:creationId xmlns:a16="http://schemas.microsoft.com/office/drawing/2014/main" id="{19B95D7E-8385-75A3-72DC-CC4CBC4C0558}"/>
+              </a:ext>
+            </a:extLst>
+          </p:cNvPr>
+          <p:cNvSpPr txBox="1"/>
+          <p:nvPr/>
+        </p:nvSpPr>
+        <p:spPr>
+          <a:xfrm>
+            <a:off x="279399" y="228600"/>
+            <a:ext cx="7332134" cy="369332"/>
+          </a:xfrm>
+          <a:prstGeom prst="rect">
+            <a:avLst/>
+          </a:prstGeom>
+          <a:noFill/>
+        </p:spPr>
+        <p:txBody>
+          <a:bodyPr wrap="square" rtlCol="0">
+            <a:spAutoFit/>
+          </a:bodyPr>
+          <a:lstStyle/>
+          <a:p>
+            <a:r>
+              <a:rPr lang="fr-FR" dirty="0"/>
+              <a:t>.</a:t>
+            </a:r>
+          </a:p>
+        </p:txBody>
+      </p:sp>
+      <p:sp>
+        <p:nvSpPr>
+          <p:cNvPr id="2" name="ZoneTexte 1">
+            <a:extLst>
+              <a:ext uri="{FF2B5EF4-FFF2-40B4-BE49-F238E27FC236}">
+                <a16:creationId xmlns:a16="http://schemas.microsoft.com/office/drawing/2014/main" id="{E14CFD73-C05E-1268-95F8-E62362DCCD27}"/>
+              </a:ext>
+            </a:extLst>
+          </p:cNvPr>
+          <p:cNvSpPr txBox="1"/>
+          <p:nvPr/>
+        </p:nvSpPr>
+        <p:spPr>
+          <a:xfrm>
+            <a:off x="380999" y="1556418"/>
+            <a:ext cx="6519335" cy="2308324"/>
+          </a:xfrm>
+          <a:prstGeom prst="rect">
+            <a:avLst/>
+          </a:prstGeom>
+          <a:noFill/>
+        </p:spPr>
+        <p:txBody>
+          <a:bodyPr wrap="square" rtlCol="0">
+            <a:spAutoFit/>
+          </a:bodyPr>
+          <a:lstStyle/>
+          <a:p>
+            <a:r>
+              <a:rPr lang="fr-FR" sz="2400" dirty="0"/>
+              <a:t>Pour afficher tout les fruits (qui sont sur ma BDD) j’ai besoin de crée une fonction sur lequel se trouve ma requête SQL ainsi que mes méthodes :</a:t>
+            </a:r>
+          </a:p>
+          <a:p>
+            <a:endParaRPr lang="fr-FR" sz="2400" dirty="0"/>
+          </a:p>
+          <a:p>
+            <a:r>
+              <a:rPr lang="fr-FR" sz="2400" dirty="0"/>
+              <a:t>« </a:t>
+            </a:r>
+            <a:r>
+              <a:rPr lang="fr-FR" sz="2400" dirty="0" err="1"/>
+              <a:t>query</a:t>
+            </a:r>
+            <a:r>
+              <a:rPr lang="fr-FR" sz="2400" dirty="0"/>
+              <a:t> » pour exécuter ma requête et</a:t>
+            </a:r>
+          </a:p>
+          <a:p>
+            <a:r>
+              <a:rPr lang="fr-FR" sz="2400" dirty="0"/>
+              <a:t> « </a:t>
+            </a:r>
+            <a:r>
+              <a:rPr lang="fr-FR" sz="2400" dirty="0" err="1"/>
+              <a:t>fetch</a:t>
+            </a:r>
+            <a:r>
+              <a:rPr lang="fr-FR" sz="2400" dirty="0"/>
+              <a:t>() » pour les afficher.</a:t>
+            </a:r>
+          </a:p>
+        </p:txBody>
+      </p:sp>
       <p:pic>
         <p:nvPicPr>
-          <p:cNvPr id="5" name="Image 4">
-            <a:extLst>
-              <a:ext uri="{FF2B5EF4-FFF2-40B4-BE49-F238E27FC236}">
-                <a16:creationId xmlns:a16="http://schemas.microsoft.com/office/drawing/2014/main" id="{10F2ADA1-124E-CE00-F7F6-8D7D5FB47F64}"/>
+          <p:cNvPr id="4" name="Image 3">
+            <a:extLst>
+              <a:ext uri="{FF2B5EF4-FFF2-40B4-BE49-F238E27FC236}">
+                <a16:creationId xmlns:a16="http://schemas.microsoft.com/office/drawing/2014/main" id="{5B1DE259-768C-AA08-E48E-B28CA7D28E5E}"/>
               </a:ext>
             </a:extLst>
           </p:cNvPr>
@@ -4160,8 +6370,8 @@
         </p:blipFill>
         <p:spPr>
           <a:xfrm>
-            <a:off x="279399" y="1303530"/>
-            <a:ext cx="6438900" cy="1800225"/>
+            <a:off x="7611533" y="1622829"/>
+            <a:ext cx="4353229" cy="2241913"/>
           </a:xfrm>
           <a:prstGeom prst="rect">
             <a:avLst/>
@@ -4170,10 +6380,10 @@
       </p:pic>
       <p:sp>
         <p:nvSpPr>
-          <p:cNvPr id="6" name="ZoneTexte 5">
-            <a:extLst>
-              <a:ext uri="{FF2B5EF4-FFF2-40B4-BE49-F238E27FC236}">
-                <a16:creationId xmlns:a16="http://schemas.microsoft.com/office/drawing/2014/main" id="{19B95D7E-8385-75A3-72DC-CC4CBC4C0558}"/>
+          <p:cNvPr id="8" name="ZoneTexte 7">
+            <a:extLst>
+              <a:ext uri="{FF2B5EF4-FFF2-40B4-BE49-F238E27FC236}">
+                <a16:creationId xmlns:a16="http://schemas.microsoft.com/office/drawing/2014/main" id="{30265268-382A-24EE-7060-DBEBFBD12F5B}"/>
               </a:ext>
             </a:extLst>
           </p:cNvPr>
@@ -4182,8 +6392,8 @@
         </p:nvSpPr>
         <p:spPr>
           <a:xfrm>
-            <a:off x="279399" y="228600"/>
-            <a:ext cx="6629401" cy="646331"/>
+            <a:off x="440266" y="321734"/>
+            <a:ext cx="4969933" cy="707886"/>
           </a:xfrm>
           <a:prstGeom prst="rect">
             <a:avLst/>
@@ -4196,43 +6406,20 @@
           </a:bodyPr>
           <a:lstStyle/>
           <a:p>
-            <a:r>
-              <a:rPr lang="fr-FR" dirty="0"/>
-              <a:t>Pour commencer ma page , j’ai besoin d’appeler le </a:t>
-            </a:r>
-            <a:r>
-              <a:rPr lang="fr-FR" dirty="0" err="1"/>
-              <a:t>header.php</a:t>
-            </a:r>
-            <a:r>
-              <a:rPr lang="fr-FR" dirty="0"/>
-              <a:t>, afin d’avoir les </a:t>
-            </a:r>
-            <a:r>
-              <a:rPr lang="fr-FR" dirty="0" err="1"/>
-              <a:t>requires</a:t>
-            </a:r>
-            <a:r>
-              <a:rPr lang="fr-FR" dirty="0"/>
-              <a:t> dont j’ai besoin ainsi que le header et la </a:t>
-            </a:r>
-            <a:r>
-              <a:rPr lang="fr-FR" dirty="0" err="1"/>
-              <a:t>Navbar</a:t>
-            </a:r>
-            <a:r>
-              <a:rPr lang="fr-FR" dirty="0"/>
-              <a:t> .</a:t>
-            </a:r>
-          </a:p>
-        </p:txBody>
-      </p:sp>
-      <p:sp>
-        <p:nvSpPr>
-          <p:cNvPr id="7" name="ZoneTexte 6">
-            <a:extLst>
-              <a:ext uri="{FF2B5EF4-FFF2-40B4-BE49-F238E27FC236}">
-                <a16:creationId xmlns:a16="http://schemas.microsoft.com/office/drawing/2014/main" id="{D0A5A692-70E3-E8EE-6A27-EDC4F2371376}"/>
+            <a:pPr algn="ctr"/>
+            <a:r>
+              <a:rPr lang="fr-FR" sz="4000" b="1" dirty="0"/>
+              <a:t>LES FONCTIONS</a:t>
+            </a:r>
+          </a:p>
+        </p:txBody>
+      </p:sp>
+      <p:sp>
+        <p:nvSpPr>
+          <p:cNvPr id="9" name="ZoneTexte 8">
+            <a:extLst>
+              <a:ext uri="{FF2B5EF4-FFF2-40B4-BE49-F238E27FC236}">
+                <a16:creationId xmlns:a16="http://schemas.microsoft.com/office/drawing/2014/main" id="{F3CE2239-D184-00CB-71F7-C72784156722}"/>
               </a:ext>
             </a:extLst>
           </p:cNvPr>
@@ -4241,8 +6428,8 @@
         </p:nvSpPr>
         <p:spPr>
           <a:xfrm>
-            <a:off x="279399" y="874931"/>
-            <a:ext cx="6629401" cy="369332"/>
+            <a:off x="2583014" y="5235171"/>
+            <a:ext cx="7205133" cy="461665"/>
           </a:xfrm>
           <a:prstGeom prst="rect">
             <a:avLst/>
@@ -4255,18 +6442,16 @@
           </a:bodyPr>
           <a:lstStyle/>
           <a:p>
-            <a:r>
-              <a:rPr lang="fr-FR" dirty="0"/>
-              <a:t>Ensuite je </a:t>
-            </a:r>
-            <a:r>
-              <a:rPr lang="fr-FR" dirty="0" err="1"/>
-              <a:t>require</a:t>
-            </a:r>
-            <a:r>
-              <a:rPr lang="fr-FR" dirty="0"/>
-              <a:t> ma card pour afficher tout mes fruits. </a:t>
-            </a:r>
+            <a:pPr algn="ctr"/>
+            <a:r>
+              <a:rPr lang="fr-FR" sz="2400" b="1" dirty="0"/>
+              <a:t>A l’aide de cette fonction je peux crée ma </a:t>
+            </a:r>
+            <a:r>
+              <a:rPr lang="fr-FR" sz="2400" b="1" dirty="0" err="1"/>
+              <a:t>card</a:t>
+            </a:r>
+            <a:endParaRPr lang="fr-FR" sz="2400" b="1" dirty="0"/>
           </a:p>
         </p:txBody>
       </p:sp>
@@ -4274,6 +6459,537 @@
     <p:extLst>
       <p:ext uri="{BB962C8B-B14F-4D97-AF65-F5344CB8AC3E}">
         <p14:creationId xmlns:p14="http://schemas.microsoft.com/office/powerpoint/2010/main" val="4251103639"/>
+      </p:ext>
+    </p:extLst>
+  </p:cSld>
+  <p:clrMapOvr>
+    <a:masterClrMapping/>
+  </p:clrMapOvr>
+</p:sld>
+</file>
+
+<file path=ppt/slides/slide7.xml><?xml version="1.0" encoding="utf-8"?>
+<p:sld xmlns:a="http://schemas.openxmlformats.org/drawingml/2006/main" xmlns:r="http://schemas.openxmlformats.org/officeDocument/2006/relationships" xmlns:p="http://schemas.openxmlformats.org/presentationml/2006/main">
+  <p:cSld>
+    <p:spTree>
+      <p:nvGrpSpPr>
+        <p:cNvPr id="1" name=""/>
+        <p:cNvGrpSpPr/>
+        <p:nvPr/>
+      </p:nvGrpSpPr>
+      <p:grpSpPr>
+        <a:xfrm>
+          <a:off x="0" y="0"/>
+          <a:ext cx="0" cy="0"/>
+          <a:chOff x="0" y="0"/>
+          <a:chExt cx="0" cy="0"/>
+        </a:xfrm>
+      </p:grpSpPr>
+      <p:pic>
+        <p:nvPicPr>
+          <p:cNvPr id="5" name="Image 4">
+            <a:extLst>
+              <a:ext uri="{FF2B5EF4-FFF2-40B4-BE49-F238E27FC236}">
+                <a16:creationId xmlns:a16="http://schemas.microsoft.com/office/drawing/2014/main" id="{42A28E69-5228-190B-550F-BCA4BA74A647}"/>
+              </a:ext>
+            </a:extLst>
+          </p:cNvPr>
+          <p:cNvPicPr>
+            <a:picLocks noChangeAspect="1"/>
+          </p:cNvPicPr>
+          <p:nvPr/>
+        </p:nvPicPr>
+        <p:blipFill>
+          <a:blip r:embed="rId2"/>
+          <a:stretch>
+            <a:fillRect/>
+          </a:stretch>
+        </p:blipFill>
+        <p:spPr>
+          <a:xfrm>
+            <a:off x="0" y="0"/>
+            <a:ext cx="12192000" cy="3494690"/>
+          </a:xfrm>
+          <a:prstGeom prst="rect">
+            <a:avLst/>
+          </a:prstGeom>
+        </p:spPr>
+      </p:pic>
+      <p:sp>
+        <p:nvSpPr>
+          <p:cNvPr id="7" name="ZoneTexte 6">
+            <a:extLst>
+              <a:ext uri="{FF2B5EF4-FFF2-40B4-BE49-F238E27FC236}">
+                <a16:creationId xmlns:a16="http://schemas.microsoft.com/office/drawing/2014/main" id="{9318AEB3-22F9-6C66-50B8-1A5863A7402D}"/>
+              </a:ext>
+            </a:extLst>
+          </p:cNvPr>
+          <p:cNvSpPr txBox="1"/>
+          <p:nvPr/>
+        </p:nvSpPr>
+        <p:spPr>
+          <a:xfrm>
+            <a:off x="169333" y="3634323"/>
+            <a:ext cx="8906933" cy="400110"/>
+          </a:xfrm>
+          <a:prstGeom prst="rect">
+            <a:avLst/>
+          </a:prstGeom>
+          <a:noFill/>
+        </p:spPr>
+        <p:txBody>
+          <a:bodyPr wrap="square" rtlCol="0">
+            <a:spAutoFit/>
+          </a:bodyPr>
+          <a:lstStyle/>
+          <a:p>
+            <a:r>
+              <a:rPr lang="fr-FR" sz="2000" dirty="0"/>
+              <a:t>Pour faire fonctionner ma </a:t>
+            </a:r>
+            <a:r>
+              <a:rPr lang="fr-FR" sz="2000" dirty="0" err="1"/>
+              <a:t>card</a:t>
+            </a:r>
+            <a:r>
+              <a:rPr lang="fr-FR" sz="2000" dirty="0"/>
+              <a:t> correctement il faut utiliser la boucle </a:t>
+            </a:r>
+            <a:r>
+              <a:rPr lang="fr-FR" sz="2000" b="1" dirty="0"/>
+              <a:t>FOREACH</a:t>
+            </a:r>
+            <a:r>
+              <a:rPr lang="fr-FR" sz="2000" dirty="0"/>
+              <a:t>, </a:t>
+            </a:r>
+          </a:p>
+        </p:txBody>
+      </p:sp>
+      <p:sp>
+        <p:nvSpPr>
+          <p:cNvPr id="8" name="ZoneTexte 7">
+            <a:extLst>
+              <a:ext uri="{FF2B5EF4-FFF2-40B4-BE49-F238E27FC236}">
+                <a16:creationId xmlns:a16="http://schemas.microsoft.com/office/drawing/2014/main" id="{54632ED1-8428-07B2-EE6C-617AAD181AE3}"/>
+              </a:ext>
+            </a:extLst>
+          </p:cNvPr>
+          <p:cNvSpPr txBox="1"/>
+          <p:nvPr/>
+        </p:nvSpPr>
+        <p:spPr>
+          <a:xfrm>
+            <a:off x="358775" y="4390548"/>
+            <a:ext cx="8424334" cy="1631216"/>
+          </a:xfrm>
+          <a:prstGeom prst="rect">
+            <a:avLst/>
+          </a:prstGeom>
+          <a:noFill/>
+        </p:spPr>
+        <p:txBody>
+          <a:bodyPr wrap="square" rtlCol="0">
+            <a:spAutoFit/>
+          </a:bodyPr>
+          <a:lstStyle/>
+          <a:p>
+            <a:r>
+              <a:rPr lang="fr-FR" sz="2000" dirty="0"/>
+              <a:t>Pour l’image j’ai </a:t>
+            </a:r>
+            <a:r>
+              <a:rPr lang="fr-FR" sz="2000" dirty="0" err="1"/>
+              <a:t>selectionner</a:t>
+            </a:r>
+            <a:r>
+              <a:rPr lang="fr-FR" sz="2000" dirty="0"/>
+              <a:t> le «$fruit[‘</a:t>
+            </a:r>
+            <a:r>
+              <a:rPr lang="fr-FR" sz="2000" b="1" u="sng" dirty="0" err="1"/>
+              <a:t>pathimg</a:t>
+            </a:r>
+            <a:r>
+              <a:rPr lang="fr-FR" sz="2000" b="1" u="sng" dirty="0"/>
+              <a:t>’]</a:t>
+            </a:r>
+            <a:r>
+              <a:rPr lang="fr-FR" sz="2000" dirty="0"/>
+              <a:t> » de ma table fruit que </a:t>
+            </a:r>
+          </a:p>
+          <a:p>
+            <a:r>
+              <a:rPr lang="fr-FR" sz="2000" dirty="0"/>
+              <a:t>j’ai </a:t>
+            </a:r>
+            <a:r>
+              <a:rPr lang="fr-FR" sz="2000" b="1" u="sng" dirty="0"/>
+              <a:t>concaténer</a:t>
+            </a:r>
+            <a:r>
+              <a:rPr lang="fr-FR" sz="2000" dirty="0"/>
+              <a:t> avec le nom du fruit « $fruit[‘</a:t>
+            </a:r>
+            <a:r>
+              <a:rPr lang="fr-FR" sz="2000" b="1" u="sng" dirty="0" err="1"/>
+              <a:t>name</a:t>
+            </a:r>
+            <a:r>
+              <a:rPr lang="fr-FR" sz="2000" dirty="0"/>
+              <a:t>’]. </a:t>
+            </a:r>
+          </a:p>
+          <a:p>
+            <a:r>
+              <a:rPr lang="fr-FR" sz="2000" dirty="0"/>
+              <a:t>Comme on peut le voir le nom du fruit </a:t>
+            </a:r>
+            <a:r>
+              <a:rPr lang="fr-FR" sz="2000" dirty="0" err="1"/>
+              <a:t>possede</a:t>
+            </a:r>
+            <a:r>
+              <a:rPr lang="fr-FR" sz="2000" dirty="0"/>
+              <a:t> des espaces, ce qui n’est pas possible pour le fichier </a:t>
+            </a:r>
+            <a:r>
+              <a:rPr lang="fr-FR" sz="2000" dirty="0" err="1"/>
+              <a:t>img</a:t>
+            </a:r>
+            <a:r>
+              <a:rPr lang="fr-FR" sz="2000" dirty="0"/>
+              <a:t> . </a:t>
+            </a:r>
+          </a:p>
+          <a:p>
+            <a:r>
+              <a:rPr lang="fr-FR" sz="2000" dirty="0"/>
+              <a:t>Donc j’ai du retirer les espaces avec le </a:t>
+            </a:r>
+            <a:r>
+              <a:rPr lang="fr-FR" sz="2000" b="1" u="sng" dirty="0" err="1"/>
+              <a:t>str_replace</a:t>
+            </a:r>
+            <a:r>
+              <a:rPr lang="fr-FR" sz="2000" b="1" u="sng" dirty="0"/>
+              <a:t> </a:t>
+            </a:r>
+            <a:r>
+              <a:rPr lang="fr-FR" sz="2000" dirty="0"/>
+              <a:t>. </a:t>
+            </a:r>
+          </a:p>
+        </p:txBody>
+      </p:sp>
+      <p:pic>
+        <p:nvPicPr>
+          <p:cNvPr id="10" name="Image 9">
+            <a:extLst>
+              <a:ext uri="{FF2B5EF4-FFF2-40B4-BE49-F238E27FC236}">
+                <a16:creationId xmlns:a16="http://schemas.microsoft.com/office/drawing/2014/main" id="{47AE6C41-6466-3A87-E49C-B21B9C9FFE79}"/>
+              </a:ext>
+            </a:extLst>
+          </p:cNvPr>
+          <p:cNvPicPr>
+            <a:picLocks noChangeAspect="1"/>
+          </p:cNvPicPr>
+          <p:nvPr/>
+        </p:nvPicPr>
+        <p:blipFill>
+          <a:blip r:embed="rId3"/>
+          <a:stretch>
+            <a:fillRect/>
+          </a:stretch>
+        </p:blipFill>
+        <p:spPr>
+          <a:xfrm>
+            <a:off x="8957733" y="3556000"/>
+            <a:ext cx="2951692" cy="3095625"/>
+          </a:xfrm>
+          <a:prstGeom prst="rect">
+            <a:avLst/>
+          </a:prstGeom>
+        </p:spPr>
+      </p:pic>
+    </p:spTree>
+    <p:extLst>
+      <p:ext uri="{BB962C8B-B14F-4D97-AF65-F5344CB8AC3E}">
+        <p14:creationId xmlns:p14="http://schemas.microsoft.com/office/powerpoint/2010/main" val="2974625041"/>
+      </p:ext>
+    </p:extLst>
+  </p:cSld>
+  <p:clrMapOvr>
+    <a:masterClrMapping/>
+  </p:clrMapOvr>
+</p:sld>
+</file>
+
+<file path=ppt/slides/slide8.xml><?xml version="1.0" encoding="utf-8"?>
+<p:sld xmlns:a="http://schemas.openxmlformats.org/drawingml/2006/main" xmlns:r="http://schemas.openxmlformats.org/officeDocument/2006/relationships" xmlns:p="http://schemas.openxmlformats.org/presentationml/2006/main">
+  <p:cSld>
+    <p:spTree>
+      <p:nvGrpSpPr>
+        <p:cNvPr id="1" name=""/>
+        <p:cNvGrpSpPr/>
+        <p:nvPr/>
+      </p:nvGrpSpPr>
+      <p:grpSpPr>
+        <a:xfrm>
+          <a:off x="0" y="0"/>
+          <a:ext cx="0" cy="0"/>
+          <a:chOff x="0" y="0"/>
+          <a:chExt cx="0" cy="0"/>
+        </a:xfrm>
+      </p:grpSpPr>
+      <p:sp>
+        <p:nvSpPr>
+          <p:cNvPr id="7" name="ZoneTexte 6">
+            <a:extLst>
+              <a:ext uri="{FF2B5EF4-FFF2-40B4-BE49-F238E27FC236}">
+                <a16:creationId xmlns:a16="http://schemas.microsoft.com/office/drawing/2014/main" id="{ABF80F5F-5A6A-3D01-911E-81CE4E4C9706}"/>
+              </a:ext>
+            </a:extLst>
+          </p:cNvPr>
+          <p:cNvSpPr txBox="1"/>
+          <p:nvPr/>
+        </p:nvSpPr>
+        <p:spPr>
+          <a:xfrm>
+            <a:off x="618067" y="423102"/>
+            <a:ext cx="6096000" cy="923330"/>
+          </a:xfrm>
+          <a:prstGeom prst="rect">
+            <a:avLst/>
+          </a:prstGeom>
+          <a:noFill/>
+        </p:spPr>
+        <p:txBody>
+          <a:bodyPr wrap="square">
+            <a:spAutoFit/>
+          </a:bodyPr>
+          <a:lstStyle/>
+          <a:p>
+            <a:r>
+              <a:rPr lang="fr-FR" dirty="0"/>
+              <a:t>Pour commencer ma page , j’ai besoin d’appeler le fichier « </a:t>
+            </a:r>
+            <a:r>
+              <a:rPr lang="fr-FR" dirty="0" err="1"/>
+              <a:t>header.php</a:t>
+            </a:r>
+            <a:r>
+              <a:rPr lang="fr-FR" dirty="0"/>
+              <a:t> », afin d’avoir les </a:t>
+            </a:r>
+            <a:r>
+              <a:rPr lang="fr-FR" dirty="0" err="1"/>
+              <a:t>requires</a:t>
+            </a:r>
+            <a:r>
+              <a:rPr lang="fr-FR" dirty="0"/>
+              <a:t> dont j’ai besoin ainsi que le header et la </a:t>
+            </a:r>
+            <a:r>
+              <a:rPr lang="fr-FR" dirty="0" err="1"/>
+              <a:t>Navbar</a:t>
+            </a:r>
+            <a:r>
+              <a:rPr lang="fr-FR" dirty="0"/>
+              <a:t> </a:t>
+            </a:r>
+          </a:p>
+        </p:txBody>
+      </p:sp>
+      <p:sp>
+        <p:nvSpPr>
+          <p:cNvPr id="8" name="ZoneTexte 7">
+            <a:extLst>
+              <a:ext uri="{FF2B5EF4-FFF2-40B4-BE49-F238E27FC236}">
+                <a16:creationId xmlns:a16="http://schemas.microsoft.com/office/drawing/2014/main" id="{D0A5A692-70E3-E8EE-6A27-EDC4F2371376}"/>
+              </a:ext>
+            </a:extLst>
+          </p:cNvPr>
+          <p:cNvSpPr txBox="1"/>
+          <p:nvPr/>
+        </p:nvSpPr>
+        <p:spPr>
+          <a:xfrm>
+            <a:off x="579966" y="1381847"/>
+            <a:ext cx="6172201" cy="369332"/>
+          </a:xfrm>
+          <a:prstGeom prst="rect">
+            <a:avLst/>
+          </a:prstGeom>
+          <a:noFill/>
+        </p:spPr>
+        <p:txBody>
+          <a:bodyPr wrap="square" rtlCol="0">
+            <a:spAutoFit/>
+          </a:bodyPr>
+          <a:lstStyle/>
+          <a:p>
+            <a:r>
+              <a:rPr lang="fr-FR" dirty="0"/>
+              <a:t>Ensuite je </a:t>
+            </a:r>
+            <a:r>
+              <a:rPr lang="fr-FR" dirty="0" err="1"/>
+              <a:t>require</a:t>
+            </a:r>
+            <a:r>
+              <a:rPr lang="fr-FR" dirty="0"/>
+              <a:t> ma card pour afficher tout mes fruits. </a:t>
+            </a:r>
+          </a:p>
+        </p:txBody>
+      </p:sp>
+      <p:pic>
+        <p:nvPicPr>
+          <p:cNvPr id="9" name="Image 8">
+            <a:extLst>
+              <a:ext uri="{FF2B5EF4-FFF2-40B4-BE49-F238E27FC236}">
+                <a16:creationId xmlns:a16="http://schemas.microsoft.com/office/drawing/2014/main" id="{10F2ADA1-124E-CE00-F7F6-8D7D5FB47F64}"/>
+              </a:ext>
+            </a:extLst>
+          </p:cNvPr>
+          <p:cNvPicPr>
+            <a:picLocks noChangeAspect="1"/>
+          </p:cNvPicPr>
+          <p:nvPr/>
+        </p:nvPicPr>
+        <p:blipFill>
+          <a:blip r:embed="rId2"/>
+          <a:stretch>
+            <a:fillRect/>
+          </a:stretch>
+        </p:blipFill>
+        <p:spPr>
+          <a:xfrm>
+            <a:off x="465666" y="1989331"/>
+            <a:ext cx="6773333" cy="1800225"/>
+          </a:xfrm>
+          <a:prstGeom prst="rect">
+            <a:avLst/>
+          </a:prstGeom>
+        </p:spPr>
+      </p:pic>
+    </p:spTree>
+    <p:extLst>
+      <p:ext uri="{BB962C8B-B14F-4D97-AF65-F5344CB8AC3E}">
+        <p14:creationId xmlns:p14="http://schemas.microsoft.com/office/powerpoint/2010/main" val="2266012182"/>
+      </p:ext>
+    </p:extLst>
+  </p:cSld>
+  <p:clrMapOvr>
+    <a:masterClrMapping/>
+  </p:clrMapOvr>
+</p:sld>
+</file>
+
+<file path=ppt/slides/slide9.xml><?xml version="1.0" encoding="utf-8"?>
+<p:sld xmlns:a="http://schemas.openxmlformats.org/drawingml/2006/main" xmlns:r="http://schemas.openxmlformats.org/officeDocument/2006/relationships" xmlns:p="http://schemas.openxmlformats.org/presentationml/2006/main">
+  <p:cSld>
+    <p:spTree>
+      <p:nvGrpSpPr>
+        <p:cNvPr id="1" name=""/>
+        <p:cNvGrpSpPr/>
+        <p:nvPr/>
+      </p:nvGrpSpPr>
+      <p:grpSpPr>
+        <a:xfrm>
+          <a:off x="0" y="0"/>
+          <a:ext cx="0" cy="0"/>
+          <a:chOff x="0" y="0"/>
+          <a:chExt cx="0" cy="0"/>
+        </a:xfrm>
+      </p:grpSpPr>
+      <p:pic>
+        <p:nvPicPr>
+          <p:cNvPr id="11" name="Image 10">
+            <a:extLst>
+              <a:ext uri="{FF2B5EF4-FFF2-40B4-BE49-F238E27FC236}">
+                <a16:creationId xmlns:a16="http://schemas.microsoft.com/office/drawing/2014/main" id="{C4123DDD-61FC-886F-1A6C-50B91A775196}"/>
+              </a:ext>
+            </a:extLst>
+          </p:cNvPr>
+          <p:cNvPicPr>
+            <a:picLocks noChangeAspect="1"/>
+          </p:cNvPicPr>
+          <p:nvPr/>
+        </p:nvPicPr>
+        <p:blipFill>
+          <a:blip r:embed="rId2"/>
+          <a:stretch>
+            <a:fillRect/>
+          </a:stretch>
+        </p:blipFill>
+        <p:spPr>
+          <a:xfrm>
+            <a:off x="2252662" y="389468"/>
+            <a:ext cx="7686675" cy="2641830"/>
+          </a:xfrm>
+          <a:prstGeom prst="rect">
+            <a:avLst/>
+          </a:prstGeom>
+        </p:spPr>
+      </p:pic>
+      <p:sp>
+        <p:nvSpPr>
+          <p:cNvPr id="4" name="ZoneTexte 3">
+            <a:extLst>
+              <a:ext uri="{FF2B5EF4-FFF2-40B4-BE49-F238E27FC236}">
+                <a16:creationId xmlns:a16="http://schemas.microsoft.com/office/drawing/2014/main" id="{A2048787-1592-CB04-FA07-B22491BCC5F9}"/>
+              </a:ext>
+            </a:extLst>
+          </p:cNvPr>
+          <p:cNvSpPr txBox="1"/>
+          <p:nvPr/>
+        </p:nvSpPr>
+        <p:spPr>
+          <a:xfrm>
+            <a:off x="355600" y="3496733"/>
+            <a:ext cx="11099800" cy="646331"/>
+          </a:xfrm>
+          <a:prstGeom prst="rect">
+            <a:avLst/>
+          </a:prstGeom>
+          <a:noFill/>
+        </p:spPr>
+        <p:txBody>
+          <a:bodyPr wrap="square" rtlCol="0">
+            <a:spAutoFit/>
+          </a:bodyPr>
+          <a:lstStyle/>
+          <a:p>
+            <a:r>
+              <a:rPr lang="fr-FR" dirty="0"/>
+              <a:t>Pour afficher la liste déroulante j’ai utiliser la balise &lt;</a:t>
+            </a:r>
+            <a:r>
+              <a:rPr lang="fr-FR" dirty="0" err="1"/>
+              <a:t>form</a:t>
+            </a:r>
+            <a:r>
+              <a:rPr lang="fr-FR" dirty="0"/>
+              <a:t>&gt; avec la </a:t>
+            </a:r>
+            <a:r>
+              <a:rPr lang="fr-FR" dirty="0" err="1"/>
+              <a:t>method</a:t>
+            </a:r>
+            <a:r>
+              <a:rPr lang="fr-FR" dirty="0"/>
+              <a:t> « POST » afin d’envoyer les donnés dans la requête HTTP plutôt que sur l’URL il a fallut que je nomme le formulaire avec </a:t>
+            </a:r>
+          </a:p>
+        </p:txBody>
+      </p:sp>
+    </p:spTree>
+    <p:extLst>
+      <p:ext uri="{BB962C8B-B14F-4D97-AF65-F5344CB8AC3E}">
+        <p14:creationId xmlns:p14="http://schemas.microsoft.com/office/powerpoint/2010/main" val="2904978930"/>
       </p:ext>
     </p:extLst>
   </p:cSld>

--- a/bd/ONE PIECE.pptx
+++ b/bd/ONE PIECE.pptx
@@ -3592,13 +3592,13 @@
   <p:clrMapOvr>
     <a:masterClrMapping/>
   </p:clrMapOvr>
-  <mc:AlternateContent xmlns:mc="http://schemas.openxmlformats.org/markup-compatibility/2006">
-    <mc:Choice xmlns:p14="http://schemas.microsoft.com/office/powerpoint/2010/main" Requires="p14">
+  <mc:AlternateContent xmlns:mc="http://schemas.openxmlformats.org/markup-compatibility/2006" xmlns:p14="http://schemas.microsoft.com/office/powerpoint/2010/main">
+    <mc:Choice Requires="p14">
       <p:transition spd="slow">
         <p14:flash/>
       </p:transition>
     </mc:Choice>
-    <mc:Fallback>
+    <mc:Fallback xmlns="">
       <p:transition spd="slow">
         <p:fade/>
       </p:transition>
@@ -4352,7 +4352,7 @@
             </a:r>
             <a:r>
               <a:rPr lang="fr-FR" b="1" dirty="0"/>
-              <a:t>Name</a:t>
+              <a:t>option</a:t>
             </a:r>
             <a:r>
               <a:rPr lang="fr-FR" dirty="0"/>
@@ -4657,8 +4657,8 @@
             <a:chExt cx="3148560" cy="352440"/>
           </a:xfrm>
         </p:grpSpPr>
-        <mc:AlternateContent xmlns:mc="http://schemas.openxmlformats.org/markup-compatibility/2006">
-          <mc:Choice xmlns:p14="http://schemas.microsoft.com/office/powerpoint/2010/main" Requires="p14">
+        <mc:AlternateContent xmlns:mc="http://schemas.openxmlformats.org/markup-compatibility/2006" xmlns:p14="http://schemas.microsoft.com/office/powerpoint/2010/main">
+          <mc:Choice Requires="p14">
             <p:contentPart p14:bwMode="auto" r:id="rId4">
               <p14:nvContentPartPr>
                 <p14:cNvPr id="13" name="Encre 12">
@@ -4677,7 +4677,7 @@
               </p14:xfrm>
             </p:contentPart>
           </mc:Choice>
-          <mc:Fallback>
+          <mc:Fallback xmlns="">
             <p:pic>
               <p:nvPicPr>
                 <p:cNvPr id="13" name="Encre 12">
@@ -4708,8 +4708,8 @@
             </p:pic>
           </mc:Fallback>
         </mc:AlternateContent>
-        <mc:AlternateContent xmlns:mc="http://schemas.openxmlformats.org/markup-compatibility/2006">
-          <mc:Choice xmlns:p14="http://schemas.microsoft.com/office/powerpoint/2010/main" Requires="p14">
+        <mc:AlternateContent xmlns:mc="http://schemas.openxmlformats.org/markup-compatibility/2006" xmlns:p14="http://schemas.microsoft.com/office/powerpoint/2010/main">
+          <mc:Choice Requires="p14">
             <p:contentPart p14:bwMode="auto" r:id="rId6">
               <p14:nvContentPartPr>
                 <p14:cNvPr id="14" name="Encre 13">
@@ -4728,7 +4728,7 @@
               </p14:xfrm>
             </p:contentPart>
           </mc:Choice>
-          <mc:Fallback>
+          <mc:Fallback xmlns="">
             <p:pic>
               <p:nvPicPr>
                 <p:cNvPr id="14" name="Encre 13">
@@ -4810,8 +4810,8 @@
             <a:chExt cx="5077440" cy="1776600"/>
           </a:xfrm>
         </p:grpSpPr>
-        <mc:AlternateContent xmlns:mc="http://schemas.openxmlformats.org/markup-compatibility/2006">
-          <mc:Choice xmlns:p14="http://schemas.microsoft.com/office/powerpoint/2010/main" Requires="p14">
+        <mc:AlternateContent xmlns:mc="http://schemas.openxmlformats.org/markup-compatibility/2006" xmlns:p14="http://schemas.microsoft.com/office/powerpoint/2010/main">
+          <mc:Choice Requires="p14">
             <p:contentPart p14:bwMode="auto" r:id="rId9">
               <p14:nvContentPartPr>
                 <p14:cNvPr id="19" name="Encre 18">
@@ -4830,7 +4830,7 @@
               </p14:xfrm>
             </p:contentPart>
           </mc:Choice>
-          <mc:Fallback>
+          <mc:Fallback xmlns="">
             <p:pic>
               <p:nvPicPr>
                 <p:cNvPr id="19" name="Encre 18">
@@ -4861,8 +4861,8 @@
             </p:pic>
           </mc:Fallback>
         </mc:AlternateContent>
-        <mc:AlternateContent xmlns:mc="http://schemas.openxmlformats.org/markup-compatibility/2006">
-          <mc:Choice xmlns:p14="http://schemas.microsoft.com/office/powerpoint/2010/main" Requires="p14">
+        <mc:AlternateContent xmlns:mc="http://schemas.openxmlformats.org/markup-compatibility/2006" xmlns:p14="http://schemas.microsoft.com/office/powerpoint/2010/main">
+          <mc:Choice Requires="p14">
             <p:contentPart p14:bwMode="auto" r:id="rId11">
               <p14:nvContentPartPr>
                 <p14:cNvPr id="20" name="Encre 19">
@@ -4881,7 +4881,7 @@
               </p14:xfrm>
             </p:contentPart>
           </mc:Choice>
-          <mc:Fallback>
+          <mc:Fallback xmlns="">
             <p:pic>
               <p:nvPicPr>
                 <p:cNvPr id="20" name="Encre 19">
@@ -4913,8 +4913,8 @@
           </mc:Fallback>
         </mc:AlternateContent>
       </p:grpSp>
-      <mc:AlternateContent xmlns:mc="http://schemas.openxmlformats.org/markup-compatibility/2006">
-        <mc:Choice xmlns:p14="http://schemas.microsoft.com/office/powerpoint/2010/main" Requires="p14">
+      <mc:AlternateContent xmlns:mc="http://schemas.openxmlformats.org/markup-compatibility/2006" xmlns:p14="http://schemas.microsoft.com/office/powerpoint/2010/main">
+        <mc:Choice Requires="p14">
           <p:contentPart p14:bwMode="auto" r:id="rId13">
             <p14:nvContentPartPr>
               <p14:cNvPr id="22" name="Encre 21">
@@ -4933,7 +4933,7 @@
             </p14:xfrm>
           </p:contentPart>
         </mc:Choice>
-        <mc:Fallback>
+        <mc:Fallback xmlns="">
           <p:pic>
             <p:nvPicPr>
               <p:cNvPr id="22" name="Encre 21">
@@ -5568,8 +5568,8 @@
         </p:nvSpPr>
         <p:spPr>
           <a:xfrm>
-            <a:off x="7541556" y="1830737"/>
-            <a:ext cx="3412066" cy="1200329"/>
+            <a:off x="8125756" y="2481259"/>
+            <a:ext cx="3228044" cy="2230739"/>
           </a:xfrm>
           <a:prstGeom prst="rect">
             <a:avLst/>
@@ -5582,27 +5582,24 @@
           </a:bodyPr>
           <a:lstStyle/>
           <a:p>
+            <a:pPr>
+              <a:lnSpc>
+                <a:spcPct val="200000"/>
+              </a:lnSpc>
+            </a:pPr>
             <a:r>
               <a:rPr lang="fr-FR" dirty="0"/>
-              <a:t>Une fois mon </a:t>
-            </a:r>
-            <a:r>
-              <a:rPr lang="fr-FR" dirty="0" err="1"/>
-              <a:t>uml</a:t>
-            </a:r>
-            <a:r>
-              <a:rPr lang="fr-FR" dirty="0"/>
-              <a:t> terminer, j’ai commencer a crée ma BDD sur PhpMyAdmin,  en prenant pour exemple UML</a:t>
+              <a:t>Une fois mon UML terminer, j’ai commencer a crée ma BDD sur PhpMyAdmin,  en prenant pour exemple UML</a:t>
             </a:r>
           </a:p>
         </p:txBody>
       </p:sp>
       <p:pic>
         <p:nvPicPr>
-          <p:cNvPr id="4" name="Image 3">
-            <a:extLst>
-              <a:ext uri="{FF2B5EF4-FFF2-40B4-BE49-F238E27FC236}">
-                <a16:creationId xmlns:a16="http://schemas.microsoft.com/office/drawing/2014/main" id="{1AE72B05-578E-8C51-107B-6E8E211EE371}"/>
+          <p:cNvPr id="5" name="Image 4">
+            <a:extLst>
+              <a:ext uri="{FF2B5EF4-FFF2-40B4-BE49-F238E27FC236}">
+                <a16:creationId xmlns:a16="http://schemas.microsoft.com/office/drawing/2014/main" id="{92F4F443-B299-46A7-DBF8-2AD2814242BF}"/>
               </a:ext>
             </a:extLst>
           </p:cNvPr>
@@ -5611,15 +5608,16 @@
           </p:cNvPicPr>
           <p:nvPr/>
         </p:nvPicPr>
-        <p:blipFill rotWithShape="1">
+        <p:blipFill>
           <a:blip r:embed="rId2"/>
-          <a:srcRect l="17434" r="1074"/>
-          <a:stretch/>
+          <a:stretch>
+            <a:fillRect/>
+          </a:stretch>
         </p:blipFill>
         <p:spPr>
           <a:xfrm>
-            <a:off x="102127" y="1690688"/>
-            <a:ext cx="7039251" cy="4921779"/>
+            <a:off x="273579" y="1690688"/>
+            <a:ext cx="7126288" cy="4894262"/>
           </a:xfrm>
           <a:prstGeom prst="rect">
             <a:avLst/>

--- a/bd/ONE PIECE.pptx
+++ b/bd/ONE PIECE.pptx
@@ -405,7 +405,7 @@
           <a:p>
             <a:fld id="{9C6308A8-E1F4-4DDE-BC6F-9DF3D08D6743}" type="datetimeFigureOut">
               <a:rPr lang="fr-FR" smtClean="0"/>
-              <a:t>07/02/2024</a:t>
+              <a:t>08/02/2024</a:t>
             </a:fld>
             <a:endParaRPr lang="fr-FR"/>
           </a:p>
@@ -475,6 +475,9 @@
   <p:clrMapOvr>
     <a:masterClrMapping/>
   </p:clrMapOvr>
+  <p:transition spd="slow">
+    <p:push dir="u"/>
+  </p:transition>
 </p:sldLayout>
 </file>
 
@@ -603,7 +606,7 @@
           <a:p>
             <a:fld id="{9C6308A8-E1F4-4DDE-BC6F-9DF3D08D6743}" type="datetimeFigureOut">
               <a:rPr lang="fr-FR" smtClean="0"/>
-              <a:t>07/02/2024</a:t>
+              <a:t>08/02/2024</a:t>
             </a:fld>
             <a:endParaRPr lang="fr-FR"/>
           </a:p>
@@ -673,6 +676,9 @@
   <p:clrMapOvr>
     <a:masterClrMapping/>
   </p:clrMapOvr>
+  <p:transition spd="slow">
+    <p:push dir="u"/>
+  </p:transition>
 </p:sldLayout>
 </file>
 
@@ -811,7 +817,7 @@
           <a:p>
             <a:fld id="{9C6308A8-E1F4-4DDE-BC6F-9DF3D08D6743}" type="datetimeFigureOut">
               <a:rPr lang="fr-FR" smtClean="0"/>
-              <a:t>07/02/2024</a:t>
+              <a:t>08/02/2024</a:t>
             </a:fld>
             <a:endParaRPr lang="fr-FR"/>
           </a:p>
@@ -881,6 +887,9 @@
   <p:clrMapOvr>
     <a:masterClrMapping/>
   </p:clrMapOvr>
+  <p:transition spd="slow">
+    <p:push dir="u"/>
+  </p:transition>
 </p:sldLayout>
 </file>
 
@@ -1009,7 +1018,7 @@
           <a:p>
             <a:fld id="{9C6308A8-E1F4-4DDE-BC6F-9DF3D08D6743}" type="datetimeFigureOut">
               <a:rPr lang="fr-FR" smtClean="0"/>
-              <a:t>07/02/2024</a:t>
+              <a:t>08/02/2024</a:t>
             </a:fld>
             <a:endParaRPr lang="fr-FR"/>
           </a:p>
@@ -1079,6 +1088,9 @@
   <p:clrMapOvr>
     <a:masterClrMapping/>
   </p:clrMapOvr>
+  <p:transition spd="slow">
+    <p:push dir="u"/>
+  </p:transition>
 </p:sldLayout>
 </file>
 
@@ -1284,7 +1296,7 @@
           <a:p>
             <a:fld id="{9C6308A8-E1F4-4DDE-BC6F-9DF3D08D6743}" type="datetimeFigureOut">
               <a:rPr lang="fr-FR" smtClean="0"/>
-              <a:t>07/02/2024</a:t>
+              <a:t>08/02/2024</a:t>
             </a:fld>
             <a:endParaRPr lang="fr-FR"/>
           </a:p>
@@ -1354,6 +1366,9 @@
   <p:clrMapOvr>
     <a:masterClrMapping/>
   </p:clrMapOvr>
+  <p:transition spd="slow">
+    <p:push dir="u"/>
+  </p:transition>
 </p:sldLayout>
 </file>
 
@@ -1549,7 +1564,7 @@
           <a:p>
             <a:fld id="{9C6308A8-E1F4-4DDE-BC6F-9DF3D08D6743}" type="datetimeFigureOut">
               <a:rPr lang="fr-FR" smtClean="0"/>
-              <a:t>07/02/2024</a:t>
+              <a:t>08/02/2024</a:t>
             </a:fld>
             <a:endParaRPr lang="fr-FR"/>
           </a:p>
@@ -1619,6 +1634,9 @@
   <p:clrMapOvr>
     <a:masterClrMapping/>
   </p:clrMapOvr>
+  <p:transition spd="slow">
+    <p:push dir="u"/>
+  </p:transition>
 </p:sldLayout>
 </file>
 
@@ -1961,7 +1979,7 @@
           <a:p>
             <a:fld id="{9C6308A8-E1F4-4DDE-BC6F-9DF3D08D6743}" type="datetimeFigureOut">
               <a:rPr lang="fr-FR" smtClean="0"/>
-              <a:t>07/02/2024</a:t>
+              <a:t>08/02/2024</a:t>
             </a:fld>
             <a:endParaRPr lang="fr-FR"/>
           </a:p>
@@ -2031,6 +2049,9 @@
   <p:clrMapOvr>
     <a:masterClrMapping/>
   </p:clrMapOvr>
+  <p:transition spd="slow">
+    <p:push dir="u"/>
+  </p:transition>
 </p:sldLayout>
 </file>
 
@@ -2102,7 +2123,7 @@
           <a:p>
             <a:fld id="{9C6308A8-E1F4-4DDE-BC6F-9DF3D08D6743}" type="datetimeFigureOut">
               <a:rPr lang="fr-FR" smtClean="0"/>
-              <a:t>07/02/2024</a:t>
+              <a:t>08/02/2024</a:t>
             </a:fld>
             <a:endParaRPr lang="fr-FR"/>
           </a:p>
@@ -2172,6 +2193,9 @@
   <p:clrMapOvr>
     <a:masterClrMapping/>
   </p:clrMapOvr>
+  <p:transition spd="slow">
+    <p:push dir="u"/>
+  </p:transition>
 </p:sldLayout>
 </file>
 
@@ -2215,7 +2239,7 @@
           <a:p>
             <a:fld id="{9C6308A8-E1F4-4DDE-BC6F-9DF3D08D6743}" type="datetimeFigureOut">
               <a:rPr lang="fr-FR" smtClean="0"/>
-              <a:t>07/02/2024</a:t>
+              <a:t>08/02/2024</a:t>
             </a:fld>
             <a:endParaRPr lang="fr-FR"/>
           </a:p>
@@ -2285,6 +2309,9 @@
   <p:clrMapOvr>
     <a:masterClrMapping/>
   </p:clrMapOvr>
+  <p:transition spd="slow">
+    <p:push dir="u"/>
+  </p:transition>
 </p:sldLayout>
 </file>
 
@@ -2526,7 +2553,7 @@
           <a:p>
             <a:fld id="{9C6308A8-E1F4-4DDE-BC6F-9DF3D08D6743}" type="datetimeFigureOut">
               <a:rPr lang="fr-FR" smtClean="0"/>
-              <a:t>07/02/2024</a:t>
+              <a:t>08/02/2024</a:t>
             </a:fld>
             <a:endParaRPr lang="fr-FR"/>
           </a:p>
@@ -2596,6 +2623,9 @@
   <p:clrMapOvr>
     <a:masterClrMapping/>
   </p:clrMapOvr>
+  <p:transition spd="slow">
+    <p:push dir="u"/>
+  </p:transition>
 </p:sldLayout>
 </file>
 
@@ -2814,7 +2844,7 @@
           <a:p>
             <a:fld id="{9C6308A8-E1F4-4DDE-BC6F-9DF3D08D6743}" type="datetimeFigureOut">
               <a:rPr lang="fr-FR" smtClean="0"/>
-              <a:t>07/02/2024</a:t>
+              <a:t>08/02/2024</a:t>
             </a:fld>
             <a:endParaRPr lang="fr-FR"/>
           </a:p>
@@ -2884,6 +2914,9 @@
   <p:clrMapOvr>
     <a:masterClrMapping/>
   </p:clrMapOvr>
+  <p:transition spd="slow">
+    <p:push dir="u"/>
+  </p:transition>
 </p:sldLayout>
 </file>
 
@@ -3055,7 +3088,7 @@
           <a:p>
             <a:fld id="{9C6308A8-E1F4-4DDE-BC6F-9DF3D08D6743}" type="datetimeFigureOut">
               <a:rPr lang="fr-FR" smtClean="0"/>
-              <a:t>07/02/2024</a:t>
+              <a:t>08/02/2024</a:t>
             </a:fld>
             <a:endParaRPr lang="fr-FR"/>
           </a:p>
@@ -3172,6 +3205,9 @@
     <p:sldLayoutId id="2147483658" r:id="rId10"/>
     <p:sldLayoutId id="2147483659" r:id="rId11"/>
   </p:sldLayoutIdLst>
+  <p:transition spd="slow">
+    <p:push dir="u"/>
+  </p:transition>
   <p:txStyles>
     <p:titleStyle>
       <a:lvl1pPr algn="l" defTabSz="914400" rtl="0" eaLnBrk="1" latinLnBrk="0" hangingPunct="1">
@@ -3490,7 +3526,7 @@
         </p:nvSpPr>
         <p:spPr>
           <a:xfrm>
-            <a:off x="2988732" y="2388657"/>
+            <a:off x="2480731" y="1000655"/>
             <a:ext cx="4383618" cy="1019704"/>
           </a:xfrm>
         </p:spPr>
@@ -3574,8 +3610,38 @@
         </p:blipFill>
         <p:spPr>
           <a:xfrm>
-            <a:off x="7264399" y="1665021"/>
+            <a:off x="6409265" y="340255"/>
             <a:ext cx="1847850" cy="2466975"/>
+          </a:xfrm>
+          <a:prstGeom prst="rect">
+            <a:avLst/>
+          </a:prstGeom>
+        </p:spPr>
+      </p:pic>
+      <p:pic>
+        <p:nvPicPr>
+          <p:cNvPr id="6" name="Image 5">
+            <a:extLst>
+              <a:ext uri="{FF2B5EF4-FFF2-40B4-BE49-F238E27FC236}">
+                <a16:creationId xmlns:a16="http://schemas.microsoft.com/office/drawing/2014/main" id="{418ECC05-7C2A-196B-2EC7-2AE7708A8F84}"/>
+              </a:ext>
+            </a:extLst>
+          </p:cNvPr>
+          <p:cNvPicPr>
+            <a:picLocks noChangeAspect="1"/>
+          </p:cNvPicPr>
+          <p:nvPr/>
+        </p:nvPicPr>
+        <p:blipFill>
+          <a:blip r:embed="rId3"/>
+          <a:stretch>
+            <a:fillRect/>
+          </a:stretch>
+        </p:blipFill>
+        <p:spPr>
+          <a:xfrm>
+            <a:off x="0" y="2680759"/>
+            <a:ext cx="11534775" cy="3359679"/>
           </a:xfrm>
           <a:prstGeom prst="rect">
             <a:avLst/>
@@ -3592,18 +3658,9 @@
   <p:clrMapOvr>
     <a:masterClrMapping/>
   </p:clrMapOvr>
-  <mc:AlternateContent xmlns:mc="http://schemas.openxmlformats.org/markup-compatibility/2006" xmlns:p14="http://schemas.microsoft.com/office/powerpoint/2010/main">
-    <mc:Choice Requires="p14">
-      <p:transition spd="slow">
-        <p14:flash/>
-      </p:transition>
-    </mc:Choice>
-    <mc:Fallback xmlns="">
-      <p:transition spd="slow">
-        <p:fade/>
-      </p:transition>
-    </mc:Fallback>
-  </mc:AlternateContent>
+  <p:transition spd="slow">
+    <p:push dir="u"/>
+  </p:transition>
   <p:timing>
     <p:tnLst>
       <p:par>
@@ -3714,546 +3771,6 @@
                       </p:childTnLst>
                     </p:cTn>
                   </p:par>
-                  <p:par>
-                    <p:cTn id="11" fill="hold">
-                      <p:stCondLst>
-                        <p:cond delay="indefinite"/>
-                      </p:stCondLst>
-                      <p:childTnLst>
-                        <p:par>
-                          <p:cTn id="12" fill="hold">
-                            <p:stCondLst>
-                              <p:cond delay="0"/>
-                            </p:stCondLst>
-                            <p:childTnLst>
-                              <p:par>
-                                <p:cTn id="13" presetID="26" presetClass="exit" presetSubtype="0" fill="hold" nodeType="clickEffect">
-                                  <p:stCondLst>
-                                    <p:cond delay="0"/>
-                                  </p:stCondLst>
-                                  <p:childTnLst>
-                                    <p:animEffect transition="out" filter="wipe(down)">
-                                      <p:cBhvr>
-                                        <p:cTn id="14" dur="180" accel="50000">
-                                          <p:stCondLst>
-                                            <p:cond delay="1820"/>
-                                          </p:stCondLst>
-                                        </p:cTn>
-                                        <p:tgtEl>
-                                          <p:spTgt spid="5"/>
-                                        </p:tgtEl>
-                                      </p:cBhvr>
-                                    </p:animEffect>
-                                    <p:anim calcmode="lin" valueType="num">
-                                      <p:cBhvr>
-                                        <p:cTn id="15" dur="1822" tmFilter="0,0; 0.14,0.31; 0.43,0.73; 0.71,0.91; 1.0,1.0">
-                                          <p:stCondLst>
-                                            <p:cond delay="0"/>
-                                          </p:stCondLst>
-                                        </p:cTn>
-                                        <p:tgtEl>
-                                          <p:spTgt spid="5"/>
-                                        </p:tgtEl>
-                                        <p:attrNameLst>
-                                          <p:attrName>ppt_x</p:attrName>
-                                        </p:attrNameLst>
-                                      </p:cBhvr>
-                                      <p:tavLst>
-                                        <p:tav tm="0">
-                                          <p:val>
-                                            <p:strVal val="ppt_x"/>
-                                          </p:val>
-                                        </p:tav>
-                                        <p:tav tm="100000">
-                                          <p:val>
-                                            <p:strVal val="#ppt_x+0.25"/>
-                                          </p:val>
-                                        </p:tav>
-                                      </p:tavLst>
-                                    </p:anim>
-                                    <p:anim calcmode="lin" valueType="num">
-                                      <p:cBhvr>
-                                        <p:cTn id="16" dur="178">
-                                          <p:stCondLst>
-                                            <p:cond delay="1822"/>
-                                          </p:stCondLst>
-                                        </p:cTn>
-                                        <p:tgtEl>
-                                          <p:spTgt spid="5"/>
-                                        </p:tgtEl>
-                                        <p:attrNameLst>
-                                          <p:attrName>ppt_x</p:attrName>
-                                        </p:attrNameLst>
-                                      </p:cBhvr>
-                                      <p:tavLst>
-                                        <p:tav tm="0">
-                                          <p:val>
-                                            <p:strVal val="ppt_x"/>
-                                          </p:val>
-                                        </p:tav>
-                                        <p:tav tm="100000">
-                                          <p:val>
-                                            <p:strVal val="ppt_x"/>
-                                          </p:val>
-                                        </p:tav>
-                                      </p:tavLst>
-                                    </p:anim>
-                                    <p:anim calcmode="lin" valueType="num">
-                                      <p:cBhvr>
-                                        <p:cTn id="17" dur="664" tmFilter="0.0,0.0;0.25,0.07;0.50,0.2;0.75,0.467;1.0,1.0">
-                                          <p:stCondLst>
-                                            <p:cond delay="0"/>
-                                          </p:stCondLst>
-                                        </p:cTn>
-                                        <p:tgtEl>
-                                          <p:spTgt spid="5"/>
-                                        </p:tgtEl>
-                                        <p:attrNameLst>
-                                          <p:attrName>ppt_y</p:attrName>
-                                        </p:attrNameLst>
-                                      </p:cBhvr>
-                                      <p:tavLst>
-                                        <p:tav tm="0">
-                                          <p:val>
-                                            <p:strVal val="ppt_y"/>
-                                          </p:val>
-                                        </p:tav>
-                                        <p:tav tm="5000">
-                                          <p:val>
-                                            <p:strVal val="ppt_y+0.026"/>
-                                          </p:val>
-                                        </p:tav>
-                                        <p:tav tm="10000">
-                                          <p:val>
-                                            <p:strVal val="ppt_y+0.052"/>
-                                          </p:val>
-                                        </p:tav>
-                                        <p:tav tm="15000">
-                                          <p:val>
-                                            <p:strVal val="ppt_y+0.078"/>
-                                          </p:val>
-                                        </p:tav>
-                                        <p:tav tm="20000">
-                                          <p:val>
-                                            <p:strVal val="ppt_y+0.103"/>
-                                          </p:val>
-                                        </p:tav>
-                                        <p:tav tm="30000">
-                                          <p:val>
-                                            <p:strVal val="ppt_y+0.151"/>
-                                          </p:val>
-                                        </p:tav>
-                                        <p:tav tm="40000">
-                                          <p:val>
-                                            <p:strVal val="ppt_y+0.196"/>
-                                          </p:val>
-                                        </p:tav>
-                                        <p:tav tm="50000">
-                                          <p:val>
-                                            <p:strVal val="ppt_y+0.236"/>
-                                          </p:val>
-                                        </p:tav>
-                                        <p:tav tm="60000">
-                                          <p:val>
-                                            <p:strVal val="ppt_y+0.270"/>
-                                          </p:val>
-                                        </p:tav>
-                                        <p:tav tm="70000">
-                                          <p:val>
-                                            <p:strVal val="ppt_y+0.297"/>
-                                          </p:val>
-                                        </p:tav>
-                                        <p:tav tm="80000">
-                                          <p:val>
-                                            <p:strVal val="ppt_y+0.317"/>
-                                          </p:val>
-                                        </p:tav>
-                                        <p:tav tm="90000">
-                                          <p:val>
-                                            <p:strVal val="ppt_y+0.329"/>
-                                          </p:val>
-                                        </p:tav>
-                                        <p:tav tm="100000">
-                                          <p:val>
-                                            <p:strVal val="ppt_y+0.333"/>
-                                          </p:val>
-                                        </p:tav>
-                                      </p:tavLst>
-                                    </p:anim>
-                                    <p:anim calcmode="lin" valueType="num">
-                                      <p:cBhvr>
-                                        <p:cTn id="18" dur="664" tmFilter="0, 0; 0.125,0.2665; 0.25,0.4; 0.375,0.465; 0.5,0.5;  0.625,0.535; 0.75,0.6; 0.875,0.7335; 1,1">
-                                          <p:stCondLst>
-                                            <p:cond delay="664"/>
-                                          </p:stCondLst>
-                                        </p:cTn>
-                                        <p:tgtEl>
-                                          <p:spTgt spid="5"/>
-                                        </p:tgtEl>
-                                        <p:attrNameLst>
-                                          <p:attrName>ppt_y</p:attrName>
-                                        </p:attrNameLst>
-                                      </p:cBhvr>
-                                      <p:tavLst>
-                                        <p:tav tm="0">
-                                          <p:val>
-                                            <p:strVal val="ppt_y"/>
-                                          </p:val>
-                                        </p:tav>
-                                        <p:tav tm="10000">
-                                          <p:val>
-                                            <p:strVal val="ppt_y-0.034"/>
-                                          </p:val>
-                                        </p:tav>
-                                        <p:tav tm="20000">
-                                          <p:val>
-                                            <p:strVal val="ppt_y-0.065"/>
-                                          </p:val>
-                                        </p:tav>
-                                        <p:tav tm="30000">
-                                          <p:val>
-                                            <p:strVal val="ppt_y-0.090"/>
-                                          </p:val>
-                                        </p:tav>
-                                        <p:tav tm="40000">
-                                          <p:val>
-                                            <p:strVal val="ppt_y-0.106"/>
-                                          </p:val>
-                                        </p:tav>
-                                        <p:tav tm="50000">
-                                          <p:val>
-                                            <p:strVal val="ppt_y-0.111"/>
-                                          </p:val>
-                                        </p:tav>
-                                        <p:tav tm="60000">
-                                          <p:val>
-                                            <p:strVal val="ppt_y-0.106"/>
-                                          </p:val>
-                                        </p:tav>
-                                        <p:tav tm="70000">
-                                          <p:val>
-                                            <p:strVal val="ppt_y-0.090"/>
-                                          </p:val>
-                                        </p:tav>
-                                        <p:tav tm="80000">
-                                          <p:val>
-                                            <p:strVal val="ppt_y-0.065"/>
-                                          </p:val>
-                                        </p:tav>
-                                        <p:tav tm="90000">
-                                          <p:val>
-                                            <p:strVal val="ppt_y-0.034"/>
-                                          </p:val>
-                                        </p:tav>
-                                        <p:tav tm="100000">
-                                          <p:val>
-                                            <p:strVal val="ppt_y"/>
-                                          </p:val>
-                                        </p:tav>
-                                      </p:tavLst>
-                                    </p:anim>
-                                    <p:anim calcmode="lin" valueType="num">
-                                      <p:cBhvr>
-                                        <p:cTn id="19" dur="332" tmFilter="0, 0; 0.125,0.2665; 0.25,0.4; 0.375,0.465; 0.5,0.5;  0.625,0.535; 0.75,0.6; 0.875,0.7335; 1,1">
-                                          <p:stCondLst>
-                                            <p:cond delay="1324"/>
-                                          </p:stCondLst>
-                                        </p:cTn>
-                                        <p:tgtEl>
-                                          <p:spTgt spid="5"/>
-                                        </p:tgtEl>
-                                        <p:attrNameLst>
-                                          <p:attrName>ppt_y</p:attrName>
-                                        </p:attrNameLst>
-                                      </p:cBhvr>
-                                      <p:tavLst>
-                                        <p:tav tm="0">
-                                          <p:val>
-                                            <p:strVal val="ppt_y"/>
-                                          </p:val>
-                                        </p:tav>
-                                        <p:tav tm="10000">
-                                          <p:val>
-                                            <p:strVal val="ppt_y-0.011"/>
-                                          </p:val>
-                                        </p:tav>
-                                        <p:tav tm="20000">
-                                          <p:val>
-                                            <p:strVal val="ppt_y-0.022"/>
-                                          </p:val>
-                                        </p:tav>
-                                        <p:tav tm="30000">
-                                          <p:val>
-                                            <p:strVal val="ppt_y-0.030"/>
-                                          </p:val>
-                                        </p:tav>
-                                        <p:tav tm="40000">
-                                          <p:val>
-                                            <p:strVal val="ppt_y-0.035"/>
-                                          </p:val>
-                                        </p:tav>
-                                        <p:tav tm="50000">
-                                          <p:val>
-                                            <p:strVal val="ppt_y-0.037"/>
-                                          </p:val>
-                                        </p:tav>
-                                        <p:tav tm="60000">
-                                          <p:val>
-                                            <p:strVal val="ppt_y-0.035"/>
-                                          </p:val>
-                                        </p:tav>
-                                        <p:tav tm="70000">
-                                          <p:val>
-                                            <p:strVal val="ppt_y-0.030"/>
-                                          </p:val>
-                                        </p:tav>
-                                        <p:tav tm="80000">
-                                          <p:val>
-                                            <p:strVal val="ppt_y-0.022"/>
-                                          </p:val>
-                                        </p:tav>
-                                        <p:tav tm="90000">
-                                          <p:val>
-                                            <p:strVal val="ppt_y-0.011"/>
-                                          </p:val>
-                                        </p:tav>
-                                        <p:tav tm="100000">
-                                          <p:val>
-                                            <p:strVal val="ppt_y"/>
-                                          </p:val>
-                                        </p:tav>
-                                      </p:tavLst>
-                                    </p:anim>
-                                    <p:anim calcmode="lin" valueType="num">
-                                      <p:cBhvr>
-                                        <p:cTn id="20" dur="164" tmFilter="0, 0; 0.125,0.2665; 0.25,0.4; 0.375,0.465; 0.5,0.5;  0.625,0.535; 0.75,0.6; 0.875,0.7335; 1,1">
-                                          <p:stCondLst>
-                                            <p:cond delay="1656"/>
-                                          </p:stCondLst>
-                                        </p:cTn>
-                                        <p:tgtEl>
-                                          <p:spTgt spid="5"/>
-                                        </p:tgtEl>
-                                        <p:attrNameLst>
-                                          <p:attrName>ppt_y</p:attrName>
-                                        </p:attrNameLst>
-                                      </p:cBhvr>
-                                      <p:tavLst>
-                                        <p:tav tm="0">
-                                          <p:val>
-                                            <p:strVal val="ppt_y"/>
-                                          </p:val>
-                                        </p:tav>
-                                        <p:tav tm="10000">
-                                          <p:val>
-                                            <p:strVal val="ppt_y-0.004"/>
-                                          </p:val>
-                                        </p:tav>
-                                        <p:tav tm="20000">
-                                          <p:val>
-                                            <p:strVal val="ppt_y-0.007"/>
-                                          </p:val>
-                                        </p:tav>
-                                        <p:tav tm="30000">
-                                          <p:val>
-                                            <p:strVal val="ppt_y-0.010"/>
-                                          </p:val>
-                                        </p:tav>
-                                        <p:tav tm="40000">
-                                          <p:val>
-                                            <p:strVal val="ppt_y-0.012"/>
-                                          </p:val>
-                                        </p:tav>
-                                        <p:tav tm="50000">
-                                          <p:val>
-                                            <p:strVal val="ppt_y-0.0123"/>
-                                          </p:val>
-                                        </p:tav>
-                                        <p:tav tm="60000">
-                                          <p:val>
-                                            <p:strVal val="ppt_y-0.012"/>
-                                          </p:val>
-                                        </p:tav>
-                                        <p:tav tm="70000">
-                                          <p:val>
-                                            <p:strVal val="ppt_y-0.010"/>
-                                          </p:val>
-                                        </p:tav>
-                                        <p:tav tm="80000">
-                                          <p:val>
-                                            <p:strVal val="ppt_y-0.007"/>
-                                          </p:val>
-                                        </p:tav>
-                                        <p:tav tm="90000">
-                                          <p:val>
-                                            <p:strVal val="ppt_y-0.004"/>
-                                          </p:val>
-                                        </p:tav>
-                                        <p:tav tm="100000">
-                                          <p:val>
-                                            <p:strVal val="ppt_y"/>
-                                          </p:val>
-                                        </p:tav>
-                                      </p:tavLst>
-                                    </p:anim>
-                                    <p:anim calcmode="lin" valueType="num">
-                                      <p:cBhvr>
-                                        <p:cTn id="21" dur="180" accel="50000">
-                                          <p:stCondLst>
-                                            <p:cond delay="1820"/>
-                                          </p:stCondLst>
-                                        </p:cTn>
-                                        <p:tgtEl>
-                                          <p:spTgt spid="5"/>
-                                        </p:tgtEl>
-                                        <p:attrNameLst>
-                                          <p:attrName>ppt_y</p:attrName>
-                                        </p:attrNameLst>
-                                      </p:cBhvr>
-                                      <p:tavLst>
-                                        <p:tav tm="0">
-                                          <p:val>
-                                            <p:strVal val="ppt_y"/>
-                                          </p:val>
-                                        </p:tav>
-                                        <p:tav tm="100000">
-                                          <p:val>
-                                            <p:strVal val="ppt_y+ppt_h"/>
-                                          </p:val>
-                                        </p:tav>
-                                      </p:tavLst>
-                                    </p:anim>
-                                    <p:animScale>
-                                      <p:cBhvr>
-                                        <p:cTn id="22" dur="26">
-                                          <p:stCondLst>
-                                            <p:cond delay="620"/>
-                                          </p:stCondLst>
-                                        </p:cTn>
-                                        <p:tgtEl>
-                                          <p:spTgt spid="5"/>
-                                        </p:tgtEl>
-                                      </p:cBhvr>
-                                      <p:to x="100000" y="60000"/>
-                                    </p:animScale>
-                                    <p:animScale>
-                                      <p:cBhvr>
-                                        <p:cTn id="23" dur="166" decel="50000">
-                                          <p:stCondLst>
-                                            <p:cond delay="646"/>
-                                          </p:stCondLst>
-                                        </p:cTn>
-                                        <p:tgtEl>
-                                          <p:spTgt spid="5"/>
-                                        </p:tgtEl>
-                                      </p:cBhvr>
-                                      <p:to x="100000" y="100000"/>
-                                    </p:animScale>
-                                    <p:animScale>
-                                      <p:cBhvr>
-                                        <p:cTn id="24" dur="26">
-                                          <p:stCondLst>
-                                            <p:cond delay="1312"/>
-                                          </p:stCondLst>
-                                        </p:cTn>
-                                        <p:tgtEl>
-                                          <p:spTgt spid="5"/>
-                                        </p:tgtEl>
-                                      </p:cBhvr>
-                                      <p:to x="100000" y="80000"/>
-                                    </p:animScale>
-                                    <p:animScale>
-                                      <p:cBhvr>
-                                        <p:cTn id="25" dur="166" decel="50000">
-                                          <p:stCondLst>
-                                            <p:cond delay="1338"/>
-                                          </p:stCondLst>
-                                        </p:cTn>
-                                        <p:tgtEl>
-                                          <p:spTgt spid="5"/>
-                                        </p:tgtEl>
-                                      </p:cBhvr>
-                                      <p:to x="100000" y="100000"/>
-                                    </p:animScale>
-                                    <p:animScale>
-                                      <p:cBhvr>
-                                        <p:cTn id="26" dur="26">
-                                          <p:stCondLst>
-                                            <p:cond delay="1642"/>
-                                          </p:stCondLst>
-                                        </p:cTn>
-                                        <p:tgtEl>
-                                          <p:spTgt spid="5"/>
-                                        </p:tgtEl>
-                                      </p:cBhvr>
-                                      <p:to x="100000" y="90000"/>
-                                    </p:animScale>
-                                    <p:animScale>
-                                      <p:cBhvr>
-                                        <p:cTn id="27" dur="166" decel="50000">
-                                          <p:stCondLst>
-                                            <p:cond delay="1668"/>
-                                          </p:stCondLst>
-                                        </p:cTn>
-                                        <p:tgtEl>
-                                          <p:spTgt spid="5"/>
-                                        </p:tgtEl>
-                                      </p:cBhvr>
-                                      <p:to x="100000" y="100000"/>
-                                    </p:animScale>
-                                    <p:animScale>
-                                      <p:cBhvr>
-                                        <p:cTn id="28" dur="26">
-                                          <p:stCondLst>
-                                            <p:cond delay="1808"/>
-                                          </p:stCondLst>
-                                        </p:cTn>
-                                        <p:tgtEl>
-                                          <p:spTgt spid="5"/>
-                                        </p:tgtEl>
-                                      </p:cBhvr>
-                                      <p:to x="100000" y="95000"/>
-                                    </p:animScale>
-                                    <p:animScale>
-                                      <p:cBhvr>
-                                        <p:cTn id="29" dur="166" decel="50000">
-                                          <p:stCondLst>
-                                            <p:cond delay="1834"/>
-                                          </p:stCondLst>
-                                        </p:cTn>
-                                        <p:tgtEl>
-                                          <p:spTgt spid="5"/>
-                                        </p:tgtEl>
-                                      </p:cBhvr>
-                                      <p:to x="100000" y="100000"/>
-                                    </p:animScale>
-                                    <p:set>
-                                      <p:cBhvr>
-                                        <p:cTn id="30" dur="1" fill="hold">
-                                          <p:stCondLst>
-                                            <p:cond delay="1999"/>
-                                          </p:stCondLst>
-                                        </p:cTn>
-                                        <p:tgtEl>
-                                          <p:spTgt spid="5"/>
-                                        </p:tgtEl>
-                                        <p:attrNameLst>
-                                          <p:attrName>style.visibility</p:attrName>
-                                        </p:attrNameLst>
-                                      </p:cBhvr>
-                                      <p:to>
-                                        <p:strVal val="hidden"/>
-                                      </p:to>
-                                    </p:set>
-                                  </p:childTnLst>
-                                </p:cTn>
-                              </p:par>
-                            </p:childTnLst>
-                          </p:cTn>
-                        </p:par>
-                      </p:childTnLst>
-                    </p:cTn>
-                  </p:par>
                 </p:childTnLst>
               </p:cTn>
               <p:prevCondLst>
@@ -4352,7 +3869,7 @@
             </a:r>
             <a:r>
               <a:rPr lang="fr-FR" b="1" dirty="0"/>
-              <a:t>option</a:t>
+              <a:t>value</a:t>
             </a:r>
             <a:r>
               <a:rPr lang="fr-FR" dirty="0"/>
@@ -4373,7 +3890,7 @@
           <a:p>
             <a:r>
               <a:rPr lang="fr-FR" dirty="0"/>
-              <a:t> Quand on valide le formulaire, le navigateur envoie au serveur le nom du champ (« genre » dans cet exemple) et la valeur de l'option sélectionné</a:t>
+              <a:t> Quand on valide le formulaire, le navigateur envoie au serveur le nom du select et la valeur de l'option sélectionné</a:t>
             </a:r>
           </a:p>
         </p:txBody>
@@ -4453,6 +3970,9 @@
   <p:clrMapOvr>
     <a:masterClrMapping/>
   </p:clrMapOvr>
+  <p:transition spd="slow">
+    <p:push dir="u"/>
+  </p:transition>
 </p:sld>
 </file>
 
@@ -4964,6 +4484,52 @@
           </p:pic>
         </mc:Fallback>
       </mc:AlternateContent>
+      <p:sp>
+        <p:nvSpPr>
+          <p:cNvPr id="4" name="Flèche : bas 3">
+            <a:extLst>
+              <a:ext uri="{FF2B5EF4-FFF2-40B4-BE49-F238E27FC236}">
+                <a16:creationId xmlns:a16="http://schemas.microsoft.com/office/drawing/2014/main" id="{1D94F820-3E7D-C921-D8C8-34E202DC09E3}"/>
+              </a:ext>
+            </a:extLst>
+          </p:cNvPr>
+          <p:cNvSpPr/>
+          <p:nvPr/>
+        </p:nvSpPr>
+        <p:spPr>
+          <a:xfrm rot="5400000">
+            <a:off x="5723091" y="473511"/>
+            <a:ext cx="1278467" cy="1678952"/>
+          </a:xfrm>
+          <a:prstGeom prst="downArrow">
+            <a:avLst/>
+          </a:prstGeom>
+        </p:spPr>
+        <p:style>
+          <a:lnRef idx="2">
+            <a:schemeClr val="accent1">
+              <a:shade val="15000"/>
+            </a:schemeClr>
+          </a:lnRef>
+          <a:fillRef idx="1">
+            <a:schemeClr val="accent1"/>
+          </a:fillRef>
+          <a:effectRef idx="0">
+            <a:schemeClr val="accent1"/>
+          </a:effectRef>
+          <a:fontRef idx="minor">
+            <a:schemeClr val="lt1"/>
+          </a:fontRef>
+        </p:style>
+        <p:txBody>
+          <a:bodyPr rtlCol="0" anchor="ctr"/>
+          <a:lstStyle/>
+          <a:p>
+            <a:pPr algn="ctr"/>
+            <a:endParaRPr lang="fr-FR"/>
+          </a:p>
+        </p:txBody>
+      </p:sp>
     </p:spTree>
     <p:extLst>
       <p:ext uri="{BB962C8B-B14F-4D97-AF65-F5344CB8AC3E}">
@@ -4974,6 +4540,95 @@
   <p:clrMapOvr>
     <a:masterClrMapping/>
   </p:clrMapOvr>
+  <p:transition spd="slow">
+    <p:push dir="u"/>
+  </p:transition>
+  <p:timing>
+    <p:tnLst>
+      <p:par>
+        <p:cTn id="1" dur="indefinite" restart="never" nodeType="tmRoot">
+          <p:childTnLst>
+            <p:seq concurrent="1" nextAc="seek">
+              <p:cTn id="2" dur="indefinite" nodeType="mainSeq">
+                <p:childTnLst>
+                  <p:par>
+                    <p:cTn id="3" fill="hold">
+                      <p:stCondLst>
+                        <p:cond delay="indefinite"/>
+                      </p:stCondLst>
+                      <p:childTnLst>
+                        <p:par>
+                          <p:cTn id="4" fill="hold">
+                            <p:stCondLst>
+                              <p:cond delay="0"/>
+                            </p:stCondLst>
+                            <p:childTnLst>
+                              <p:par>
+                                <p:cTn id="5" presetID="10" presetClass="exit" presetSubtype="0" fill="hold" grpId="0" nodeType="clickEffect">
+                                  <p:stCondLst>
+                                    <p:cond delay="0"/>
+                                  </p:stCondLst>
+                                  <p:childTnLst>
+                                    <p:animEffect transition="out" filter="fade">
+                                      <p:cBhvr>
+                                        <p:cTn id="6" dur="500"/>
+                                        <p:tgtEl>
+                                          <p:spTgt spid="4"/>
+                                        </p:tgtEl>
+                                      </p:cBhvr>
+                                    </p:animEffect>
+                                    <p:set>
+                                      <p:cBhvr>
+                                        <p:cTn id="7" dur="1" fill="hold">
+                                          <p:stCondLst>
+                                            <p:cond delay="499"/>
+                                          </p:stCondLst>
+                                        </p:cTn>
+                                        <p:tgtEl>
+                                          <p:spTgt spid="4"/>
+                                        </p:tgtEl>
+                                        <p:attrNameLst>
+                                          <p:attrName>style.visibility</p:attrName>
+                                        </p:attrNameLst>
+                                      </p:cBhvr>
+                                      <p:to>
+                                        <p:strVal val="hidden"/>
+                                      </p:to>
+                                    </p:set>
+                                  </p:childTnLst>
+                                </p:cTn>
+                              </p:par>
+                            </p:childTnLst>
+                          </p:cTn>
+                        </p:par>
+                      </p:childTnLst>
+                    </p:cTn>
+                  </p:par>
+                </p:childTnLst>
+              </p:cTn>
+              <p:prevCondLst>
+                <p:cond evt="onPrev" delay="0">
+                  <p:tgtEl>
+                    <p:sldTgt/>
+                  </p:tgtEl>
+                </p:cond>
+              </p:prevCondLst>
+              <p:nextCondLst>
+                <p:cond evt="onNext" delay="0">
+                  <p:tgtEl>
+                    <p:sldTgt/>
+                  </p:tgtEl>
+                </p:cond>
+              </p:nextCondLst>
+            </p:seq>
+          </p:childTnLst>
+        </p:cTn>
+      </p:par>
+    </p:tnLst>
+    <p:bldLst>
+      <p:bldP spid="4" grpId="0" animBg="1"/>
+    </p:bldLst>
+  </p:timing>
 </p:sld>
 </file>
 
@@ -5079,6 +4734,18 @@
   <p:clrMapOvr>
     <a:masterClrMapping/>
   </p:clrMapOvr>
+  <mc:AlternateContent xmlns:mc="http://schemas.openxmlformats.org/markup-compatibility/2006">
+    <mc:Choice xmlns:p15="http://schemas.microsoft.com/office/powerpoint/2012/main" Requires="p15">
+      <p:transition xmlns:p14="http://schemas.microsoft.com/office/powerpoint/2010/main" spd="slow" p14:dur="6000">
+        <p15:prstTrans prst="curtains"/>
+      </p:transition>
+    </mc:Choice>
+    <mc:Fallback>
+      <p:transition spd="slow">
+        <p:fade/>
+      </p:transition>
+    </mc:Fallback>
+  </mc:AlternateContent>
   <p:timing>
     <p:tnLst>
       <p:par>
@@ -5383,27 +5050,675 @@
                       </p:childTnLst>
                     </p:cTn>
                   </p:par>
+                </p:childTnLst>
+              </p:cTn>
+              <p:prevCondLst>
+                <p:cond evt="onPrev" delay="0">
+                  <p:tgtEl>
+                    <p:sldTgt/>
+                  </p:tgtEl>
+                </p:cond>
+              </p:prevCondLst>
+              <p:nextCondLst>
+                <p:cond evt="onNext" delay="0">
+                  <p:tgtEl>
+                    <p:sldTgt/>
+                  </p:tgtEl>
+                </p:cond>
+              </p:nextCondLst>
+            </p:seq>
+          </p:childTnLst>
+        </p:cTn>
+      </p:par>
+    </p:tnLst>
+  </p:timing>
+</p:sld>
+</file>
+
+<file path=ppt/slides/slide2.xml><?xml version="1.0" encoding="utf-8"?>
+<p:sld xmlns:a="http://schemas.openxmlformats.org/drawingml/2006/main" xmlns:r="http://schemas.openxmlformats.org/officeDocument/2006/relationships" xmlns:p="http://schemas.openxmlformats.org/presentationml/2006/main">
+  <p:cSld>
+    <p:spTree>
+      <p:nvGrpSpPr>
+        <p:cNvPr id="1" name=""/>
+        <p:cNvGrpSpPr/>
+        <p:nvPr/>
+      </p:nvGrpSpPr>
+      <p:grpSpPr>
+        <a:xfrm>
+          <a:off x="0" y="0"/>
+          <a:ext cx="0" cy="0"/>
+          <a:chOff x="0" y="0"/>
+          <a:chExt cx="0" cy="0"/>
+        </a:xfrm>
+      </p:grpSpPr>
+      <p:sp>
+        <p:nvSpPr>
+          <p:cNvPr id="2" name="Titre 1">
+            <a:extLst>
+              <a:ext uri="{FF2B5EF4-FFF2-40B4-BE49-F238E27FC236}">
+                <a16:creationId xmlns:a16="http://schemas.microsoft.com/office/drawing/2014/main" id="{BA83EB1A-03F7-294F-F088-EB2EA567D90B}"/>
+              </a:ext>
+            </a:extLst>
+          </p:cNvPr>
+          <p:cNvSpPr>
+            <a:spLocks noGrp="1"/>
+          </p:cNvSpPr>
+          <p:nvPr>
+            <p:ph type="title"/>
+          </p:nvPr>
+        </p:nvSpPr>
+        <p:spPr>
+          <a:xfrm>
+            <a:off x="398992" y="365125"/>
+            <a:ext cx="10954808" cy="1325563"/>
+          </a:xfrm>
+        </p:spPr>
+        <p:txBody>
+          <a:bodyPr>
+            <a:normAutofit/>
+          </a:bodyPr>
+          <a:lstStyle/>
+          <a:p>
+            <a:r>
+              <a:rPr lang="fr-FR" b="1" dirty="0"/>
+              <a:t>un UML pour commencer ma BDD</a:t>
+            </a:r>
+          </a:p>
+        </p:txBody>
+      </p:sp>
+      <p:sp>
+        <p:nvSpPr>
+          <p:cNvPr id="6" name="ZoneTexte 5">
+            <a:extLst>
+              <a:ext uri="{FF2B5EF4-FFF2-40B4-BE49-F238E27FC236}">
+                <a16:creationId xmlns:a16="http://schemas.microsoft.com/office/drawing/2014/main" id="{2004E578-85EF-CDC9-1BA4-0A2CEC0169CD}"/>
+              </a:ext>
+            </a:extLst>
+          </p:cNvPr>
+          <p:cNvSpPr txBox="1"/>
+          <p:nvPr/>
+        </p:nvSpPr>
+        <p:spPr>
+          <a:xfrm>
+            <a:off x="8125756" y="2481259"/>
+            <a:ext cx="3228044" cy="2230739"/>
+          </a:xfrm>
+          <a:prstGeom prst="rect">
+            <a:avLst/>
+          </a:prstGeom>
+          <a:noFill/>
+        </p:spPr>
+        <p:txBody>
+          <a:bodyPr wrap="square" rtlCol="0">
+            <a:spAutoFit/>
+          </a:bodyPr>
+          <a:lstStyle/>
+          <a:p>
+            <a:pPr>
+              <a:lnSpc>
+                <a:spcPct val="200000"/>
+              </a:lnSpc>
+            </a:pPr>
+            <a:r>
+              <a:rPr lang="fr-FR" dirty="0"/>
+              <a:t>Une fois mon UML terminer, j’ai commencer a crée ma BDD sur PhpMyAdmin,  en prenant pour exemple UML</a:t>
+            </a:r>
+          </a:p>
+        </p:txBody>
+      </p:sp>
+      <p:pic>
+        <p:nvPicPr>
+          <p:cNvPr id="5" name="Image 4">
+            <a:extLst>
+              <a:ext uri="{FF2B5EF4-FFF2-40B4-BE49-F238E27FC236}">
+                <a16:creationId xmlns:a16="http://schemas.microsoft.com/office/drawing/2014/main" id="{92F4F443-B299-46A7-DBF8-2AD2814242BF}"/>
+              </a:ext>
+            </a:extLst>
+          </p:cNvPr>
+          <p:cNvPicPr>
+            <a:picLocks noChangeAspect="1"/>
+          </p:cNvPicPr>
+          <p:nvPr/>
+        </p:nvPicPr>
+        <p:blipFill>
+          <a:blip r:embed="rId2"/>
+          <a:stretch>
+            <a:fillRect/>
+          </a:stretch>
+        </p:blipFill>
+        <p:spPr>
+          <a:xfrm>
+            <a:off x="273579" y="1690688"/>
+            <a:ext cx="7126288" cy="4894262"/>
+          </a:xfrm>
+          <a:prstGeom prst="rect">
+            <a:avLst/>
+          </a:prstGeom>
+        </p:spPr>
+      </p:pic>
+      <p:sp>
+        <p:nvSpPr>
+          <p:cNvPr id="3" name="Flèche : bas 2">
+            <a:extLst>
+              <a:ext uri="{FF2B5EF4-FFF2-40B4-BE49-F238E27FC236}">
+                <a16:creationId xmlns:a16="http://schemas.microsoft.com/office/drawing/2014/main" id="{C55A262E-AA34-5021-5BE6-1C392085453C}"/>
+              </a:ext>
+            </a:extLst>
+          </p:cNvPr>
+          <p:cNvSpPr/>
+          <p:nvPr/>
+        </p:nvSpPr>
+        <p:spPr>
+          <a:xfrm rot="6898034">
+            <a:off x="7110878" y="4926835"/>
+            <a:ext cx="1303867" cy="1591733"/>
+          </a:xfrm>
+          <a:prstGeom prst="downArrow">
+            <a:avLst/>
+          </a:prstGeom>
+        </p:spPr>
+        <p:style>
+          <a:lnRef idx="2">
+            <a:schemeClr val="accent1">
+              <a:shade val="15000"/>
+            </a:schemeClr>
+          </a:lnRef>
+          <a:fillRef idx="1">
+            <a:schemeClr val="accent1"/>
+          </a:fillRef>
+          <a:effectRef idx="0">
+            <a:schemeClr val="accent1"/>
+          </a:effectRef>
+          <a:fontRef idx="minor">
+            <a:schemeClr val="lt1"/>
+          </a:fontRef>
+        </p:style>
+        <p:txBody>
+          <a:bodyPr rtlCol="0" anchor="ctr"/>
+          <a:lstStyle/>
+          <a:p>
+            <a:pPr algn="ctr"/>
+            <a:endParaRPr lang="fr-FR"/>
+          </a:p>
+        </p:txBody>
+      </p:sp>
+    </p:spTree>
+    <p:extLst>
+      <p:ext uri="{BB962C8B-B14F-4D97-AF65-F5344CB8AC3E}">
+        <p14:creationId xmlns:p14="http://schemas.microsoft.com/office/powerpoint/2010/main" val="344235748"/>
+      </p:ext>
+    </p:extLst>
+  </p:cSld>
+  <p:clrMapOvr>
+    <a:masterClrMapping/>
+  </p:clrMapOvr>
+  <p:transition spd="slow">
+    <p:push dir="u"/>
+  </p:transition>
+</p:sld>
+</file>
+
+<file path=ppt/slides/slide3.xml><?xml version="1.0" encoding="utf-8"?>
+<p:sld xmlns:a="http://schemas.openxmlformats.org/drawingml/2006/main" xmlns:r="http://schemas.openxmlformats.org/officeDocument/2006/relationships" xmlns:p="http://schemas.openxmlformats.org/presentationml/2006/main">
+  <p:cSld>
+    <p:spTree>
+      <p:nvGrpSpPr>
+        <p:cNvPr id="1" name=""/>
+        <p:cNvGrpSpPr/>
+        <p:nvPr/>
+      </p:nvGrpSpPr>
+      <p:grpSpPr>
+        <a:xfrm>
+          <a:off x="0" y="0"/>
+          <a:ext cx="0" cy="0"/>
+          <a:chOff x="0" y="0"/>
+          <a:chExt cx="0" cy="0"/>
+        </a:xfrm>
+      </p:grpSpPr>
+      <p:sp>
+        <p:nvSpPr>
+          <p:cNvPr id="2" name="Titre 1">
+            <a:extLst>
+              <a:ext uri="{FF2B5EF4-FFF2-40B4-BE49-F238E27FC236}">
+                <a16:creationId xmlns:a16="http://schemas.microsoft.com/office/drawing/2014/main" id="{644432D9-BAEB-8ACF-1920-7C7B807FDE8E}"/>
+              </a:ext>
+            </a:extLst>
+          </p:cNvPr>
+          <p:cNvSpPr>
+            <a:spLocks noGrp="1"/>
+          </p:cNvSpPr>
+          <p:nvPr>
+            <p:ph type="title"/>
+          </p:nvPr>
+        </p:nvSpPr>
+        <p:spPr>
+          <a:xfrm>
+            <a:off x="84667" y="223838"/>
+            <a:ext cx="6807200" cy="1325563"/>
+          </a:xfrm>
+        </p:spPr>
+        <p:txBody>
+          <a:bodyPr/>
+          <a:lstStyle/>
+          <a:p>
+            <a:r>
+              <a:rPr lang="fr-FR" b="1" u="sng" dirty="0"/>
+              <a:t>CREATION DE TABLE SUR BDD</a:t>
+            </a:r>
+          </a:p>
+        </p:txBody>
+      </p:sp>
+      <p:pic>
+        <p:nvPicPr>
+          <p:cNvPr id="5" name="Espace réservé du contenu 4">
+            <a:extLst>
+              <a:ext uri="{FF2B5EF4-FFF2-40B4-BE49-F238E27FC236}">
+                <a16:creationId xmlns:a16="http://schemas.microsoft.com/office/drawing/2014/main" id="{D87FD703-A3B3-A1FB-664B-23190ED618AC}"/>
+              </a:ext>
+            </a:extLst>
+          </p:cNvPr>
+          <p:cNvPicPr>
+            <a:picLocks noGrp="1" noChangeAspect="1"/>
+          </p:cNvPicPr>
+          <p:nvPr>
+            <p:ph idx="1"/>
+          </p:nvPr>
+        </p:nvPicPr>
+        <p:blipFill>
+          <a:blip r:embed="rId2"/>
+          <a:stretch>
+            <a:fillRect/>
+          </a:stretch>
+        </p:blipFill>
+        <p:spPr>
+          <a:xfrm>
+            <a:off x="301095" y="1238638"/>
+            <a:ext cx="6410041" cy="3310466"/>
+          </a:xfrm>
+        </p:spPr>
+      </p:pic>
+      <p:pic>
+        <p:nvPicPr>
+          <p:cNvPr id="4" name="Image 3">
+            <a:extLst>
+              <a:ext uri="{FF2B5EF4-FFF2-40B4-BE49-F238E27FC236}">
+                <a16:creationId xmlns:a16="http://schemas.microsoft.com/office/drawing/2014/main" id="{B909E5AF-590A-9D7F-B9EB-07E8329DE60D}"/>
+              </a:ext>
+            </a:extLst>
+          </p:cNvPr>
+          <p:cNvPicPr>
+            <a:picLocks noChangeAspect="1"/>
+          </p:cNvPicPr>
+          <p:nvPr/>
+        </p:nvPicPr>
+        <p:blipFill>
+          <a:blip r:embed="rId3"/>
+          <a:stretch>
+            <a:fillRect/>
+          </a:stretch>
+        </p:blipFill>
+        <p:spPr>
+          <a:xfrm>
+            <a:off x="6969369" y="0"/>
+            <a:ext cx="5222631" cy="6858000"/>
+          </a:xfrm>
+          <a:prstGeom prst="rect">
+            <a:avLst/>
+          </a:prstGeom>
+        </p:spPr>
+      </p:pic>
+      <p:sp>
+        <p:nvSpPr>
+          <p:cNvPr id="6" name="ZoneTexte 5">
+            <a:extLst>
+              <a:ext uri="{FF2B5EF4-FFF2-40B4-BE49-F238E27FC236}">
+                <a16:creationId xmlns:a16="http://schemas.microsoft.com/office/drawing/2014/main" id="{980A2702-31C9-BC10-0445-F9B004A99F35}"/>
+              </a:ext>
+            </a:extLst>
+          </p:cNvPr>
+          <p:cNvSpPr txBox="1"/>
+          <p:nvPr/>
+        </p:nvSpPr>
+        <p:spPr>
+          <a:xfrm>
+            <a:off x="629108" y="4794032"/>
+            <a:ext cx="5941026" cy="369332"/>
+          </a:xfrm>
+          <a:prstGeom prst="rect">
+            <a:avLst/>
+          </a:prstGeom>
+          <a:noFill/>
+        </p:spPr>
+        <p:txBody>
+          <a:bodyPr wrap="square" rtlCol="0">
+            <a:spAutoFit/>
+          </a:bodyPr>
+          <a:lstStyle/>
+          <a:p>
+            <a:r>
+              <a:rPr lang="fr-FR" b="1" dirty="0"/>
+              <a:t>L’utilisation de FOREIGN KEY pour relié les tables entres elle .</a:t>
+            </a:r>
+          </a:p>
+        </p:txBody>
+      </p:sp>
+      <p:sp>
+        <p:nvSpPr>
+          <p:cNvPr id="3" name="Flèche : droite 2">
+            <a:extLst>
+              <a:ext uri="{FF2B5EF4-FFF2-40B4-BE49-F238E27FC236}">
+                <a16:creationId xmlns:a16="http://schemas.microsoft.com/office/drawing/2014/main" id="{DC97F52A-F2DD-9567-8F11-9B7E650D158E}"/>
+              </a:ext>
+            </a:extLst>
+          </p:cNvPr>
+          <p:cNvSpPr/>
+          <p:nvPr/>
+        </p:nvSpPr>
+        <p:spPr>
+          <a:xfrm>
+            <a:off x="5936437" y="221335"/>
+            <a:ext cx="1227666" cy="1017303"/>
+          </a:xfrm>
+          <a:prstGeom prst="rightArrow">
+            <a:avLst/>
+          </a:prstGeom>
+        </p:spPr>
+        <p:style>
+          <a:lnRef idx="2">
+            <a:schemeClr val="accent1">
+              <a:shade val="15000"/>
+            </a:schemeClr>
+          </a:lnRef>
+          <a:fillRef idx="1">
+            <a:schemeClr val="accent1"/>
+          </a:fillRef>
+          <a:effectRef idx="0">
+            <a:schemeClr val="accent1"/>
+          </a:effectRef>
+          <a:fontRef idx="minor">
+            <a:schemeClr val="lt1"/>
+          </a:fontRef>
+        </p:style>
+        <p:txBody>
+          <a:bodyPr rtlCol="0" anchor="ctr"/>
+          <a:lstStyle/>
+          <a:p>
+            <a:pPr algn="ctr"/>
+            <a:endParaRPr lang="fr-FR"/>
+          </a:p>
+        </p:txBody>
+      </p:sp>
+      <p:sp>
+        <p:nvSpPr>
+          <p:cNvPr id="7" name="Flèche : droite 6">
+            <a:extLst>
+              <a:ext uri="{FF2B5EF4-FFF2-40B4-BE49-F238E27FC236}">
+                <a16:creationId xmlns:a16="http://schemas.microsoft.com/office/drawing/2014/main" id="{C4FE65CA-5264-1312-6A69-C3637F461EB7}"/>
+              </a:ext>
+            </a:extLst>
+          </p:cNvPr>
+          <p:cNvSpPr/>
+          <p:nvPr/>
+        </p:nvSpPr>
+        <p:spPr>
+          <a:xfrm>
+            <a:off x="5813283" y="2920348"/>
+            <a:ext cx="1227666" cy="1017303"/>
+          </a:xfrm>
+          <a:prstGeom prst="rightArrow">
+            <a:avLst/>
+          </a:prstGeom>
+        </p:spPr>
+        <p:style>
+          <a:lnRef idx="2">
+            <a:schemeClr val="accent1">
+              <a:shade val="15000"/>
+            </a:schemeClr>
+          </a:lnRef>
+          <a:fillRef idx="1">
+            <a:schemeClr val="accent1"/>
+          </a:fillRef>
+          <a:effectRef idx="0">
+            <a:schemeClr val="accent1"/>
+          </a:effectRef>
+          <a:fontRef idx="minor">
+            <a:schemeClr val="lt1"/>
+          </a:fontRef>
+        </p:style>
+        <p:txBody>
+          <a:bodyPr rtlCol="0" anchor="ctr"/>
+          <a:lstStyle/>
+          <a:p>
+            <a:pPr algn="ctr"/>
+            <a:endParaRPr lang="fr-FR"/>
+          </a:p>
+        </p:txBody>
+      </p:sp>
+      <p:sp>
+        <p:nvSpPr>
+          <p:cNvPr id="9" name="Flèche : droite 8">
+            <a:extLst>
+              <a:ext uri="{FF2B5EF4-FFF2-40B4-BE49-F238E27FC236}">
+                <a16:creationId xmlns:a16="http://schemas.microsoft.com/office/drawing/2014/main" id="{FBCC1AA0-E2C7-6D45-8158-54B38DA7CDBE}"/>
+              </a:ext>
+            </a:extLst>
+          </p:cNvPr>
+          <p:cNvSpPr/>
+          <p:nvPr/>
+        </p:nvSpPr>
+        <p:spPr>
+          <a:xfrm rot="5241114">
+            <a:off x="4269670" y="527788"/>
+            <a:ext cx="1227666" cy="1017303"/>
+          </a:xfrm>
+          <a:prstGeom prst="rightArrow">
+            <a:avLst/>
+          </a:prstGeom>
+        </p:spPr>
+        <p:style>
+          <a:lnRef idx="2">
+            <a:schemeClr val="accent1">
+              <a:shade val="15000"/>
+            </a:schemeClr>
+          </a:lnRef>
+          <a:fillRef idx="1">
+            <a:schemeClr val="accent1"/>
+          </a:fillRef>
+          <a:effectRef idx="0">
+            <a:schemeClr val="accent1"/>
+          </a:effectRef>
+          <a:fontRef idx="minor">
+            <a:schemeClr val="lt1"/>
+          </a:fontRef>
+        </p:style>
+        <p:txBody>
+          <a:bodyPr rtlCol="0" anchor="ctr"/>
+          <a:lstStyle/>
+          <a:p>
+            <a:pPr algn="ctr"/>
+            <a:endParaRPr lang="fr-FR"/>
+          </a:p>
+        </p:txBody>
+      </p:sp>
+      <p:sp>
+        <p:nvSpPr>
+          <p:cNvPr id="10" name="Flèche : droite 9">
+            <a:extLst>
+              <a:ext uri="{FF2B5EF4-FFF2-40B4-BE49-F238E27FC236}">
+                <a16:creationId xmlns:a16="http://schemas.microsoft.com/office/drawing/2014/main" id="{F4678625-5952-8D50-32AB-2922781628FA}"/>
+              </a:ext>
+            </a:extLst>
+          </p:cNvPr>
+          <p:cNvSpPr/>
+          <p:nvPr/>
+        </p:nvSpPr>
+        <p:spPr>
+          <a:xfrm rot="4342756">
+            <a:off x="260811" y="652237"/>
+            <a:ext cx="1227666" cy="1017303"/>
+          </a:xfrm>
+          <a:prstGeom prst="rightArrow">
+            <a:avLst/>
+          </a:prstGeom>
+        </p:spPr>
+        <p:style>
+          <a:lnRef idx="2">
+            <a:schemeClr val="accent1">
+              <a:shade val="15000"/>
+            </a:schemeClr>
+          </a:lnRef>
+          <a:fillRef idx="1">
+            <a:schemeClr val="accent1"/>
+          </a:fillRef>
+          <a:effectRef idx="0">
+            <a:schemeClr val="accent1"/>
+          </a:effectRef>
+          <a:fontRef idx="minor">
+            <a:schemeClr val="lt1"/>
+          </a:fontRef>
+        </p:style>
+        <p:txBody>
+          <a:bodyPr rtlCol="0" anchor="ctr"/>
+          <a:lstStyle/>
+          <a:p>
+            <a:pPr algn="ctr"/>
+            <a:endParaRPr lang="fr-FR"/>
+          </a:p>
+        </p:txBody>
+      </p:sp>
+    </p:spTree>
+    <p:extLst>
+      <p:ext uri="{BB962C8B-B14F-4D97-AF65-F5344CB8AC3E}">
+        <p14:creationId xmlns:p14="http://schemas.microsoft.com/office/powerpoint/2010/main" val="1385272537"/>
+      </p:ext>
+    </p:extLst>
+  </p:cSld>
+  <p:clrMapOvr>
+    <a:masterClrMapping/>
+  </p:clrMapOvr>
+  <p:transition spd="slow">
+    <p:wipe/>
+  </p:transition>
+  <p:timing>
+    <p:tnLst>
+      <p:par>
+        <p:cTn id="1" dur="indefinite" restart="never" nodeType="tmRoot">
+          <p:childTnLst>
+            <p:seq concurrent="1" nextAc="seek">
+              <p:cTn id="2" dur="indefinite" nodeType="mainSeq">
+                <p:childTnLst>
                   <p:par>
-                    <p:cTn id="21" fill="hold">
+                    <p:cTn id="3" fill="hold">
                       <p:stCondLst>
                         <p:cond delay="indefinite"/>
                       </p:stCondLst>
                       <p:childTnLst>
                         <p:par>
-                          <p:cTn id="22" fill="hold">
+                          <p:cTn id="4" fill="hold">
                             <p:stCondLst>
                               <p:cond delay="0"/>
                             </p:stCondLst>
                             <p:childTnLst>
                               <p:par>
-                                <p:cTn id="23" presetID="2" presetClass="entr" presetSubtype="4" fill="hold" grpId="0" nodeType="clickEffect">
+                                <p:cTn id="5" presetID="1" presetClass="entr" presetSubtype="0" fill="hold" grpId="0" nodeType="clickEffect">
                                   <p:stCondLst>
                                     <p:cond delay="0"/>
                                   </p:stCondLst>
                                   <p:childTnLst>
                                     <p:set>
                                       <p:cBhvr>
-                                        <p:cTn id="24" dur="1" fill="hold">
+                                        <p:cTn id="6" dur="1" fill="hold">
+                                          <p:stCondLst>
+                                            <p:cond delay="0"/>
+                                          </p:stCondLst>
+                                        </p:cTn>
+                                        <p:tgtEl>
+                                          <p:spTgt spid="3"/>
+                                        </p:tgtEl>
+                                        <p:attrNameLst>
+                                          <p:attrName>style.visibility</p:attrName>
+                                        </p:attrNameLst>
+                                      </p:cBhvr>
+                                      <p:to>
+                                        <p:strVal val="visible"/>
+                                      </p:to>
+                                    </p:set>
+                                  </p:childTnLst>
+                                </p:cTn>
+                              </p:par>
+                            </p:childTnLst>
+                          </p:cTn>
+                        </p:par>
+                      </p:childTnLst>
+                    </p:cTn>
+                  </p:par>
+                  <p:par>
+                    <p:cTn id="7" fill="hold">
+                      <p:stCondLst>
+                        <p:cond delay="indefinite"/>
+                      </p:stCondLst>
+                      <p:childTnLst>
+                        <p:par>
+                          <p:cTn id="8" fill="hold">
+                            <p:stCondLst>
+                              <p:cond delay="0"/>
+                            </p:stCondLst>
+                            <p:childTnLst>
+                              <p:par>
+                                <p:cTn id="9" presetID="1" presetClass="entr" presetSubtype="0" fill="hold" grpId="0" nodeType="clickEffect">
+                                  <p:stCondLst>
+                                    <p:cond delay="0"/>
+                                  </p:stCondLst>
+                                  <p:childTnLst>
+                                    <p:set>
+                                      <p:cBhvr>
+                                        <p:cTn id="10" dur="1" fill="hold">
+                                          <p:stCondLst>
+                                            <p:cond delay="0"/>
+                                          </p:stCondLst>
+                                        </p:cTn>
+                                        <p:tgtEl>
+                                          <p:spTgt spid="9"/>
+                                        </p:tgtEl>
+                                        <p:attrNameLst>
+                                          <p:attrName>style.visibility</p:attrName>
+                                        </p:attrNameLst>
+                                      </p:cBhvr>
+                                      <p:to>
+                                        <p:strVal val="visible"/>
+                                      </p:to>
+                                    </p:set>
+                                  </p:childTnLst>
+                                </p:cTn>
+                              </p:par>
+                            </p:childTnLst>
+                          </p:cTn>
+                        </p:par>
+                      </p:childTnLst>
+                    </p:cTn>
+                  </p:par>
+                  <p:par>
+                    <p:cTn id="11" fill="hold">
+                      <p:stCondLst>
+                        <p:cond delay="indefinite"/>
+                      </p:stCondLst>
+                      <p:childTnLst>
+                        <p:par>
+                          <p:cTn id="12" fill="hold">
+                            <p:stCondLst>
+                              <p:cond delay="0"/>
+                            </p:stCondLst>
+                            <p:childTnLst>
+                              <p:par>
+                                <p:cTn id="13" presetID="1" presetClass="entr" presetSubtype="0" fill="hold" grpId="0" nodeType="clickEffect">
+                                  <p:stCondLst>
+                                    <p:cond delay="0"/>
+                                  </p:stCondLst>
+                                  <p:childTnLst>
+                                    <p:set>
+                                      <p:cBhvr>
+                                        <p:cTn id="14" dur="1" fill="hold">
                                           <p:stCondLst>
                                             <p:cond delay="0"/>
                                           </p:stCondLst>
@@ -5419,52 +5734,51 @@
                                         <p:strVal val="visible"/>
                                       </p:to>
                                     </p:set>
-                                    <p:anim calcmode="lin" valueType="num">
-                                      <p:cBhvr additive="base">
-                                        <p:cTn id="25" dur="500" fill="hold"/>
+                                  </p:childTnLst>
+                                </p:cTn>
+                              </p:par>
+                            </p:childTnLst>
+                          </p:cTn>
+                        </p:par>
+                      </p:childTnLst>
+                    </p:cTn>
+                  </p:par>
+                  <p:par>
+                    <p:cTn id="15" fill="hold">
+                      <p:stCondLst>
+                        <p:cond delay="indefinite"/>
+                      </p:stCondLst>
+                      <p:childTnLst>
+                        <p:par>
+                          <p:cTn id="16" fill="hold">
+                            <p:stCondLst>
+                              <p:cond delay="0"/>
+                            </p:stCondLst>
+                            <p:childTnLst>
+                              <p:par>
+                                <p:cTn id="17" presetID="1" presetClass="entr" presetSubtype="0" fill="hold" grpId="0" nodeType="clickEffect">
+                                  <p:stCondLst>
+                                    <p:cond delay="0"/>
+                                  </p:stCondLst>
+                                  <p:childTnLst>
+                                    <p:set>
+                                      <p:cBhvr>
+                                        <p:cTn id="18" dur="1" fill="hold">
+                                          <p:stCondLst>
+                                            <p:cond delay="0"/>
+                                          </p:stCondLst>
+                                        </p:cTn>
                                         <p:tgtEl>
-                                          <p:spTgt spid="7"/>
+                                          <p:spTgt spid="10"/>
                                         </p:tgtEl>
                                         <p:attrNameLst>
-                                          <p:attrName>ppt_x</p:attrName>
+                                          <p:attrName>style.visibility</p:attrName>
                                         </p:attrNameLst>
                                       </p:cBhvr>
-                                      <p:tavLst>
-                                        <p:tav tm="0">
-                                          <p:val>
-                                            <p:strVal val="#ppt_x"/>
-                                          </p:val>
-                                        </p:tav>
-                                        <p:tav tm="100000">
-                                          <p:val>
-                                            <p:strVal val="#ppt_x"/>
-                                          </p:val>
-                                        </p:tav>
-                                      </p:tavLst>
-                                    </p:anim>
-                                    <p:anim calcmode="lin" valueType="num">
-                                      <p:cBhvr additive="base">
-                                        <p:cTn id="26" dur="500" fill="hold"/>
-                                        <p:tgtEl>
-                                          <p:spTgt spid="7"/>
-                                        </p:tgtEl>
-                                        <p:attrNameLst>
-                                          <p:attrName>ppt_y</p:attrName>
-                                        </p:attrNameLst>
-                                      </p:cBhvr>
-                                      <p:tavLst>
-                                        <p:tav tm="0">
-                                          <p:val>
-                                            <p:strVal val="1+#ppt_h/2"/>
-                                          </p:val>
-                                        </p:tav>
-                                        <p:tav tm="100000">
-                                          <p:val>
-                                            <p:strVal val="#ppt_y"/>
-                                          </p:val>
-                                        </p:tav>
-                                      </p:tavLst>
-                                    </p:anim>
+                                      <p:to>
+                                        <p:strVal val="visible"/>
+                                      </p:to>
+                                    </p:set>
                                   </p:childTnLst>
                                 </p:cTn>
                               </p:par>
@@ -5496,301 +5810,12 @@
       </p:par>
     </p:tnLst>
     <p:bldLst>
-      <p:bldP spid="7" grpId="0"/>
+      <p:bldP spid="3" grpId="0" animBg="1"/>
+      <p:bldP spid="7" grpId="0" animBg="1"/>
+      <p:bldP spid="9" grpId="0" animBg="1"/>
+      <p:bldP spid="10" grpId="0" animBg="1"/>
     </p:bldLst>
   </p:timing>
-</p:sld>
-</file>
-
-<file path=ppt/slides/slide2.xml><?xml version="1.0" encoding="utf-8"?>
-<p:sld xmlns:a="http://schemas.openxmlformats.org/drawingml/2006/main" xmlns:r="http://schemas.openxmlformats.org/officeDocument/2006/relationships" xmlns:p="http://schemas.openxmlformats.org/presentationml/2006/main">
-  <p:cSld>
-    <p:spTree>
-      <p:nvGrpSpPr>
-        <p:cNvPr id="1" name=""/>
-        <p:cNvGrpSpPr/>
-        <p:nvPr/>
-      </p:nvGrpSpPr>
-      <p:grpSpPr>
-        <a:xfrm>
-          <a:off x="0" y="0"/>
-          <a:ext cx="0" cy="0"/>
-          <a:chOff x="0" y="0"/>
-          <a:chExt cx="0" cy="0"/>
-        </a:xfrm>
-      </p:grpSpPr>
-      <p:sp>
-        <p:nvSpPr>
-          <p:cNvPr id="2" name="Titre 1">
-            <a:extLst>
-              <a:ext uri="{FF2B5EF4-FFF2-40B4-BE49-F238E27FC236}">
-                <a16:creationId xmlns:a16="http://schemas.microsoft.com/office/drawing/2014/main" id="{BA83EB1A-03F7-294F-F088-EB2EA567D90B}"/>
-              </a:ext>
-            </a:extLst>
-          </p:cNvPr>
-          <p:cNvSpPr>
-            <a:spLocks noGrp="1"/>
-          </p:cNvSpPr>
-          <p:nvPr>
-            <p:ph type="title"/>
-          </p:nvPr>
-        </p:nvSpPr>
-        <p:spPr>
-          <a:xfrm>
-            <a:off x="398992" y="365125"/>
-            <a:ext cx="10954808" cy="1325563"/>
-          </a:xfrm>
-        </p:spPr>
-        <p:txBody>
-          <a:bodyPr>
-            <a:normAutofit/>
-          </a:bodyPr>
-          <a:lstStyle/>
-          <a:p>
-            <a:r>
-              <a:rPr lang="fr-FR" dirty="0"/>
-              <a:t>Pour commencer, j’ai fais un UML pour avoir une idée de comment commencer ma BDD</a:t>
-            </a:r>
-          </a:p>
-        </p:txBody>
-      </p:sp>
-      <p:sp>
-        <p:nvSpPr>
-          <p:cNvPr id="6" name="ZoneTexte 5">
-            <a:extLst>
-              <a:ext uri="{FF2B5EF4-FFF2-40B4-BE49-F238E27FC236}">
-                <a16:creationId xmlns:a16="http://schemas.microsoft.com/office/drawing/2014/main" id="{2004E578-85EF-CDC9-1BA4-0A2CEC0169CD}"/>
-              </a:ext>
-            </a:extLst>
-          </p:cNvPr>
-          <p:cNvSpPr txBox="1"/>
-          <p:nvPr/>
-        </p:nvSpPr>
-        <p:spPr>
-          <a:xfrm>
-            <a:off x="8125756" y="2481259"/>
-            <a:ext cx="3228044" cy="2230739"/>
-          </a:xfrm>
-          <a:prstGeom prst="rect">
-            <a:avLst/>
-          </a:prstGeom>
-          <a:noFill/>
-        </p:spPr>
-        <p:txBody>
-          <a:bodyPr wrap="square" rtlCol="0">
-            <a:spAutoFit/>
-          </a:bodyPr>
-          <a:lstStyle/>
-          <a:p>
-            <a:pPr>
-              <a:lnSpc>
-                <a:spcPct val="200000"/>
-              </a:lnSpc>
-            </a:pPr>
-            <a:r>
-              <a:rPr lang="fr-FR" dirty="0"/>
-              <a:t>Une fois mon UML terminer, j’ai commencer a crée ma BDD sur PhpMyAdmin,  en prenant pour exemple UML</a:t>
-            </a:r>
-          </a:p>
-        </p:txBody>
-      </p:sp>
-      <p:pic>
-        <p:nvPicPr>
-          <p:cNvPr id="5" name="Image 4">
-            <a:extLst>
-              <a:ext uri="{FF2B5EF4-FFF2-40B4-BE49-F238E27FC236}">
-                <a16:creationId xmlns:a16="http://schemas.microsoft.com/office/drawing/2014/main" id="{92F4F443-B299-46A7-DBF8-2AD2814242BF}"/>
-              </a:ext>
-            </a:extLst>
-          </p:cNvPr>
-          <p:cNvPicPr>
-            <a:picLocks noChangeAspect="1"/>
-          </p:cNvPicPr>
-          <p:nvPr/>
-        </p:nvPicPr>
-        <p:blipFill>
-          <a:blip r:embed="rId2"/>
-          <a:stretch>
-            <a:fillRect/>
-          </a:stretch>
-        </p:blipFill>
-        <p:spPr>
-          <a:xfrm>
-            <a:off x="273579" y="1690688"/>
-            <a:ext cx="7126288" cy="4894262"/>
-          </a:xfrm>
-          <a:prstGeom prst="rect">
-            <a:avLst/>
-          </a:prstGeom>
-        </p:spPr>
-      </p:pic>
-    </p:spTree>
-    <p:extLst>
-      <p:ext uri="{BB962C8B-B14F-4D97-AF65-F5344CB8AC3E}">
-        <p14:creationId xmlns:p14="http://schemas.microsoft.com/office/powerpoint/2010/main" val="344235748"/>
-      </p:ext>
-    </p:extLst>
-  </p:cSld>
-  <p:clrMapOvr>
-    <a:masterClrMapping/>
-  </p:clrMapOvr>
-</p:sld>
-</file>
-
-<file path=ppt/slides/slide3.xml><?xml version="1.0" encoding="utf-8"?>
-<p:sld xmlns:a="http://schemas.openxmlformats.org/drawingml/2006/main" xmlns:r="http://schemas.openxmlformats.org/officeDocument/2006/relationships" xmlns:p="http://schemas.openxmlformats.org/presentationml/2006/main">
-  <p:cSld>
-    <p:spTree>
-      <p:nvGrpSpPr>
-        <p:cNvPr id="1" name=""/>
-        <p:cNvGrpSpPr/>
-        <p:nvPr/>
-      </p:nvGrpSpPr>
-      <p:grpSpPr>
-        <a:xfrm>
-          <a:off x="0" y="0"/>
-          <a:ext cx="0" cy="0"/>
-          <a:chOff x="0" y="0"/>
-          <a:chExt cx="0" cy="0"/>
-        </a:xfrm>
-      </p:grpSpPr>
-      <p:sp>
-        <p:nvSpPr>
-          <p:cNvPr id="2" name="Titre 1">
-            <a:extLst>
-              <a:ext uri="{FF2B5EF4-FFF2-40B4-BE49-F238E27FC236}">
-                <a16:creationId xmlns:a16="http://schemas.microsoft.com/office/drawing/2014/main" id="{644432D9-BAEB-8ACF-1920-7C7B807FDE8E}"/>
-              </a:ext>
-            </a:extLst>
-          </p:cNvPr>
-          <p:cNvSpPr>
-            <a:spLocks noGrp="1"/>
-          </p:cNvSpPr>
-          <p:nvPr>
-            <p:ph type="title"/>
-          </p:nvPr>
-        </p:nvSpPr>
-        <p:spPr>
-          <a:xfrm>
-            <a:off x="84667" y="223838"/>
-            <a:ext cx="6807200" cy="1325563"/>
-          </a:xfrm>
-        </p:spPr>
-        <p:txBody>
-          <a:bodyPr/>
-          <a:lstStyle/>
-          <a:p>
-            <a:r>
-              <a:rPr lang="fr-FR" b="1" u="sng" dirty="0"/>
-              <a:t>CREATION DE TABLE SUR BDD</a:t>
-            </a:r>
-          </a:p>
-        </p:txBody>
-      </p:sp>
-      <p:pic>
-        <p:nvPicPr>
-          <p:cNvPr id="5" name="Espace réservé du contenu 4">
-            <a:extLst>
-              <a:ext uri="{FF2B5EF4-FFF2-40B4-BE49-F238E27FC236}">
-                <a16:creationId xmlns:a16="http://schemas.microsoft.com/office/drawing/2014/main" id="{D87FD703-A3B3-A1FB-664B-23190ED618AC}"/>
-              </a:ext>
-            </a:extLst>
-          </p:cNvPr>
-          <p:cNvPicPr>
-            <a:picLocks noGrp="1" noChangeAspect="1"/>
-          </p:cNvPicPr>
-          <p:nvPr>
-            <p:ph idx="1"/>
-          </p:nvPr>
-        </p:nvPicPr>
-        <p:blipFill>
-          <a:blip r:embed="rId2"/>
-          <a:stretch>
-            <a:fillRect/>
-          </a:stretch>
-        </p:blipFill>
-        <p:spPr>
-          <a:xfrm>
-            <a:off x="283246" y="1236134"/>
-            <a:ext cx="6410041" cy="3310466"/>
-          </a:xfrm>
-        </p:spPr>
-      </p:pic>
-      <p:pic>
-        <p:nvPicPr>
-          <p:cNvPr id="4" name="Image 3">
-            <a:extLst>
-              <a:ext uri="{FF2B5EF4-FFF2-40B4-BE49-F238E27FC236}">
-                <a16:creationId xmlns:a16="http://schemas.microsoft.com/office/drawing/2014/main" id="{B909E5AF-590A-9D7F-B9EB-07E8329DE60D}"/>
-              </a:ext>
-            </a:extLst>
-          </p:cNvPr>
-          <p:cNvPicPr>
-            <a:picLocks noChangeAspect="1"/>
-          </p:cNvPicPr>
-          <p:nvPr/>
-        </p:nvPicPr>
-        <p:blipFill>
-          <a:blip r:embed="rId3"/>
-          <a:stretch>
-            <a:fillRect/>
-          </a:stretch>
-        </p:blipFill>
-        <p:spPr>
-          <a:xfrm>
-            <a:off x="6969369" y="0"/>
-            <a:ext cx="5222631" cy="6858000"/>
-          </a:xfrm>
-          <a:prstGeom prst="rect">
-            <a:avLst/>
-          </a:prstGeom>
-        </p:spPr>
-      </p:pic>
-      <p:sp>
-        <p:nvSpPr>
-          <p:cNvPr id="6" name="ZoneTexte 5">
-            <a:extLst>
-              <a:ext uri="{FF2B5EF4-FFF2-40B4-BE49-F238E27FC236}">
-                <a16:creationId xmlns:a16="http://schemas.microsoft.com/office/drawing/2014/main" id="{980A2702-31C9-BC10-0445-F9B004A99F35}"/>
-              </a:ext>
-            </a:extLst>
-          </p:cNvPr>
-          <p:cNvSpPr txBox="1"/>
-          <p:nvPr/>
-        </p:nvSpPr>
-        <p:spPr>
-          <a:xfrm>
-            <a:off x="629108" y="4794032"/>
-            <a:ext cx="5941026" cy="369332"/>
-          </a:xfrm>
-          <a:prstGeom prst="rect">
-            <a:avLst/>
-          </a:prstGeom>
-          <a:noFill/>
-        </p:spPr>
-        <p:txBody>
-          <a:bodyPr wrap="square" rtlCol="0">
-            <a:spAutoFit/>
-          </a:bodyPr>
-          <a:lstStyle/>
-          <a:p>
-            <a:r>
-              <a:rPr lang="fr-FR" b="1" dirty="0"/>
-              <a:t>L’utilisation de FOREIGN KEY pour relié les tables entres elle .</a:t>
-            </a:r>
-          </a:p>
-        </p:txBody>
-      </p:sp>
-    </p:spTree>
-    <p:extLst>
-      <p:ext uri="{BB962C8B-B14F-4D97-AF65-F5344CB8AC3E}">
-        <p14:creationId xmlns:p14="http://schemas.microsoft.com/office/powerpoint/2010/main" val="1385272537"/>
-      </p:ext>
-    </p:extLst>
-  </p:cSld>
-  <p:clrMapOvr>
-    <a:masterClrMapping/>
-  </p:clrMapOvr>
 </p:sld>
 </file>
 
@@ -5987,6 +6012,144 @@
           </a:p>
         </p:txBody>
       </p:sp>
+      <p:sp>
+        <p:nvSpPr>
+          <p:cNvPr id="2" name="Flèche : droite 1">
+            <a:extLst>
+              <a:ext uri="{FF2B5EF4-FFF2-40B4-BE49-F238E27FC236}">
+                <a16:creationId xmlns:a16="http://schemas.microsoft.com/office/drawing/2014/main" id="{3D7172E8-8518-A12F-A44E-EBDC970DD3E1}"/>
+              </a:ext>
+            </a:extLst>
+          </p:cNvPr>
+          <p:cNvSpPr/>
+          <p:nvPr/>
+        </p:nvSpPr>
+        <p:spPr>
+          <a:xfrm rot="7396072">
+            <a:off x="2839606" y="1345319"/>
+            <a:ext cx="1227666" cy="1017303"/>
+          </a:xfrm>
+          <a:prstGeom prst="rightArrow">
+            <a:avLst/>
+          </a:prstGeom>
+        </p:spPr>
+        <p:style>
+          <a:lnRef idx="2">
+            <a:schemeClr val="accent1">
+              <a:shade val="15000"/>
+            </a:schemeClr>
+          </a:lnRef>
+          <a:fillRef idx="1">
+            <a:schemeClr val="accent1"/>
+          </a:fillRef>
+          <a:effectRef idx="0">
+            <a:schemeClr val="accent1"/>
+          </a:effectRef>
+          <a:fontRef idx="minor">
+            <a:schemeClr val="lt1"/>
+          </a:fontRef>
+        </p:style>
+        <p:txBody>
+          <a:bodyPr rtlCol="0" anchor="ctr"/>
+          <a:lstStyle/>
+          <a:p>
+            <a:pPr algn="ctr"/>
+            <a:endParaRPr lang="fr-FR"/>
+          </a:p>
+        </p:txBody>
+      </p:sp>
+      <p:sp>
+        <p:nvSpPr>
+          <p:cNvPr id="4" name="Flèche : droite 3">
+            <a:extLst>
+              <a:ext uri="{FF2B5EF4-FFF2-40B4-BE49-F238E27FC236}">
+                <a16:creationId xmlns:a16="http://schemas.microsoft.com/office/drawing/2014/main" id="{E5A312C0-F8A1-87D3-DC5A-D3AEFC3AD266}"/>
+              </a:ext>
+            </a:extLst>
+          </p:cNvPr>
+          <p:cNvSpPr/>
+          <p:nvPr/>
+        </p:nvSpPr>
+        <p:spPr>
+          <a:xfrm rot="1248732">
+            <a:off x="4692916" y="1603232"/>
+            <a:ext cx="1227666" cy="1017303"/>
+          </a:xfrm>
+          <a:prstGeom prst="rightArrow">
+            <a:avLst/>
+          </a:prstGeom>
+        </p:spPr>
+        <p:style>
+          <a:lnRef idx="2">
+            <a:schemeClr val="accent1">
+              <a:shade val="15000"/>
+            </a:schemeClr>
+          </a:lnRef>
+          <a:fillRef idx="1">
+            <a:schemeClr val="accent1"/>
+          </a:fillRef>
+          <a:effectRef idx="0">
+            <a:schemeClr val="accent1"/>
+          </a:effectRef>
+          <a:fontRef idx="minor">
+            <a:schemeClr val="lt1"/>
+          </a:fontRef>
+        </p:style>
+        <p:txBody>
+          <a:bodyPr rtlCol="0" anchor="ctr"/>
+          <a:lstStyle/>
+          <a:p>
+            <a:pPr algn="ctr"/>
+            <a:endParaRPr lang="fr-FR"/>
+          </a:p>
+        </p:txBody>
+      </p:sp>
+      <p:sp>
+        <p:nvSpPr>
+          <p:cNvPr id="6" name="Flèche : droite 5">
+            <a:extLst>
+              <a:ext uri="{FF2B5EF4-FFF2-40B4-BE49-F238E27FC236}">
+                <a16:creationId xmlns:a16="http://schemas.microsoft.com/office/drawing/2014/main" id="{955255E3-6F9C-A6B4-A84F-AA9681E54026}"/>
+              </a:ext>
+            </a:extLst>
+          </p:cNvPr>
+          <p:cNvSpPr/>
+          <p:nvPr/>
+        </p:nvSpPr>
+        <p:spPr>
+          <a:xfrm rot="20436049">
+            <a:off x="4458339" y="2980452"/>
+            <a:ext cx="1227666" cy="1017303"/>
+          </a:xfrm>
+          <a:prstGeom prst="rightArrow">
+            <a:avLst/>
+          </a:prstGeom>
+        </p:spPr>
+        <p:style>
+          <a:lnRef idx="2">
+            <a:schemeClr val="accent1">
+              <a:shade val="15000"/>
+            </a:schemeClr>
+          </a:lnRef>
+          <a:fillRef idx="1">
+            <a:schemeClr val="accent1"/>
+          </a:fillRef>
+          <a:effectRef idx="0">
+            <a:schemeClr val="accent1"/>
+          </a:effectRef>
+          <a:fontRef idx="minor">
+            <a:schemeClr val="lt1"/>
+          </a:fontRef>
+        </p:style>
+        <p:txBody>
+          <a:bodyPr rtlCol="0" anchor="ctr"/>
+          <a:lstStyle/>
+          <a:p>
+            <a:pPr algn="ctr"/>
+            <a:endParaRPr lang="fr-FR"/>
+          </a:p>
+        </p:txBody>
+      </p:sp>
     </p:spTree>
     <p:extLst>
       <p:ext uri="{BB962C8B-B14F-4D97-AF65-F5344CB8AC3E}">
@@ -5997,6 +6160,241 @@
   <p:clrMapOvr>
     <a:masterClrMapping/>
   </p:clrMapOvr>
+  <p:transition spd="slow">
+    <p:push dir="u"/>
+  </p:transition>
+  <p:timing>
+    <p:tnLst>
+      <p:par>
+        <p:cTn id="1" dur="indefinite" restart="never" nodeType="tmRoot">
+          <p:childTnLst>
+            <p:seq concurrent="1" nextAc="seek">
+              <p:cTn id="2" dur="indefinite" nodeType="mainSeq">
+                <p:childTnLst>
+                  <p:par>
+                    <p:cTn id="3" fill="hold">
+                      <p:stCondLst>
+                        <p:cond delay="indefinite"/>
+                      </p:stCondLst>
+                      <p:childTnLst>
+                        <p:par>
+                          <p:cTn id="4" fill="hold">
+                            <p:stCondLst>
+                              <p:cond delay="0"/>
+                            </p:stCondLst>
+                            <p:childTnLst>
+                              <p:par>
+                                <p:cTn id="5" presetID="1" presetClass="entr" presetSubtype="0" fill="hold" grpId="0" nodeType="clickEffect">
+                                  <p:stCondLst>
+                                    <p:cond delay="0"/>
+                                  </p:stCondLst>
+                                  <p:childTnLst>
+                                    <p:set>
+                                      <p:cBhvr>
+                                        <p:cTn id="6" dur="1" fill="hold">
+                                          <p:stCondLst>
+                                            <p:cond delay="0"/>
+                                          </p:stCondLst>
+                                        </p:cTn>
+                                        <p:tgtEl>
+                                          <p:spTgt spid="2"/>
+                                        </p:tgtEl>
+                                        <p:attrNameLst>
+                                          <p:attrName>style.visibility</p:attrName>
+                                        </p:attrNameLst>
+                                      </p:cBhvr>
+                                      <p:to>
+                                        <p:strVal val="visible"/>
+                                      </p:to>
+                                    </p:set>
+                                  </p:childTnLst>
+                                </p:cTn>
+                              </p:par>
+                            </p:childTnLst>
+                          </p:cTn>
+                        </p:par>
+                      </p:childTnLst>
+                    </p:cTn>
+                  </p:par>
+                  <p:par>
+                    <p:cTn id="7" fill="hold">
+                      <p:stCondLst>
+                        <p:cond delay="indefinite"/>
+                      </p:stCondLst>
+                      <p:childTnLst>
+                        <p:par>
+                          <p:cTn id="8" fill="hold">
+                            <p:stCondLst>
+                              <p:cond delay="0"/>
+                            </p:stCondLst>
+                            <p:childTnLst>
+                              <p:par>
+                                <p:cTn id="9" presetID="1" presetClass="entr" presetSubtype="0" fill="hold" grpId="1" nodeType="clickEffect">
+                                  <p:stCondLst>
+                                    <p:cond delay="0"/>
+                                  </p:stCondLst>
+                                  <p:childTnLst>
+                                    <p:set>
+                                      <p:cBhvr>
+                                        <p:cTn id="10" dur="1" fill="hold">
+                                          <p:stCondLst>
+                                            <p:cond delay="0"/>
+                                          </p:stCondLst>
+                                        </p:cTn>
+                                        <p:tgtEl>
+                                          <p:spTgt spid="4"/>
+                                        </p:tgtEl>
+                                        <p:attrNameLst>
+                                          <p:attrName>style.visibility</p:attrName>
+                                        </p:attrNameLst>
+                                      </p:cBhvr>
+                                      <p:to>
+                                        <p:strVal val="visible"/>
+                                      </p:to>
+                                    </p:set>
+                                  </p:childTnLst>
+                                </p:cTn>
+                              </p:par>
+                            </p:childTnLst>
+                          </p:cTn>
+                        </p:par>
+                      </p:childTnLst>
+                    </p:cTn>
+                  </p:par>
+                  <p:par>
+                    <p:cTn id="11" fill="hold">
+                      <p:stCondLst>
+                        <p:cond delay="indefinite"/>
+                      </p:stCondLst>
+                      <p:childTnLst>
+                        <p:par>
+                          <p:cTn id="12" fill="hold">
+                            <p:stCondLst>
+                              <p:cond delay="0"/>
+                            </p:stCondLst>
+                            <p:childTnLst>
+                              <p:par>
+                                <p:cTn id="13" presetID="10" presetClass="exit" presetSubtype="0" fill="hold" grpId="2" nodeType="clickEffect">
+                                  <p:stCondLst>
+                                    <p:cond delay="0"/>
+                                  </p:stCondLst>
+                                  <p:childTnLst>
+                                    <p:animEffect transition="out" filter="fade">
+                                      <p:cBhvr>
+                                        <p:cTn id="14" dur="500"/>
+                                        <p:tgtEl>
+                                          <p:spTgt spid="4"/>
+                                        </p:tgtEl>
+                                      </p:cBhvr>
+                                    </p:animEffect>
+                                    <p:set>
+                                      <p:cBhvr>
+                                        <p:cTn id="15" dur="1" fill="hold">
+                                          <p:stCondLst>
+                                            <p:cond delay="499"/>
+                                          </p:stCondLst>
+                                        </p:cTn>
+                                        <p:tgtEl>
+                                          <p:spTgt spid="4"/>
+                                        </p:tgtEl>
+                                        <p:attrNameLst>
+                                          <p:attrName>style.visibility</p:attrName>
+                                        </p:attrNameLst>
+                                      </p:cBhvr>
+                                      <p:to>
+                                        <p:strVal val="hidden"/>
+                                      </p:to>
+                                    </p:set>
+                                  </p:childTnLst>
+                                </p:cTn>
+                              </p:par>
+                            </p:childTnLst>
+                          </p:cTn>
+                        </p:par>
+                      </p:childTnLst>
+                    </p:cTn>
+                  </p:par>
+                  <p:par>
+                    <p:cTn id="16" fill="hold">
+                      <p:stCondLst>
+                        <p:cond delay="indefinite"/>
+                      </p:stCondLst>
+                      <p:childTnLst>
+                        <p:par>
+                          <p:cTn id="17" fill="hold">
+                            <p:stCondLst>
+                              <p:cond delay="0"/>
+                            </p:stCondLst>
+                            <p:childTnLst>
+                              <p:par>
+                                <p:cTn id="18" presetID="10" presetClass="entr" presetSubtype="0" fill="hold" grpId="0" nodeType="clickEffect">
+                                  <p:stCondLst>
+                                    <p:cond delay="0"/>
+                                  </p:stCondLst>
+                                  <p:childTnLst>
+                                    <p:set>
+                                      <p:cBhvr>
+                                        <p:cTn id="19" dur="1" fill="hold">
+                                          <p:stCondLst>
+                                            <p:cond delay="0"/>
+                                          </p:stCondLst>
+                                        </p:cTn>
+                                        <p:tgtEl>
+                                          <p:spTgt spid="6"/>
+                                        </p:tgtEl>
+                                        <p:attrNameLst>
+                                          <p:attrName>style.visibility</p:attrName>
+                                        </p:attrNameLst>
+                                      </p:cBhvr>
+                                      <p:to>
+                                        <p:strVal val="visible"/>
+                                      </p:to>
+                                    </p:set>
+                                    <p:animEffect transition="in" filter="fade">
+                                      <p:cBhvr>
+                                        <p:cTn id="20" dur="500"/>
+                                        <p:tgtEl>
+                                          <p:spTgt spid="6"/>
+                                        </p:tgtEl>
+                                      </p:cBhvr>
+                                    </p:animEffect>
+                                  </p:childTnLst>
+                                </p:cTn>
+                              </p:par>
+                            </p:childTnLst>
+                          </p:cTn>
+                        </p:par>
+                      </p:childTnLst>
+                    </p:cTn>
+                  </p:par>
+                </p:childTnLst>
+              </p:cTn>
+              <p:prevCondLst>
+                <p:cond evt="onPrev" delay="0">
+                  <p:tgtEl>
+                    <p:sldTgt/>
+                  </p:tgtEl>
+                </p:cond>
+              </p:prevCondLst>
+              <p:nextCondLst>
+                <p:cond evt="onNext" delay="0">
+                  <p:tgtEl>
+                    <p:sldTgt/>
+                  </p:tgtEl>
+                </p:cond>
+              </p:nextCondLst>
+            </p:seq>
+          </p:childTnLst>
+        </p:cTn>
+      </p:par>
+    </p:tnLst>
+    <p:bldLst>
+      <p:bldP spid="2" grpId="0" animBg="1"/>
+      <p:bldP spid="4" grpId="1" animBg="1"/>
+      <p:bldP spid="4" grpId="2" animBg="1"/>
+      <p:bldP spid="6" grpId="0" animBg="1"/>
+    </p:bldLst>
+  </p:timing>
 </p:sld>
 </file>
 
@@ -6120,15 +6518,15 @@
             </a:r>
             <a:r>
               <a:rPr lang="fr-FR" dirty="0"/>
-              <a:t> sur le header car il est appeler sur toute les pages, ça m’évite de faire un </a:t>
+              <a:t> sur le header car il est appeler sur toute les pages, c’est donc un composant et sa m’évite de me </a:t>
             </a:r>
             <a:r>
               <a:rPr lang="fr-FR" dirty="0" err="1"/>
-              <a:t>require</a:t>
+              <a:t>repeter</a:t>
             </a:r>
             <a:r>
               <a:rPr lang="fr-FR" dirty="0"/>
-              <a:t> sur chaque page .</a:t>
+              <a:t> sur chaque page.</a:t>
             </a:r>
           </a:p>
           <a:p>
@@ -6215,6 +6613,52 @@
           </a:p>
         </p:txBody>
       </p:sp>
+      <p:sp>
+        <p:nvSpPr>
+          <p:cNvPr id="3" name="Flèche : droite 2">
+            <a:extLst>
+              <a:ext uri="{FF2B5EF4-FFF2-40B4-BE49-F238E27FC236}">
+                <a16:creationId xmlns:a16="http://schemas.microsoft.com/office/drawing/2014/main" id="{F2C0A2E8-4C04-DD67-C7F9-1633FFAAE619}"/>
+              </a:ext>
+            </a:extLst>
+          </p:cNvPr>
+          <p:cNvSpPr/>
+          <p:nvPr/>
+        </p:nvSpPr>
+        <p:spPr>
+          <a:xfrm rot="10147916">
+            <a:off x="6530976" y="1120534"/>
+            <a:ext cx="1227666" cy="1017303"/>
+          </a:xfrm>
+          <a:prstGeom prst="rightArrow">
+            <a:avLst/>
+          </a:prstGeom>
+        </p:spPr>
+        <p:style>
+          <a:lnRef idx="2">
+            <a:schemeClr val="accent1">
+              <a:shade val="15000"/>
+            </a:schemeClr>
+          </a:lnRef>
+          <a:fillRef idx="1">
+            <a:schemeClr val="accent1"/>
+          </a:fillRef>
+          <a:effectRef idx="0">
+            <a:schemeClr val="accent1"/>
+          </a:effectRef>
+          <a:fontRef idx="minor">
+            <a:schemeClr val="lt1"/>
+          </a:fontRef>
+        </p:style>
+        <p:txBody>
+          <a:bodyPr rtlCol="0" anchor="ctr"/>
+          <a:lstStyle/>
+          <a:p>
+            <a:pPr algn="ctr"/>
+            <a:endParaRPr lang="fr-FR"/>
+          </a:p>
+        </p:txBody>
+      </p:sp>
     </p:spTree>
     <p:extLst>
       <p:ext uri="{BB962C8B-B14F-4D97-AF65-F5344CB8AC3E}">
@@ -6225,6 +6669,87 @@
   <p:clrMapOvr>
     <a:masterClrMapping/>
   </p:clrMapOvr>
+  <p:transition spd="slow">
+    <p:push dir="u"/>
+  </p:transition>
+  <p:timing>
+    <p:tnLst>
+      <p:par>
+        <p:cTn id="1" dur="indefinite" restart="never" nodeType="tmRoot">
+          <p:childTnLst>
+            <p:seq concurrent="1" nextAc="seek">
+              <p:cTn id="2" dur="indefinite" nodeType="mainSeq">
+                <p:childTnLst>
+                  <p:par>
+                    <p:cTn id="3" fill="hold">
+                      <p:stCondLst>
+                        <p:cond delay="indefinite"/>
+                      </p:stCondLst>
+                      <p:childTnLst>
+                        <p:par>
+                          <p:cTn id="4" fill="hold">
+                            <p:stCondLst>
+                              <p:cond delay="0"/>
+                            </p:stCondLst>
+                            <p:childTnLst>
+                              <p:par>
+                                <p:cTn id="5" presetID="1" presetClass="entr" presetSubtype="0" fill="hold" grpId="0" nodeType="clickEffect">
+                                  <p:stCondLst>
+                                    <p:cond delay="0"/>
+                                  </p:stCondLst>
+                                  <p:childTnLst>
+                                    <p:set>
+                                      <p:cBhvr>
+                                        <p:cTn id="6" dur="1" fill="hold">
+                                          <p:stCondLst>
+                                            <p:cond delay="0"/>
+                                          </p:stCondLst>
+                                        </p:cTn>
+                                        <p:tgtEl>
+                                          <p:spTgt spid="3"/>
+                                        </p:tgtEl>
+                                        <p:attrNameLst>
+                                          <p:attrName>style.visibility</p:attrName>
+                                        </p:attrNameLst>
+                                      </p:cBhvr>
+                                      <p:to>
+                                        <p:strVal val="visible"/>
+                                      </p:to>
+                                    </p:set>
+                                  </p:childTnLst>
+                                </p:cTn>
+                              </p:par>
+                            </p:childTnLst>
+                          </p:cTn>
+                        </p:par>
+                      </p:childTnLst>
+                    </p:cTn>
+                  </p:par>
+                </p:childTnLst>
+              </p:cTn>
+              <p:prevCondLst>
+                <p:cond evt="onPrev" delay="0">
+                  <p:tgtEl>
+                    <p:sldTgt/>
+                  </p:tgtEl>
+                </p:cond>
+              </p:prevCondLst>
+              <p:nextCondLst>
+                <p:cond evt="onNext" delay="0">
+                  <p:tgtEl>
+                    <p:sldTgt/>
+                  </p:tgtEl>
+                </p:cond>
+              </p:nextCondLst>
+            </p:seq>
+          </p:childTnLst>
+        </p:cTn>
+      </p:par>
+    </p:tnLst>
+    <p:bldLst>
+      <p:bldP spid="3" grpId="0" animBg="1"/>
+    </p:bldLst>
+  </p:timing>
 </p:sld>
 </file>
 
@@ -6310,7 +6835,7 @@
           <a:p>
             <a:r>
               <a:rPr lang="fr-FR" sz="2400" dirty="0"/>
-              <a:t>Pour afficher tout les fruits (qui sont sur ma BDD) j’ai besoin de crée une fonction sur lequel se trouve ma requête SQL ainsi que mes méthodes :</a:t>
+              <a:t>Pour afficher tout les fruits (qui sont sur ma BDD) crée une fonction sur lequel se trouve ma requête SQL ainsi que mes méthodes :</a:t>
             </a:r>
           </a:p>
           <a:p>
@@ -6463,6 +6988,9 @@
   <p:clrMapOvr>
     <a:masterClrMapping/>
   </p:clrMapOvr>
+  <p:transition spd="slow">
+    <p:push dir="u"/>
+  </p:transition>
 </p:sld>
 </file>
 
@@ -6721,6 +7249,9 @@
   <p:clrMapOvr>
     <a:masterClrMapping/>
   </p:clrMapOvr>
+  <p:transition spd="slow">
+    <p:push dir="u"/>
+  </p:transition>
 </p:sld>
 </file>
 
@@ -6883,6 +7414,9 @@
   <p:clrMapOvr>
     <a:masterClrMapping/>
   </p:clrMapOvr>
+  <p:transition spd="slow">
+    <p:push dir="u"/>
+  </p:transition>
 </p:sld>
 </file>
 
@@ -6979,7 +7513,7 @@
             </a:r>
             <a:r>
               <a:rPr lang="fr-FR" dirty="0"/>
-              <a:t> « POST » afin d’envoyer les donnés dans la requête HTTP plutôt que sur l’URL il a fallut que je nomme le formulaire avec </a:t>
+              <a:t> « POST » afin d’envoyer les donnés dans la requête HTTP plutôt que sur l’URL</a:t>
             </a:r>
           </a:p>
         </p:txBody>
@@ -6994,6 +7528,9 @@
   <p:clrMapOvr>
     <a:masterClrMapping/>
   </p:clrMapOvr>
+  <p:transition spd="slow">
+    <p:push dir="u"/>
+  </p:transition>
 </p:sld>
 </file>
 
